--- a/files/course_material/2022_Spring/PPT/Lecture1.pptx
+++ b/files/course_material/2022_Spring/PPT/Lecture1.pptx
@@ -5,67 +5,68 @@
     <p:sldMasterId id="2147483648" r:id="rId1"/>
   </p:sldMasterIdLst>
   <p:notesMasterIdLst>
-    <p:notesMasterId r:id="rId57"/>
+    <p:notesMasterId r:id="rId58"/>
   </p:notesMasterIdLst>
   <p:handoutMasterIdLst>
-    <p:handoutMasterId r:id="rId58"/>
+    <p:handoutMasterId r:id="rId59"/>
   </p:handoutMasterIdLst>
   <p:sldIdLst>
     <p:sldId id="256" r:id="rId2"/>
     <p:sldId id="319" r:id="rId3"/>
     <p:sldId id="304" r:id="rId4"/>
-    <p:sldId id="321" r:id="rId5"/>
-    <p:sldId id="322" r:id="rId6"/>
-    <p:sldId id="257" r:id="rId7"/>
-    <p:sldId id="303" r:id="rId8"/>
-    <p:sldId id="269" r:id="rId9"/>
-    <p:sldId id="270" r:id="rId10"/>
-    <p:sldId id="271" r:id="rId11"/>
-    <p:sldId id="272" r:id="rId12"/>
-    <p:sldId id="273" r:id="rId13"/>
-    <p:sldId id="274" r:id="rId14"/>
-    <p:sldId id="275" r:id="rId15"/>
-    <p:sldId id="276" r:id="rId16"/>
-    <p:sldId id="277" r:id="rId17"/>
-    <p:sldId id="278" r:id="rId18"/>
-    <p:sldId id="279" r:id="rId19"/>
-    <p:sldId id="280" r:id="rId20"/>
-    <p:sldId id="281" r:id="rId21"/>
-    <p:sldId id="301" r:id="rId22"/>
-    <p:sldId id="282" r:id="rId23"/>
-    <p:sldId id="283" r:id="rId24"/>
-    <p:sldId id="284" r:id="rId25"/>
-    <p:sldId id="285" r:id="rId26"/>
-    <p:sldId id="286" r:id="rId27"/>
-    <p:sldId id="287" r:id="rId28"/>
-    <p:sldId id="288" r:id="rId29"/>
-    <p:sldId id="289" r:id="rId30"/>
-    <p:sldId id="290" r:id="rId31"/>
-    <p:sldId id="291" r:id="rId32"/>
-    <p:sldId id="302" r:id="rId33"/>
-    <p:sldId id="292" r:id="rId34"/>
-    <p:sldId id="293" r:id="rId35"/>
-    <p:sldId id="294" r:id="rId36"/>
-    <p:sldId id="295" r:id="rId37"/>
-    <p:sldId id="296" r:id="rId38"/>
-    <p:sldId id="297" r:id="rId39"/>
-    <p:sldId id="298" r:id="rId40"/>
-    <p:sldId id="299" r:id="rId41"/>
-    <p:sldId id="300" r:id="rId42"/>
-    <p:sldId id="306" r:id="rId43"/>
-    <p:sldId id="307" r:id="rId44"/>
-    <p:sldId id="308" r:id="rId45"/>
-    <p:sldId id="309" r:id="rId46"/>
-    <p:sldId id="310" r:id="rId47"/>
-    <p:sldId id="311" r:id="rId48"/>
-    <p:sldId id="312" r:id="rId49"/>
-    <p:sldId id="313" r:id="rId50"/>
-    <p:sldId id="314" r:id="rId51"/>
-    <p:sldId id="315" r:id="rId52"/>
-    <p:sldId id="316" r:id="rId53"/>
-    <p:sldId id="318" r:id="rId54"/>
-    <p:sldId id="317" r:id="rId55"/>
-    <p:sldId id="268" r:id="rId56"/>
+    <p:sldId id="323" r:id="rId5"/>
+    <p:sldId id="321" r:id="rId6"/>
+    <p:sldId id="322" r:id="rId7"/>
+    <p:sldId id="257" r:id="rId8"/>
+    <p:sldId id="303" r:id="rId9"/>
+    <p:sldId id="269" r:id="rId10"/>
+    <p:sldId id="270" r:id="rId11"/>
+    <p:sldId id="271" r:id="rId12"/>
+    <p:sldId id="272" r:id="rId13"/>
+    <p:sldId id="273" r:id="rId14"/>
+    <p:sldId id="274" r:id="rId15"/>
+    <p:sldId id="275" r:id="rId16"/>
+    <p:sldId id="276" r:id="rId17"/>
+    <p:sldId id="277" r:id="rId18"/>
+    <p:sldId id="278" r:id="rId19"/>
+    <p:sldId id="279" r:id="rId20"/>
+    <p:sldId id="280" r:id="rId21"/>
+    <p:sldId id="281" r:id="rId22"/>
+    <p:sldId id="301" r:id="rId23"/>
+    <p:sldId id="282" r:id="rId24"/>
+    <p:sldId id="283" r:id="rId25"/>
+    <p:sldId id="284" r:id="rId26"/>
+    <p:sldId id="285" r:id="rId27"/>
+    <p:sldId id="286" r:id="rId28"/>
+    <p:sldId id="287" r:id="rId29"/>
+    <p:sldId id="288" r:id="rId30"/>
+    <p:sldId id="289" r:id="rId31"/>
+    <p:sldId id="290" r:id="rId32"/>
+    <p:sldId id="291" r:id="rId33"/>
+    <p:sldId id="302" r:id="rId34"/>
+    <p:sldId id="292" r:id="rId35"/>
+    <p:sldId id="293" r:id="rId36"/>
+    <p:sldId id="294" r:id="rId37"/>
+    <p:sldId id="295" r:id="rId38"/>
+    <p:sldId id="296" r:id="rId39"/>
+    <p:sldId id="297" r:id="rId40"/>
+    <p:sldId id="298" r:id="rId41"/>
+    <p:sldId id="299" r:id="rId42"/>
+    <p:sldId id="300" r:id="rId43"/>
+    <p:sldId id="306" r:id="rId44"/>
+    <p:sldId id="307" r:id="rId45"/>
+    <p:sldId id="308" r:id="rId46"/>
+    <p:sldId id="309" r:id="rId47"/>
+    <p:sldId id="310" r:id="rId48"/>
+    <p:sldId id="311" r:id="rId49"/>
+    <p:sldId id="312" r:id="rId50"/>
+    <p:sldId id="313" r:id="rId51"/>
+    <p:sldId id="314" r:id="rId52"/>
+    <p:sldId id="315" r:id="rId53"/>
+    <p:sldId id="316" r:id="rId54"/>
+    <p:sldId id="318" r:id="rId55"/>
+    <p:sldId id="317" r:id="rId56"/>
+    <p:sldId id="268" r:id="rId57"/>
   </p:sldIdLst>
   <p:sldSz cx="12192000" cy="6858000"/>
   <p:notesSz cx="6858000" cy="9144000"/>
@@ -257,7 +258,7 @@
           <a:p>
             <a:fld id="{D1D9D5B2-5D7A-4763-8DB5-E223CE43EB7B}" type="datetimeFigureOut">
               <a:rPr lang="zh-TW" altLang="en-US" smtClean="0"/>
-              <a:t>2022/2/15</a:t>
+              <a:t>2022/2/17</a:t>
             </a:fld>
             <a:endParaRPr lang="zh-TW" altLang="en-US"/>
           </a:p>
@@ -422,7 +423,7 @@
           <a:p>
             <a:fld id="{5C6EDD7B-3C59-42F5-83C0-F26EC9B997CE}" type="datetimeFigureOut">
               <a:rPr lang="zh-TW" altLang="en-US" smtClean="0"/>
-              <a:t>2022/2/15</a:t>
+              <a:t>2022/2/17</a:t>
             </a:fld>
             <a:endParaRPr lang="zh-TW" altLang="en-US"/>
           </a:p>
@@ -778,7 +779,7 @@
           <a:p>
             <a:fld id="{6CD820AF-5E6E-4719-B4F9-C9C71C744AA4}" type="slidenum">
               <a:rPr lang="zh-TW" altLang="en-US" smtClean="0"/>
-              <a:t>43</a:t>
+              <a:t>44</a:t>
             </a:fld>
             <a:endParaRPr lang="zh-TW" altLang="en-US"/>
           </a:p>
@@ -866,7 +867,7 @@
           <a:p>
             <a:fld id="{6CD820AF-5E6E-4719-B4F9-C9C71C744AA4}" type="slidenum">
               <a:rPr lang="zh-TW" altLang="en-US" smtClean="0"/>
-              <a:t>50</a:t>
+              <a:t>51</a:t>
             </a:fld>
             <a:endParaRPr lang="zh-TW" altLang="en-US"/>
           </a:p>
@@ -954,7 +955,7 @@
           <a:p>
             <a:fld id="{6CD820AF-5E6E-4719-B4F9-C9C71C744AA4}" type="slidenum">
               <a:rPr lang="zh-TW" altLang="en-US" smtClean="0"/>
-              <a:t>52</a:t>
+              <a:t>53</a:t>
             </a:fld>
             <a:endParaRPr lang="zh-TW" altLang="en-US"/>
           </a:p>
@@ -1042,7 +1043,7 @@
           <a:p>
             <a:fld id="{6CD820AF-5E6E-4719-B4F9-C9C71C744AA4}" type="slidenum">
               <a:rPr lang="zh-TW" altLang="en-US" smtClean="0"/>
-              <a:t>54</a:t>
+              <a:t>55</a:t>
             </a:fld>
             <a:endParaRPr lang="zh-TW" altLang="en-US"/>
           </a:p>
@@ -4324,7 +4325,7 @@
           <a:p>
             <a:r>
               <a:rPr lang="en-US" dirty="0" smtClean="0"/>
-              <a:t>Rewards</a:t>
+              <a:t>Difference between Reinforcement Learning and other Learning Algorithms</a:t>
             </a:r>
             <a:endParaRPr lang="en-US" dirty="0"/>
           </a:p>
@@ -4347,36 +4348,37 @@
           <a:p>
             <a:r>
               <a:rPr lang="en-US" dirty="0" smtClean="0"/>
-              <a:t>A reward</a:t>
-            </a:r>
-          </a:p>
-          <a:p>
-            <a:pPr lvl="1"/>
+              <a:t>No supervisor, only reward signals.</a:t>
+            </a:r>
+          </a:p>
+          <a:p>
+            <a:r>
+              <a:rPr lang="en-US" dirty="0" smtClean="0"/>
+              <a:t>Does not get feedbacks instantaneously.</a:t>
+            </a:r>
+          </a:p>
+          <a:p>
+            <a:r>
+              <a:rPr lang="en-US" dirty="0" smtClean="0"/>
+              <a:t>Data is sequential (not </a:t>
+            </a:r>
             <a:r>
               <a:rPr lang="en-US" dirty="0" err="1" smtClean="0"/>
-              <a:t>R</a:t>
-            </a:r>
-            <a:r>
-              <a:rPr lang="en-US" baseline="-25000" dirty="0" err="1" smtClean="0"/>
-              <a:t>t</a:t>
+              <a:t>i.i.d</a:t>
             </a:r>
             <a:r>
               <a:rPr lang="en-US" dirty="0" smtClean="0"/>
-              <a:t> is a scalar feedback signal.</a:t>
-            </a:r>
-          </a:p>
-          <a:p>
-            <a:pPr lvl="1"/>
+              <a:t>. data).</a:t>
+            </a:r>
+          </a:p>
+          <a:p>
             <a:r>
               <a:rPr lang="en-US" dirty="0" smtClean="0"/>
-              <a:t>Indicates how well an agent is doing at time t.</a:t>
-            </a:r>
-          </a:p>
-          <a:p>
-            <a:r>
-              <a:rPr lang="en-US" dirty="0" smtClean="0"/>
-              <a:t>The goal of an agent is to maximize cumulative reward.</a:t>
-            </a:r>
+              <a:t>The action of the agent will affect subsequent data that agent receives.</a:t>
+            </a:r>
+          </a:p>
+          <a:p>
+            <a:endParaRPr lang="en-US" dirty="0" smtClean="0"/>
           </a:p>
           <a:p>
             <a:endParaRPr lang="en-US" dirty="0" smtClean="0"/>
@@ -4458,7 +4460,7 @@
     </p:spTree>
     <p:extLst>
       <p:ext uri="{BB962C8B-B14F-4D97-AF65-F5344CB8AC3E}">
-        <p14:creationId xmlns:p14="http://schemas.microsoft.com/office/powerpoint/2010/main" val="873650475"/>
+        <p14:creationId xmlns:p14="http://schemas.microsoft.com/office/powerpoint/2010/main" val="1351573363"/>
       </p:ext>
     </p:extLst>
   </p:cSld>
@@ -4501,9 +4503,10 @@
           <a:lstStyle/>
           <a:p>
             <a:r>
-              <a:rPr lang="en-US" dirty="0"/>
-              <a:t>Sequential Decision Making</a:t>
-            </a:r>
+              <a:rPr lang="en-US" dirty="0" smtClean="0"/>
+              <a:t>Rewards</a:t>
+            </a:r>
+            <a:endParaRPr lang="en-US" dirty="0"/>
           </a:p>
         </p:txBody>
       </p:sp>
@@ -4524,61 +4527,41 @@
           <a:p>
             <a:r>
               <a:rPr lang="en-US" dirty="0" smtClean="0"/>
-              <a:t>Goal: Select actions to maximize total future rewards.</a:t>
-            </a:r>
-          </a:p>
-          <a:p>
+              <a:t>A reward</a:t>
+            </a:r>
+          </a:p>
+          <a:p>
+            <a:pPr lvl="1"/>
+            <a:r>
+              <a:rPr lang="en-US" dirty="0" err="1" smtClean="0"/>
+              <a:t>R</a:t>
+            </a:r>
+            <a:r>
+              <a:rPr lang="en-US" baseline="-25000" dirty="0" err="1" smtClean="0"/>
+              <a:t>t</a:t>
+            </a:r>
             <a:r>
               <a:rPr lang="en-US" dirty="0" smtClean="0"/>
-              <a:t>Actions may have long-term consequence.</a:t>
-            </a:r>
-          </a:p>
-          <a:p>
+              <a:t> is a scalar feedback signal.</a:t>
+            </a:r>
+          </a:p>
+          <a:p>
+            <a:pPr lvl="1"/>
             <a:r>
               <a:rPr lang="en-US" dirty="0" smtClean="0"/>
-              <a:t>Reward may be delayed.</a:t>
+              <a:t>Indicates how well an agent is doing at time t.</a:t>
             </a:r>
           </a:p>
           <a:p>
             <a:r>
               <a:rPr lang="en-US" dirty="0" smtClean="0"/>
-              <a:t>It may be better to sacrifice instantaneous reward to gain more long-term reward.</a:t>
-            </a:r>
-          </a:p>
-          <a:p>
-            <a:r>
-              <a:rPr lang="en-US" dirty="0" smtClean="0"/>
-              <a:t>E.g.</a:t>
-            </a:r>
-          </a:p>
-          <a:p>
-            <a:pPr lvl="1"/>
-            <a:r>
-              <a:rPr lang="en-US" dirty="0" smtClean="0"/>
-              <a:t>A </a:t>
-            </a:r>
-            <a:r>
-              <a:rPr lang="en-US" dirty="0"/>
-              <a:t>F</a:t>
-            </a:r>
-            <a:r>
-              <a:rPr lang="en-US" dirty="0" smtClean="0"/>
-              <a:t>inancial Investment</a:t>
-            </a:r>
-          </a:p>
-          <a:p>
-            <a:pPr lvl="1"/>
-            <a:r>
-              <a:rPr lang="en-US" dirty="0" smtClean="0"/>
-              <a:t>Refueling a Helicopter</a:t>
-            </a:r>
-          </a:p>
-          <a:p>
-            <a:pPr lvl="1"/>
-            <a:r>
-              <a:rPr lang="en-US" dirty="0" smtClean="0"/>
-              <a:t>Blocking Opponent Moves</a:t>
-            </a:r>
+              <a:t>The goal of an agent is to maximize cumulative reward.</a:t>
+            </a:r>
+          </a:p>
+          <a:p>
+            <a:endParaRPr lang="en-US" dirty="0" smtClean="0"/>
+          </a:p>
+          <a:p>
             <a:endParaRPr lang="en-US" dirty="0"/>
           </a:p>
         </p:txBody>
@@ -4655,7 +4638,7 @@
     </p:spTree>
     <p:extLst>
       <p:ext uri="{BB962C8B-B14F-4D97-AF65-F5344CB8AC3E}">
-        <p14:creationId xmlns:p14="http://schemas.microsoft.com/office/powerpoint/2010/main" val="1743767555"/>
+        <p14:creationId xmlns:p14="http://schemas.microsoft.com/office/powerpoint/2010/main" val="873650475"/>
       </p:ext>
     </p:extLst>
   </p:cSld>
@@ -4699,6 +4682,203 @@
           <a:p>
             <a:r>
               <a:rPr lang="en-US" dirty="0"/>
+              <a:t>Sequential Decision Making</a:t>
+            </a:r>
+          </a:p>
+        </p:txBody>
+      </p:sp>
+      <p:sp>
+        <p:nvSpPr>
+          <p:cNvPr id="3" name="內容版面配置區 2"/>
+          <p:cNvSpPr>
+            <a:spLocks noGrp="1"/>
+          </p:cNvSpPr>
+          <p:nvPr>
+            <p:ph idx="1"/>
+          </p:nvPr>
+        </p:nvSpPr>
+        <p:spPr/>
+        <p:txBody>
+          <a:bodyPr/>
+          <a:lstStyle/>
+          <a:p>
+            <a:r>
+              <a:rPr lang="en-US" dirty="0" smtClean="0"/>
+              <a:t>Goal: Select actions to maximize total future rewards.</a:t>
+            </a:r>
+          </a:p>
+          <a:p>
+            <a:r>
+              <a:rPr lang="en-US" dirty="0" smtClean="0"/>
+              <a:t>Actions may have long-term consequence.</a:t>
+            </a:r>
+          </a:p>
+          <a:p>
+            <a:r>
+              <a:rPr lang="en-US" dirty="0" smtClean="0"/>
+              <a:t>Reward may be delayed.</a:t>
+            </a:r>
+          </a:p>
+          <a:p>
+            <a:r>
+              <a:rPr lang="en-US" dirty="0" smtClean="0"/>
+              <a:t>It may be better to sacrifice instantaneous reward to gain more long-term reward.</a:t>
+            </a:r>
+          </a:p>
+          <a:p>
+            <a:r>
+              <a:rPr lang="en-US" dirty="0" smtClean="0"/>
+              <a:t>E.g.</a:t>
+            </a:r>
+          </a:p>
+          <a:p>
+            <a:pPr lvl="1"/>
+            <a:r>
+              <a:rPr lang="en-US" dirty="0" smtClean="0"/>
+              <a:t>A </a:t>
+            </a:r>
+            <a:r>
+              <a:rPr lang="en-US" dirty="0"/>
+              <a:t>F</a:t>
+            </a:r>
+            <a:r>
+              <a:rPr lang="en-US" dirty="0" smtClean="0"/>
+              <a:t>inancial Investment</a:t>
+            </a:r>
+          </a:p>
+          <a:p>
+            <a:pPr lvl="1"/>
+            <a:r>
+              <a:rPr lang="en-US" dirty="0" smtClean="0"/>
+              <a:t>Refueling a Helicopter</a:t>
+            </a:r>
+          </a:p>
+          <a:p>
+            <a:pPr lvl="1"/>
+            <a:r>
+              <a:rPr lang="en-US" dirty="0" smtClean="0"/>
+              <a:t>Blocking Opponent Moves</a:t>
+            </a:r>
+            <a:endParaRPr lang="en-US" dirty="0"/>
+          </a:p>
+        </p:txBody>
+      </p:sp>
+      <p:sp>
+        <p:nvSpPr>
+          <p:cNvPr id="4" name="日期版面配置區 3"/>
+          <p:cNvSpPr>
+            <a:spLocks noGrp="1"/>
+          </p:cNvSpPr>
+          <p:nvPr>
+            <p:ph type="dt" sz="half" idx="10"/>
+          </p:nvPr>
+        </p:nvSpPr>
+        <p:spPr/>
+        <p:txBody>
+          <a:bodyPr/>
+          <a:lstStyle/>
+          <a:p>
+            <a:r>
+              <a:rPr lang="en-US" altLang="zh-TW" smtClean="0"/>
+              <a:t>February 2022</a:t>
+            </a:r>
+            <a:endParaRPr lang="zh-TW" altLang="en-US"/>
+          </a:p>
+        </p:txBody>
+      </p:sp>
+      <p:sp>
+        <p:nvSpPr>
+          <p:cNvPr id="5" name="頁尾版面配置區 4"/>
+          <p:cNvSpPr>
+            <a:spLocks noGrp="1"/>
+          </p:cNvSpPr>
+          <p:nvPr>
+            <p:ph type="ftr" sz="quarter" idx="11"/>
+          </p:nvPr>
+        </p:nvSpPr>
+        <p:spPr/>
+        <p:txBody>
+          <a:bodyPr/>
+          <a:lstStyle/>
+          <a:p>
+            <a:r>
+              <a:rPr lang="en-US" altLang="zh-TW" smtClean="0"/>
+              <a:t>National Kaohsiung University of Science and Technology</a:t>
+            </a:r>
+            <a:endParaRPr lang="zh-TW" altLang="en-US"/>
+          </a:p>
+        </p:txBody>
+      </p:sp>
+      <p:sp>
+        <p:nvSpPr>
+          <p:cNvPr id="6" name="投影片編號版面配置區 5"/>
+          <p:cNvSpPr>
+            <a:spLocks noGrp="1"/>
+          </p:cNvSpPr>
+          <p:nvPr>
+            <p:ph type="sldNum" sz="quarter" idx="12"/>
+          </p:nvPr>
+        </p:nvSpPr>
+        <p:spPr/>
+        <p:txBody>
+          <a:bodyPr/>
+          <a:lstStyle/>
+          <a:p>
+            <a:fld id="{5045ACBE-646A-47C1-AE77-0176D1C48DE1}" type="slidenum">
+              <a:rPr lang="zh-TW" altLang="en-US" smtClean="0"/>
+              <a:t>12</a:t>
+            </a:fld>
+            <a:endParaRPr lang="zh-TW" altLang="en-US"/>
+          </a:p>
+        </p:txBody>
+      </p:sp>
+    </p:spTree>
+    <p:extLst>
+      <p:ext uri="{BB962C8B-B14F-4D97-AF65-F5344CB8AC3E}">
+        <p14:creationId xmlns:p14="http://schemas.microsoft.com/office/powerpoint/2010/main" val="1743767555"/>
+      </p:ext>
+    </p:extLst>
+  </p:cSld>
+  <p:clrMapOvr>
+    <a:masterClrMapping/>
+  </p:clrMapOvr>
+</p:sld>
+</file>
+
+<file path=ppt/slides/slide13.xml><?xml version="1.0" encoding="utf-8"?>
+<p:sld xmlns:a="http://schemas.openxmlformats.org/drawingml/2006/main" xmlns:r="http://schemas.openxmlformats.org/officeDocument/2006/relationships" xmlns:p="http://schemas.openxmlformats.org/presentationml/2006/main">
+  <p:cSld>
+    <p:spTree>
+      <p:nvGrpSpPr>
+        <p:cNvPr id="1" name=""/>
+        <p:cNvGrpSpPr/>
+        <p:nvPr/>
+      </p:nvGrpSpPr>
+      <p:grpSpPr>
+        <a:xfrm>
+          <a:off x="0" y="0"/>
+          <a:ext cx="0" cy="0"/>
+          <a:chOff x="0" y="0"/>
+          <a:chExt cx="0" cy="0"/>
+        </a:xfrm>
+      </p:grpSpPr>
+      <p:sp>
+        <p:nvSpPr>
+          <p:cNvPr id="2" name="標題 1"/>
+          <p:cNvSpPr>
+            <a:spLocks noGrp="1"/>
+          </p:cNvSpPr>
+          <p:nvPr>
+            <p:ph type="title"/>
+          </p:nvPr>
+        </p:nvSpPr>
+        <p:spPr/>
+        <p:txBody>
+          <a:bodyPr/>
+          <a:lstStyle/>
+          <a:p>
+            <a:r>
+              <a:rPr lang="en-US" dirty="0"/>
               <a:t>Agent and Environment</a:t>
             </a:r>
           </a:p>
@@ -4796,7 +4976,7 @@
           <a:p>
             <a:fld id="{5045ACBE-646A-47C1-AE77-0176D1C48DE1}" type="slidenum">
               <a:rPr lang="zh-TW" altLang="en-US" smtClean="0"/>
-              <a:t>12</a:t>
+              <a:t>13</a:t>
             </a:fld>
             <a:endParaRPr lang="zh-TW" altLang="en-US"/>
           </a:p>
@@ -5121,7 +5301,7 @@
 </p:sld>
 </file>
 
-<file path=ppt/slides/slide13.xml><?xml version="1.0" encoding="utf-8"?>
+<file path=ppt/slides/slide14.xml><?xml version="1.0" encoding="utf-8"?>
 <p:sld xmlns:a="http://schemas.openxmlformats.org/drawingml/2006/main" xmlns:r="http://schemas.openxmlformats.org/officeDocument/2006/relationships" xmlns:p="http://schemas.openxmlformats.org/presentationml/2006/main">
   <p:cSld>
     <p:spTree>
@@ -5387,7 +5567,7 @@
           <a:p>
             <a:fld id="{5045ACBE-646A-47C1-AE77-0176D1C48DE1}" type="slidenum">
               <a:rPr lang="zh-TW" altLang="en-US" smtClean="0"/>
-              <a:t>13</a:t>
+              <a:t>14</a:t>
             </a:fld>
             <a:endParaRPr lang="zh-TW" altLang="en-US"/>
           </a:p>
@@ -5406,7 +5586,7 @@
 </p:sld>
 </file>
 
-<file path=ppt/slides/slide14.xml><?xml version="1.0" encoding="utf-8"?>
+<file path=ppt/slides/slide15.xml><?xml version="1.0" encoding="utf-8"?>
 <p:sld xmlns:a="http://schemas.openxmlformats.org/drawingml/2006/main" xmlns:r="http://schemas.openxmlformats.org/officeDocument/2006/relationships" xmlns:p="http://schemas.openxmlformats.org/presentationml/2006/main">
   <p:cSld>
     <p:spTree>
@@ -5839,7 +6019,7 @@
           <a:p>
             <a:fld id="{5045ACBE-646A-47C1-AE77-0176D1C48DE1}" type="slidenum">
               <a:rPr lang="zh-TW" altLang="en-US" smtClean="0"/>
-              <a:t>14</a:t>
+              <a:t>15</a:t>
             </a:fld>
             <a:endParaRPr lang="zh-TW" altLang="en-US"/>
           </a:p>
@@ -5858,7 +6038,7 @@
 </p:sld>
 </file>
 
-<file path=ppt/slides/slide15.xml><?xml version="1.0" encoding="utf-8"?>
+<file path=ppt/slides/slide16.xml><?xml version="1.0" encoding="utf-8"?>
 <p:sld xmlns:a="http://schemas.openxmlformats.org/drawingml/2006/main" xmlns:r="http://schemas.openxmlformats.org/officeDocument/2006/relationships" xmlns:p="http://schemas.openxmlformats.org/presentationml/2006/main">
   <p:cSld>
     <p:spTree>
@@ -6123,7 +6303,7 @@
           <a:p>
             <a:fld id="{5045ACBE-646A-47C1-AE77-0176D1C48DE1}" type="slidenum">
               <a:rPr lang="zh-TW" altLang="en-US" smtClean="0"/>
-              <a:t>15</a:t>
+              <a:t>16</a:t>
             </a:fld>
             <a:endParaRPr lang="zh-TW" altLang="en-US"/>
           </a:p>
@@ -6142,7 +6322,7 @@
 </p:sld>
 </file>
 
-<file path=ppt/slides/slide16.xml><?xml version="1.0" encoding="utf-8"?>
+<file path=ppt/slides/slide17.xml><?xml version="1.0" encoding="utf-8"?>
 <p:sld xmlns:a="http://schemas.openxmlformats.org/drawingml/2006/main" xmlns:r="http://schemas.openxmlformats.org/officeDocument/2006/relationships" xmlns:p="http://schemas.openxmlformats.org/presentationml/2006/main">
   <p:cSld>
     <p:spTree>
@@ -6320,7 +6500,7 @@
           <a:p>
             <a:fld id="{5045ACBE-646A-47C1-AE77-0176D1C48DE1}" type="slidenum">
               <a:rPr lang="zh-TW" altLang="en-US" smtClean="0"/>
-              <a:t>16</a:t>
+              <a:t>17</a:t>
             </a:fld>
             <a:endParaRPr lang="zh-TW" altLang="en-US"/>
           </a:p>
@@ -6339,7 +6519,7 @@
 </p:sld>
 </file>
 
-<file path=ppt/slides/slide17.xml><?xml version="1.0" encoding="utf-8"?>
+<file path=ppt/slides/slide18.xml><?xml version="1.0" encoding="utf-8"?>
 <p:sld xmlns:a="http://schemas.openxmlformats.org/drawingml/2006/main" xmlns:r="http://schemas.openxmlformats.org/officeDocument/2006/relationships" xmlns:p="http://schemas.openxmlformats.org/presentationml/2006/main">
   <p:cSld>
     <p:spTree>
@@ -6628,7 +6808,7 @@
           <a:p>
             <a:fld id="{5045ACBE-646A-47C1-AE77-0176D1C48DE1}" type="slidenum">
               <a:rPr lang="zh-TW" altLang="en-US" smtClean="0"/>
-              <a:t>17</a:t>
+              <a:t>18</a:t>
             </a:fld>
             <a:endParaRPr lang="zh-TW" altLang="en-US"/>
           </a:p>
@@ -6676,7 +6856,7 @@
 </p:sld>
 </file>
 
-<file path=ppt/slides/slide18.xml><?xml version="1.0" encoding="utf-8"?>
+<file path=ppt/slides/slide19.xml><?xml version="1.0" encoding="utf-8"?>
 <p:sld xmlns:a="http://schemas.openxmlformats.org/drawingml/2006/main" xmlns:r="http://schemas.openxmlformats.org/officeDocument/2006/relationships" xmlns:p="http://schemas.openxmlformats.org/presentationml/2006/main">
   <p:cSld>
     <p:spTree>
@@ -7304,7 +7484,7 @@
             <a:fld id="{5045ACBE-646A-47C1-AE77-0176D1C48DE1}" type="slidenum">
               <a:rPr lang="zh-TW" altLang="en-US" smtClean="0"/>
               <a:pPr/>
-              <a:t>18</a:t>
+              <a:t>19</a:t>
             </a:fld>
             <a:endParaRPr lang="zh-TW" altLang="en-US"/>
           </a:p>
@@ -7323,7 +7503,155 @@
 </p:sld>
 </file>
 
-<file path=ppt/slides/slide19.xml><?xml version="1.0" encoding="utf-8"?>
+<file path=ppt/slides/slide2.xml><?xml version="1.0" encoding="utf-8"?>
+<p:sld xmlns:a="http://schemas.openxmlformats.org/drawingml/2006/main" xmlns:r="http://schemas.openxmlformats.org/officeDocument/2006/relationships" xmlns:p="http://schemas.openxmlformats.org/presentationml/2006/main">
+  <p:cSld>
+    <p:spTree>
+      <p:nvGrpSpPr>
+        <p:cNvPr id="1" name=""/>
+        <p:cNvGrpSpPr/>
+        <p:nvPr/>
+      </p:nvGrpSpPr>
+      <p:grpSpPr>
+        <a:xfrm>
+          <a:off x="0" y="0"/>
+          <a:ext cx="0" cy="0"/>
+          <a:chOff x="0" y="0"/>
+          <a:chExt cx="0" cy="0"/>
+        </a:xfrm>
+      </p:grpSpPr>
+      <p:sp>
+        <p:nvSpPr>
+          <p:cNvPr id="7" name="標題 6"/>
+          <p:cNvSpPr>
+            <a:spLocks noGrp="1"/>
+          </p:cNvSpPr>
+          <p:nvPr>
+            <p:ph type="title"/>
+          </p:nvPr>
+        </p:nvSpPr>
+        <p:spPr/>
+        <p:txBody>
+          <a:bodyPr/>
+          <a:lstStyle/>
+          <a:p>
+            <a:r>
+              <a:rPr lang="en-US" altLang="zh-TW" dirty="0" smtClean="0"/>
+              <a:t>Syllabus</a:t>
+            </a:r>
+            <a:endParaRPr lang="zh-TW" altLang="en-US" dirty="0"/>
+          </a:p>
+        </p:txBody>
+      </p:sp>
+      <p:sp>
+        <p:nvSpPr>
+          <p:cNvPr id="8" name="文字版面配置區 7"/>
+          <p:cNvSpPr>
+            <a:spLocks noGrp="1"/>
+          </p:cNvSpPr>
+          <p:nvPr>
+            <p:ph type="body" idx="1"/>
+          </p:nvPr>
+        </p:nvSpPr>
+        <p:spPr/>
+        <p:txBody>
+          <a:bodyPr/>
+          <a:lstStyle/>
+          <a:p>
+            <a:endParaRPr lang="zh-TW" altLang="en-US"/>
+          </a:p>
+        </p:txBody>
+      </p:sp>
+      <p:sp>
+        <p:nvSpPr>
+          <p:cNvPr id="4" name="日期版面配置區 3"/>
+          <p:cNvSpPr>
+            <a:spLocks noGrp="1"/>
+          </p:cNvSpPr>
+          <p:nvPr>
+            <p:ph type="dt" sz="half" idx="10"/>
+          </p:nvPr>
+        </p:nvSpPr>
+        <p:spPr/>
+        <p:txBody>
+          <a:bodyPr/>
+          <a:lstStyle/>
+          <a:p>
+            <a:r>
+              <a:rPr lang="en-US" altLang="zh-TW" smtClean="0"/>
+              <a:t>February 2022</a:t>
+            </a:r>
+            <a:endParaRPr lang="zh-TW" altLang="en-US"/>
+          </a:p>
+        </p:txBody>
+      </p:sp>
+      <p:sp>
+        <p:nvSpPr>
+          <p:cNvPr id="5" name="頁尾版面配置區 4"/>
+          <p:cNvSpPr>
+            <a:spLocks noGrp="1"/>
+          </p:cNvSpPr>
+          <p:nvPr>
+            <p:ph type="ftr" sz="quarter" idx="11"/>
+          </p:nvPr>
+        </p:nvSpPr>
+        <p:spPr/>
+        <p:txBody>
+          <a:bodyPr/>
+          <a:lstStyle/>
+          <a:p>
+            <a:r>
+              <a:rPr lang="en-US" altLang="zh-TW" smtClean="0"/>
+              <a:t>National Kaohsiung University of Science and Technology</a:t>
+            </a:r>
+            <a:endParaRPr lang="zh-TW" altLang="en-US"/>
+          </a:p>
+        </p:txBody>
+      </p:sp>
+      <p:sp>
+        <p:nvSpPr>
+          <p:cNvPr id="6" name="投影片編號版面配置區 5"/>
+          <p:cNvSpPr>
+            <a:spLocks noGrp="1"/>
+          </p:cNvSpPr>
+          <p:nvPr>
+            <p:ph type="sldNum" sz="quarter" idx="12"/>
+          </p:nvPr>
+        </p:nvSpPr>
+        <p:spPr/>
+        <p:txBody>
+          <a:bodyPr/>
+          <a:lstStyle/>
+          <a:p>
+            <a:fld id="{CA21FC57-2F32-463F-AC0A-B18DACEEE895}" type="slidenum">
+              <a:rPr lang="zh-TW" altLang="en-US" smtClean="0"/>
+              <a:t>2</a:t>
+            </a:fld>
+            <a:endParaRPr lang="zh-TW" altLang="en-US"/>
+          </a:p>
+        </p:txBody>
+      </p:sp>
+    </p:spTree>
+    <p:extLst>
+      <p:ext uri="{BB962C8B-B14F-4D97-AF65-F5344CB8AC3E}">
+        <p14:creationId xmlns:p14="http://schemas.microsoft.com/office/powerpoint/2010/main" val="2111960956"/>
+      </p:ext>
+    </p:extLst>
+  </p:cSld>
+  <p:clrMapOvr>
+    <a:masterClrMapping/>
+  </p:clrMapOvr>
+  <p:timing>
+    <p:tnLst>
+      <p:par>
+        <p:cTn id="1" dur="indefinite" restart="never" nodeType="tmRoot"/>
+      </p:par>
+    </p:tnLst>
+  </p:timing>
+</p:sld>
+</file>
+
+<file path=ppt/slides/slide20.xml><?xml version="1.0" encoding="utf-8"?>
 <p:sld xmlns:a="http://schemas.openxmlformats.org/drawingml/2006/main" xmlns:r="http://schemas.openxmlformats.org/officeDocument/2006/relationships" xmlns:p="http://schemas.openxmlformats.org/presentationml/2006/main">
   <p:cSld>
     <p:spTree>
@@ -7651,7 +7979,7 @@
           <a:p>
             <a:fld id="{5045ACBE-646A-47C1-AE77-0176D1C48DE1}" type="slidenum">
               <a:rPr lang="zh-TW" altLang="en-US" smtClean="0"/>
-              <a:t>19</a:t>
+              <a:t>20</a:t>
             </a:fld>
             <a:endParaRPr lang="zh-TW" altLang="en-US"/>
           </a:p>
@@ -7670,155 +7998,7 @@
 </p:sld>
 </file>
 
-<file path=ppt/slides/slide2.xml><?xml version="1.0" encoding="utf-8"?>
-<p:sld xmlns:a="http://schemas.openxmlformats.org/drawingml/2006/main" xmlns:r="http://schemas.openxmlformats.org/officeDocument/2006/relationships" xmlns:p="http://schemas.openxmlformats.org/presentationml/2006/main">
-  <p:cSld>
-    <p:spTree>
-      <p:nvGrpSpPr>
-        <p:cNvPr id="1" name=""/>
-        <p:cNvGrpSpPr/>
-        <p:nvPr/>
-      </p:nvGrpSpPr>
-      <p:grpSpPr>
-        <a:xfrm>
-          <a:off x="0" y="0"/>
-          <a:ext cx="0" cy="0"/>
-          <a:chOff x="0" y="0"/>
-          <a:chExt cx="0" cy="0"/>
-        </a:xfrm>
-      </p:grpSpPr>
-      <p:sp>
-        <p:nvSpPr>
-          <p:cNvPr id="7" name="標題 6"/>
-          <p:cNvSpPr>
-            <a:spLocks noGrp="1"/>
-          </p:cNvSpPr>
-          <p:nvPr>
-            <p:ph type="title"/>
-          </p:nvPr>
-        </p:nvSpPr>
-        <p:spPr/>
-        <p:txBody>
-          <a:bodyPr/>
-          <a:lstStyle/>
-          <a:p>
-            <a:r>
-              <a:rPr lang="en-US" altLang="zh-TW" dirty="0" smtClean="0"/>
-              <a:t>Syllabus</a:t>
-            </a:r>
-            <a:endParaRPr lang="zh-TW" altLang="en-US" dirty="0"/>
-          </a:p>
-        </p:txBody>
-      </p:sp>
-      <p:sp>
-        <p:nvSpPr>
-          <p:cNvPr id="8" name="文字版面配置區 7"/>
-          <p:cNvSpPr>
-            <a:spLocks noGrp="1"/>
-          </p:cNvSpPr>
-          <p:nvPr>
-            <p:ph type="body" idx="1"/>
-          </p:nvPr>
-        </p:nvSpPr>
-        <p:spPr/>
-        <p:txBody>
-          <a:bodyPr/>
-          <a:lstStyle/>
-          <a:p>
-            <a:endParaRPr lang="zh-TW" altLang="en-US"/>
-          </a:p>
-        </p:txBody>
-      </p:sp>
-      <p:sp>
-        <p:nvSpPr>
-          <p:cNvPr id="4" name="日期版面配置區 3"/>
-          <p:cNvSpPr>
-            <a:spLocks noGrp="1"/>
-          </p:cNvSpPr>
-          <p:nvPr>
-            <p:ph type="dt" sz="half" idx="10"/>
-          </p:nvPr>
-        </p:nvSpPr>
-        <p:spPr/>
-        <p:txBody>
-          <a:bodyPr/>
-          <a:lstStyle/>
-          <a:p>
-            <a:r>
-              <a:rPr lang="en-US" altLang="zh-TW" smtClean="0"/>
-              <a:t>February 2022</a:t>
-            </a:r>
-            <a:endParaRPr lang="zh-TW" altLang="en-US"/>
-          </a:p>
-        </p:txBody>
-      </p:sp>
-      <p:sp>
-        <p:nvSpPr>
-          <p:cNvPr id="5" name="頁尾版面配置區 4"/>
-          <p:cNvSpPr>
-            <a:spLocks noGrp="1"/>
-          </p:cNvSpPr>
-          <p:nvPr>
-            <p:ph type="ftr" sz="quarter" idx="11"/>
-          </p:nvPr>
-        </p:nvSpPr>
-        <p:spPr/>
-        <p:txBody>
-          <a:bodyPr/>
-          <a:lstStyle/>
-          <a:p>
-            <a:r>
-              <a:rPr lang="en-US" altLang="zh-TW" smtClean="0"/>
-              <a:t>National Kaohsiung University of Science and Technology</a:t>
-            </a:r>
-            <a:endParaRPr lang="zh-TW" altLang="en-US"/>
-          </a:p>
-        </p:txBody>
-      </p:sp>
-      <p:sp>
-        <p:nvSpPr>
-          <p:cNvPr id="6" name="投影片編號版面配置區 5"/>
-          <p:cNvSpPr>
-            <a:spLocks noGrp="1"/>
-          </p:cNvSpPr>
-          <p:nvPr>
-            <p:ph type="sldNum" sz="quarter" idx="12"/>
-          </p:nvPr>
-        </p:nvSpPr>
-        <p:spPr/>
-        <p:txBody>
-          <a:bodyPr/>
-          <a:lstStyle/>
-          <a:p>
-            <a:fld id="{CA21FC57-2F32-463F-AC0A-B18DACEEE895}" type="slidenum">
-              <a:rPr lang="zh-TW" altLang="en-US" smtClean="0"/>
-              <a:t>2</a:t>
-            </a:fld>
-            <a:endParaRPr lang="zh-TW" altLang="en-US"/>
-          </a:p>
-        </p:txBody>
-      </p:sp>
-    </p:spTree>
-    <p:extLst>
-      <p:ext uri="{BB962C8B-B14F-4D97-AF65-F5344CB8AC3E}">
-        <p14:creationId xmlns:p14="http://schemas.microsoft.com/office/powerpoint/2010/main" val="2111960956"/>
-      </p:ext>
-    </p:extLst>
-  </p:cSld>
-  <p:clrMapOvr>
-    <a:masterClrMapping/>
-  </p:clrMapOvr>
-  <p:timing>
-    <p:tnLst>
-      <p:par>
-        <p:cTn id="1" dur="indefinite" restart="never" nodeType="tmRoot"/>
-      </p:par>
-    </p:tnLst>
-  </p:timing>
-</p:sld>
-</file>
-
-<file path=ppt/slides/slide20.xml><?xml version="1.0" encoding="utf-8"?>
+<file path=ppt/slides/slide21.xml><?xml version="1.0" encoding="utf-8"?>
 <p:sld xmlns:a="http://schemas.openxmlformats.org/drawingml/2006/main" xmlns:r="http://schemas.openxmlformats.org/officeDocument/2006/relationships" xmlns:p="http://schemas.openxmlformats.org/presentationml/2006/main">
   <p:cSld>
     <p:spTree>
@@ -8611,7 +8791,7 @@
           <a:p>
             <a:fld id="{5045ACBE-646A-47C1-AE77-0176D1C48DE1}" type="slidenum">
               <a:rPr lang="zh-TW" altLang="en-US" smtClean="0"/>
-              <a:t>20</a:t>
+              <a:t>21</a:t>
             </a:fld>
             <a:endParaRPr lang="zh-TW" altLang="en-US"/>
           </a:p>
@@ -8621,147 +8801,6 @@
     <p:extLst>
       <p:ext uri="{BB962C8B-B14F-4D97-AF65-F5344CB8AC3E}">
         <p14:creationId xmlns:p14="http://schemas.microsoft.com/office/powerpoint/2010/main" val="1283503677"/>
-      </p:ext>
-    </p:extLst>
-  </p:cSld>
-  <p:clrMapOvr>
-    <a:masterClrMapping/>
-  </p:clrMapOvr>
-</p:sld>
-</file>
-
-<file path=ppt/slides/slide21.xml><?xml version="1.0" encoding="utf-8"?>
-<p:sld xmlns:a="http://schemas.openxmlformats.org/drawingml/2006/main" xmlns:r="http://schemas.openxmlformats.org/officeDocument/2006/relationships" xmlns:p="http://schemas.openxmlformats.org/presentationml/2006/main">
-  <p:cSld>
-    <p:spTree>
-      <p:nvGrpSpPr>
-        <p:cNvPr id="1" name=""/>
-        <p:cNvGrpSpPr/>
-        <p:nvPr/>
-      </p:nvGrpSpPr>
-      <p:grpSpPr>
-        <a:xfrm>
-          <a:off x="0" y="0"/>
-          <a:ext cx="0" cy="0"/>
-          <a:chOff x="0" y="0"/>
-          <a:chExt cx="0" cy="0"/>
-        </a:xfrm>
-      </p:grpSpPr>
-      <p:sp>
-        <p:nvSpPr>
-          <p:cNvPr id="9" name="標題 8"/>
-          <p:cNvSpPr>
-            <a:spLocks noGrp="1"/>
-          </p:cNvSpPr>
-          <p:nvPr>
-            <p:ph type="title"/>
-          </p:nvPr>
-        </p:nvSpPr>
-        <p:spPr/>
-        <p:txBody>
-          <a:bodyPr/>
-          <a:lstStyle/>
-          <a:p>
-            <a:r>
-              <a:rPr lang="en-US" dirty="0" smtClean="0"/>
-              <a:t>Reinforcement Learning Agent</a:t>
-            </a:r>
-            <a:endParaRPr lang="en-US" dirty="0"/>
-          </a:p>
-        </p:txBody>
-      </p:sp>
-      <p:sp>
-        <p:nvSpPr>
-          <p:cNvPr id="10" name="文字版面配置區 9"/>
-          <p:cNvSpPr>
-            <a:spLocks noGrp="1"/>
-          </p:cNvSpPr>
-          <p:nvPr>
-            <p:ph type="body" idx="1"/>
-          </p:nvPr>
-        </p:nvSpPr>
-        <p:spPr/>
-        <p:txBody>
-          <a:bodyPr/>
-          <a:lstStyle/>
-          <a:p>
-            <a:endParaRPr lang="en-US"/>
-          </a:p>
-        </p:txBody>
-      </p:sp>
-      <p:sp>
-        <p:nvSpPr>
-          <p:cNvPr id="4" name="日期版面配置區 3"/>
-          <p:cNvSpPr>
-            <a:spLocks noGrp="1"/>
-          </p:cNvSpPr>
-          <p:nvPr>
-            <p:ph type="dt" sz="half" idx="10"/>
-          </p:nvPr>
-        </p:nvSpPr>
-        <p:spPr/>
-        <p:txBody>
-          <a:bodyPr/>
-          <a:lstStyle/>
-          <a:p>
-            <a:r>
-              <a:rPr lang="en-US" altLang="zh-TW" smtClean="0"/>
-              <a:t>February 2022</a:t>
-            </a:r>
-            <a:endParaRPr lang="zh-TW" altLang="en-US"/>
-          </a:p>
-        </p:txBody>
-      </p:sp>
-      <p:sp>
-        <p:nvSpPr>
-          <p:cNvPr id="5" name="頁尾版面配置區 4"/>
-          <p:cNvSpPr>
-            <a:spLocks noGrp="1"/>
-          </p:cNvSpPr>
-          <p:nvPr>
-            <p:ph type="ftr" sz="quarter" idx="11"/>
-          </p:nvPr>
-        </p:nvSpPr>
-        <p:spPr/>
-        <p:txBody>
-          <a:bodyPr/>
-          <a:lstStyle/>
-          <a:p>
-            <a:r>
-              <a:rPr lang="en-US" altLang="zh-TW" smtClean="0"/>
-              <a:t>National Kaohsiung University of Science and Technology</a:t>
-            </a:r>
-            <a:endParaRPr lang="zh-TW" altLang="en-US"/>
-          </a:p>
-        </p:txBody>
-      </p:sp>
-      <p:sp>
-        <p:nvSpPr>
-          <p:cNvPr id="6" name="投影片編號版面配置區 5"/>
-          <p:cNvSpPr>
-            <a:spLocks noGrp="1"/>
-          </p:cNvSpPr>
-          <p:nvPr>
-            <p:ph type="sldNum" sz="quarter" idx="12"/>
-          </p:nvPr>
-        </p:nvSpPr>
-        <p:spPr/>
-        <p:txBody>
-          <a:bodyPr/>
-          <a:lstStyle/>
-          <a:p>
-            <a:fld id="{5045ACBE-646A-47C1-AE77-0176D1C48DE1}" type="slidenum">
-              <a:rPr lang="zh-TW" altLang="en-US" smtClean="0"/>
-              <a:t>21</a:t>
-            </a:fld>
-            <a:endParaRPr lang="zh-TW" altLang="en-US"/>
-          </a:p>
-        </p:txBody>
-      </p:sp>
-    </p:spTree>
-    <p:extLst>
-      <p:ext uri="{BB962C8B-B14F-4D97-AF65-F5344CB8AC3E}">
-        <p14:creationId xmlns:p14="http://schemas.microsoft.com/office/powerpoint/2010/main" val="3983529027"/>
       </p:ext>
     </p:extLst>
   </p:cSld>
@@ -8790,7 +8829,7 @@
       </p:grpSpPr>
       <p:sp>
         <p:nvSpPr>
-          <p:cNvPr id="2" name="標題 1"/>
+          <p:cNvPr id="9" name="標題 8"/>
           <p:cNvSpPr>
             <a:spLocks noGrp="1"/>
           </p:cNvSpPr>
@@ -8805,7 +8844,7 @@
           <a:p>
             <a:r>
               <a:rPr lang="en-US" dirty="0" smtClean="0"/>
-              <a:t>Components of RL Agents</a:t>
+              <a:t>Reinforcement Learning Agent</a:t>
             </a:r>
             <a:endParaRPr lang="en-US" dirty="0"/>
           </a:p>
@@ -8813,51 +8852,20 @@
       </p:sp>
       <p:sp>
         <p:nvSpPr>
-          <p:cNvPr id="3" name="內容版面配置區 2"/>
-          <p:cNvSpPr>
-            <a:spLocks noGrp="1"/>
-          </p:cNvSpPr>
-          <p:nvPr>
-            <p:ph idx="1"/>
-          </p:nvPr>
-        </p:nvSpPr>
-        <p:spPr/>
-        <p:txBody>
-          <a:bodyPr/>
-          <a:lstStyle/>
-          <a:p>
-            <a:r>
-              <a:rPr lang="en-US" dirty="0" smtClean="0"/>
-              <a:t>The components that an agent includes are as follows:</a:t>
-            </a:r>
-          </a:p>
-          <a:p>
-            <a:pPr lvl="1"/>
-            <a:r>
-              <a:rPr lang="en-US" dirty="0" smtClean="0"/>
-              <a:t>Policy: A function to decide the behavior of an agent.</a:t>
-            </a:r>
-          </a:p>
-          <a:p>
-            <a:pPr lvl="1"/>
-            <a:r>
-              <a:rPr lang="en-US" dirty="0" smtClean="0"/>
-              <a:t>Value Function: A function to decide the goodness of an action.</a:t>
-            </a:r>
-          </a:p>
-          <a:p>
-            <a:pPr lvl="1"/>
-            <a:r>
-              <a:rPr lang="en-US" dirty="0" smtClean="0"/>
-              <a:t>Model: An agent’s perspective of an environment.</a:t>
-            </a:r>
-          </a:p>
-          <a:p>
-            <a:r>
-              <a:rPr lang="en-US" dirty="0" smtClean="0"/>
-              <a:t>Three components of an RL agents are not always necessary.</a:t>
-            </a:r>
-            <a:endParaRPr lang="en-US" dirty="0"/>
+          <p:cNvPr id="10" name="文字版面配置區 9"/>
+          <p:cNvSpPr>
+            <a:spLocks noGrp="1"/>
+          </p:cNvSpPr>
+          <p:nvPr>
+            <p:ph type="body" idx="1"/>
+          </p:nvPr>
+        </p:nvSpPr>
+        <p:spPr/>
+        <p:txBody>
+          <a:bodyPr/>
+          <a:lstStyle/>
+          <a:p>
+            <a:endParaRPr lang="en-US"/>
           </a:p>
         </p:txBody>
       </p:sp>
@@ -8925,6 +8933,178 @@
             <a:fld id="{5045ACBE-646A-47C1-AE77-0176D1C48DE1}" type="slidenum">
               <a:rPr lang="zh-TW" altLang="en-US" smtClean="0"/>
               <a:t>22</a:t>
+            </a:fld>
+            <a:endParaRPr lang="zh-TW" altLang="en-US"/>
+          </a:p>
+        </p:txBody>
+      </p:sp>
+    </p:spTree>
+    <p:extLst>
+      <p:ext uri="{BB962C8B-B14F-4D97-AF65-F5344CB8AC3E}">
+        <p14:creationId xmlns:p14="http://schemas.microsoft.com/office/powerpoint/2010/main" val="3983529027"/>
+      </p:ext>
+    </p:extLst>
+  </p:cSld>
+  <p:clrMapOvr>
+    <a:masterClrMapping/>
+  </p:clrMapOvr>
+</p:sld>
+</file>
+
+<file path=ppt/slides/slide23.xml><?xml version="1.0" encoding="utf-8"?>
+<p:sld xmlns:a="http://schemas.openxmlformats.org/drawingml/2006/main" xmlns:r="http://schemas.openxmlformats.org/officeDocument/2006/relationships" xmlns:p="http://schemas.openxmlformats.org/presentationml/2006/main">
+  <p:cSld>
+    <p:spTree>
+      <p:nvGrpSpPr>
+        <p:cNvPr id="1" name=""/>
+        <p:cNvGrpSpPr/>
+        <p:nvPr/>
+      </p:nvGrpSpPr>
+      <p:grpSpPr>
+        <a:xfrm>
+          <a:off x="0" y="0"/>
+          <a:ext cx="0" cy="0"/>
+          <a:chOff x="0" y="0"/>
+          <a:chExt cx="0" cy="0"/>
+        </a:xfrm>
+      </p:grpSpPr>
+      <p:sp>
+        <p:nvSpPr>
+          <p:cNvPr id="2" name="標題 1"/>
+          <p:cNvSpPr>
+            <a:spLocks noGrp="1"/>
+          </p:cNvSpPr>
+          <p:nvPr>
+            <p:ph type="title"/>
+          </p:nvPr>
+        </p:nvSpPr>
+        <p:spPr/>
+        <p:txBody>
+          <a:bodyPr/>
+          <a:lstStyle/>
+          <a:p>
+            <a:r>
+              <a:rPr lang="en-US" dirty="0" smtClean="0"/>
+              <a:t>Components of RL Agents</a:t>
+            </a:r>
+            <a:endParaRPr lang="en-US" dirty="0"/>
+          </a:p>
+        </p:txBody>
+      </p:sp>
+      <p:sp>
+        <p:nvSpPr>
+          <p:cNvPr id="3" name="內容版面配置區 2"/>
+          <p:cNvSpPr>
+            <a:spLocks noGrp="1"/>
+          </p:cNvSpPr>
+          <p:nvPr>
+            <p:ph idx="1"/>
+          </p:nvPr>
+        </p:nvSpPr>
+        <p:spPr/>
+        <p:txBody>
+          <a:bodyPr/>
+          <a:lstStyle/>
+          <a:p>
+            <a:r>
+              <a:rPr lang="en-US" dirty="0" smtClean="0"/>
+              <a:t>The components that an agent includes are as follows:</a:t>
+            </a:r>
+          </a:p>
+          <a:p>
+            <a:pPr lvl="1"/>
+            <a:r>
+              <a:rPr lang="en-US" dirty="0" smtClean="0"/>
+              <a:t>Policy: A function to decide the behavior of an agent.</a:t>
+            </a:r>
+          </a:p>
+          <a:p>
+            <a:pPr lvl="1"/>
+            <a:r>
+              <a:rPr lang="en-US" dirty="0" smtClean="0"/>
+              <a:t>Value Function: A function to decide the goodness of an action.</a:t>
+            </a:r>
+          </a:p>
+          <a:p>
+            <a:pPr lvl="1"/>
+            <a:r>
+              <a:rPr lang="en-US" dirty="0" smtClean="0"/>
+              <a:t>Model: An agent’s perspective of an environment.</a:t>
+            </a:r>
+          </a:p>
+          <a:p>
+            <a:r>
+              <a:rPr lang="en-US" dirty="0" smtClean="0"/>
+              <a:t>Three components of an RL agents are not always necessary.</a:t>
+            </a:r>
+            <a:endParaRPr lang="en-US" dirty="0"/>
+          </a:p>
+        </p:txBody>
+      </p:sp>
+      <p:sp>
+        <p:nvSpPr>
+          <p:cNvPr id="4" name="日期版面配置區 3"/>
+          <p:cNvSpPr>
+            <a:spLocks noGrp="1"/>
+          </p:cNvSpPr>
+          <p:nvPr>
+            <p:ph type="dt" sz="half" idx="10"/>
+          </p:nvPr>
+        </p:nvSpPr>
+        <p:spPr/>
+        <p:txBody>
+          <a:bodyPr/>
+          <a:lstStyle/>
+          <a:p>
+            <a:r>
+              <a:rPr lang="en-US" altLang="zh-TW" smtClean="0"/>
+              <a:t>February 2022</a:t>
+            </a:r>
+            <a:endParaRPr lang="zh-TW" altLang="en-US"/>
+          </a:p>
+        </p:txBody>
+      </p:sp>
+      <p:sp>
+        <p:nvSpPr>
+          <p:cNvPr id="5" name="頁尾版面配置區 4"/>
+          <p:cNvSpPr>
+            <a:spLocks noGrp="1"/>
+          </p:cNvSpPr>
+          <p:nvPr>
+            <p:ph type="ftr" sz="quarter" idx="11"/>
+          </p:nvPr>
+        </p:nvSpPr>
+        <p:spPr/>
+        <p:txBody>
+          <a:bodyPr/>
+          <a:lstStyle/>
+          <a:p>
+            <a:r>
+              <a:rPr lang="en-US" altLang="zh-TW" smtClean="0"/>
+              <a:t>National Kaohsiung University of Science and Technology</a:t>
+            </a:r>
+            <a:endParaRPr lang="zh-TW" altLang="en-US"/>
+          </a:p>
+        </p:txBody>
+      </p:sp>
+      <p:sp>
+        <p:nvSpPr>
+          <p:cNvPr id="6" name="投影片編號版面配置區 5"/>
+          <p:cNvSpPr>
+            <a:spLocks noGrp="1"/>
+          </p:cNvSpPr>
+          <p:nvPr>
+            <p:ph type="sldNum" sz="quarter" idx="12"/>
+          </p:nvPr>
+        </p:nvSpPr>
+        <p:spPr/>
+        <p:txBody>
+          <a:bodyPr/>
+          <a:lstStyle/>
+          <a:p>
+            <a:fld id="{5045ACBE-646A-47C1-AE77-0176D1C48DE1}" type="slidenum">
+              <a:rPr lang="zh-TW" altLang="en-US" smtClean="0"/>
+              <a:t>23</a:t>
             </a:fld>
             <a:endParaRPr lang="zh-TW" altLang="en-US"/>
           </a:p>
@@ -8943,7 +9123,7 @@
 </p:sld>
 </file>
 
-<file path=ppt/slides/slide23.xml><?xml version="1.0" encoding="utf-8"?>
+<file path=ppt/slides/slide24.xml><?xml version="1.0" encoding="utf-8"?>
 <p:sld xmlns:a="http://schemas.openxmlformats.org/drawingml/2006/main" xmlns:r="http://schemas.openxmlformats.org/officeDocument/2006/relationships" xmlns:p="http://schemas.openxmlformats.org/presentationml/2006/main">
   <p:cSld>
     <p:spTree>
@@ -9336,7 +9516,7 @@
           <a:p>
             <a:fld id="{5045ACBE-646A-47C1-AE77-0176D1C48DE1}" type="slidenum">
               <a:rPr lang="zh-TW" altLang="en-US" smtClean="0"/>
-              <a:t>23</a:t>
+              <a:t>24</a:t>
             </a:fld>
             <a:endParaRPr lang="zh-TW" altLang="en-US"/>
           </a:p>
@@ -9362,7 +9542,7 @@
 </p:sld>
 </file>
 
-<file path=ppt/slides/slide24.xml><?xml version="1.0" encoding="utf-8"?>
+<file path=ppt/slides/slide25.xml><?xml version="1.0" encoding="utf-8"?>
 <p:sld xmlns:a="http://schemas.openxmlformats.org/drawingml/2006/main" xmlns:r="http://schemas.openxmlformats.org/officeDocument/2006/relationships" xmlns:p="http://schemas.openxmlformats.org/presentationml/2006/main">
   <p:cSld>
     <p:spTree>
@@ -9818,7 +9998,7 @@
           <a:p>
             <a:fld id="{5045ACBE-646A-47C1-AE77-0176D1C48DE1}" type="slidenum">
               <a:rPr lang="zh-TW" altLang="en-US" smtClean="0"/>
-              <a:t>24</a:t>
+              <a:t>25</a:t>
             </a:fld>
             <a:endParaRPr lang="zh-TW" altLang="en-US"/>
           </a:p>
@@ -9844,7 +10024,7 @@
 </p:sld>
 </file>
 
-<file path=ppt/slides/slide25.xml><?xml version="1.0" encoding="utf-8"?>
+<file path=ppt/slides/slide26.xml><?xml version="1.0" encoding="utf-8"?>
 <p:sld xmlns:a="http://schemas.openxmlformats.org/drawingml/2006/main" xmlns:r="http://schemas.openxmlformats.org/officeDocument/2006/relationships" xmlns:p="http://schemas.openxmlformats.org/presentationml/2006/main">
   <p:cSld>
     <p:spTree>
@@ -10445,7 +10625,7 @@
           <a:p>
             <a:fld id="{5045ACBE-646A-47C1-AE77-0176D1C48DE1}" type="slidenum">
               <a:rPr lang="zh-TW" altLang="en-US" smtClean="0"/>
-              <a:t>25</a:t>
+              <a:t>26</a:t>
             </a:fld>
             <a:endParaRPr lang="zh-TW" altLang="en-US"/>
           </a:p>
@@ -10464,7 +10644,7 @@
 </p:sld>
 </file>
 
-<file path=ppt/slides/slide26.xml><?xml version="1.0" encoding="utf-8"?>
+<file path=ppt/slides/slide27.xml><?xml version="1.0" encoding="utf-8"?>
 <p:sld xmlns:a="http://schemas.openxmlformats.org/drawingml/2006/main" xmlns:r="http://schemas.openxmlformats.org/officeDocument/2006/relationships" xmlns:p="http://schemas.openxmlformats.org/presentationml/2006/main">
   <p:cSld>
     <p:spTree>
@@ -10631,7 +10811,7 @@
           <a:p>
             <a:fld id="{5045ACBE-646A-47C1-AE77-0176D1C48DE1}" type="slidenum">
               <a:rPr lang="zh-TW" altLang="en-US" smtClean="0"/>
-              <a:t>26</a:t>
+              <a:t>27</a:t>
             </a:fld>
             <a:endParaRPr lang="zh-TW" altLang="en-US"/>
           </a:p>
@@ -10641,164 +10821,6 @@
     <p:extLst>
       <p:ext uri="{BB962C8B-B14F-4D97-AF65-F5344CB8AC3E}">
         <p14:creationId xmlns:p14="http://schemas.microsoft.com/office/powerpoint/2010/main" val="2748132666"/>
-      </p:ext>
-    </p:extLst>
-  </p:cSld>
-  <p:clrMapOvr>
-    <a:masterClrMapping/>
-  </p:clrMapOvr>
-  <p:timing>
-    <p:tnLst>
-      <p:par>
-        <p:cTn id="1" dur="indefinite" restart="never" nodeType="tmRoot"/>
-      </p:par>
-    </p:tnLst>
-  </p:timing>
-</p:sld>
-</file>
-
-<file path=ppt/slides/slide27.xml><?xml version="1.0" encoding="utf-8"?>
-<p:sld xmlns:a="http://schemas.openxmlformats.org/drawingml/2006/main" xmlns:r="http://schemas.openxmlformats.org/officeDocument/2006/relationships" xmlns:p="http://schemas.openxmlformats.org/presentationml/2006/main">
-  <p:cSld>
-    <p:spTree>
-      <p:nvGrpSpPr>
-        <p:cNvPr id="1" name=""/>
-        <p:cNvGrpSpPr/>
-        <p:nvPr/>
-      </p:nvGrpSpPr>
-      <p:grpSpPr>
-        <a:xfrm>
-          <a:off x="0" y="0"/>
-          <a:ext cx="0" cy="0"/>
-          <a:chOff x="0" y="0"/>
-          <a:chExt cx="0" cy="0"/>
-        </a:xfrm>
-      </p:grpSpPr>
-      <p:sp>
-        <p:nvSpPr>
-          <p:cNvPr id="2" name="標題 1"/>
-          <p:cNvSpPr>
-            <a:spLocks noGrp="1"/>
-          </p:cNvSpPr>
-          <p:nvPr>
-            <p:ph type="title"/>
-          </p:nvPr>
-        </p:nvSpPr>
-        <p:spPr/>
-        <p:txBody>
-          <a:bodyPr/>
-          <a:lstStyle/>
-          <a:p>
-            <a:r>
-              <a:rPr lang="en-US" dirty="0" smtClean="0"/>
-              <a:t>Maze Example: Policy</a:t>
-            </a:r>
-            <a:endParaRPr lang="en-US" dirty="0"/>
-          </a:p>
-        </p:txBody>
-      </p:sp>
-      <p:pic>
-        <p:nvPicPr>
-          <p:cNvPr id="9" name="內容版面配置區 8" descr="畫面剪輯"/>
-          <p:cNvPicPr>
-            <a:picLocks noGrp="1" noChangeAspect="1"/>
-          </p:cNvPicPr>
-          <p:nvPr>
-            <p:ph idx="1"/>
-          </p:nvPr>
-        </p:nvPicPr>
-        <p:blipFill>
-          <a:blip r:embed="rId2">
-            <a:extLst>
-              <a:ext uri="{28A0092B-C50C-407E-A947-70E740481C1C}">
-                <a14:useLocalDpi xmlns:a14="http://schemas.microsoft.com/office/drawing/2010/main" val="0"/>
-              </a:ext>
-            </a:extLst>
-          </a:blip>
-          <a:stretch>
-            <a:fillRect/>
-          </a:stretch>
-        </p:blipFill>
-        <p:spPr>
-          <a:xfrm>
-            <a:off x="3197596" y="1778000"/>
-            <a:ext cx="5413004" cy="4351338"/>
-          </a:xfrm>
-        </p:spPr>
-      </p:pic>
-      <p:sp>
-        <p:nvSpPr>
-          <p:cNvPr id="5" name="日期版面配置區 4"/>
-          <p:cNvSpPr>
-            <a:spLocks noGrp="1"/>
-          </p:cNvSpPr>
-          <p:nvPr>
-            <p:ph type="dt" sz="half" idx="10"/>
-          </p:nvPr>
-        </p:nvSpPr>
-        <p:spPr/>
-        <p:txBody>
-          <a:bodyPr/>
-          <a:lstStyle/>
-          <a:p>
-            <a:r>
-              <a:rPr lang="en-US" altLang="zh-TW" smtClean="0"/>
-              <a:t>February 2022</a:t>
-            </a:r>
-            <a:endParaRPr lang="zh-TW" altLang="en-US"/>
-          </a:p>
-        </p:txBody>
-      </p:sp>
-      <p:sp>
-        <p:nvSpPr>
-          <p:cNvPr id="6" name="頁尾版面配置區 5"/>
-          <p:cNvSpPr>
-            <a:spLocks noGrp="1"/>
-          </p:cNvSpPr>
-          <p:nvPr>
-            <p:ph type="ftr" sz="quarter" idx="11"/>
-          </p:nvPr>
-        </p:nvSpPr>
-        <p:spPr/>
-        <p:txBody>
-          <a:bodyPr/>
-          <a:lstStyle/>
-          <a:p>
-            <a:r>
-              <a:rPr lang="en-US" altLang="zh-TW" smtClean="0"/>
-              <a:t>National Kaohsiung University of Science and Technology</a:t>
-            </a:r>
-            <a:endParaRPr lang="zh-TW" altLang="en-US"/>
-          </a:p>
-        </p:txBody>
-      </p:sp>
-      <p:sp>
-        <p:nvSpPr>
-          <p:cNvPr id="7" name="投影片編號版面配置區 6"/>
-          <p:cNvSpPr>
-            <a:spLocks noGrp="1"/>
-          </p:cNvSpPr>
-          <p:nvPr>
-            <p:ph type="sldNum" sz="quarter" idx="12"/>
-          </p:nvPr>
-        </p:nvSpPr>
-        <p:spPr/>
-        <p:txBody>
-          <a:bodyPr/>
-          <a:lstStyle/>
-          <a:p>
-            <a:fld id="{5045ACBE-646A-47C1-AE77-0176D1C48DE1}" type="slidenum">
-              <a:rPr lang="zh-TW" altLang="en-US" smtClean="0"/>
-              <a:t>27</a:t>
-            </a:fld>
-            <a:endParaRPr lang="zh-TW" altLang="en-US"/>
-          </a:p>
-        </p:txBody>
-      </p:sp>
-    </p:spTree>
-    <p:extLst>
-      <p:ext uri="{BB962C8B-B14F-4D97-AF65-F5344CB8AC3E}">
-        <p14:creationId xmlns:p14="http://schemas.microsoft.com/office/powerpoint/2010/main" val="1295734376"/>
       </p:ext>
     </p:extLst>
   </p:cSld>
@@ -10849,7 +10871,7 @@
           <a:p>
             <a:r>
               <a:rPr lang="en-US" dirty="0" smtClean="0"/>
-              <a:t>Maze Example: Value Function</a:t>
+              <a:t>Maze Example: Policy</a:t>
             </a:r>
             <a:endParaRPr lang="en-US" dirty="0"/>
           </a:p>
@@ -10857,7 +10879,7 @@
       </p:sp>
       <p:pic>
         <p:nvPicPr>
-          <p:cNvPr id="7" name="內容版面配置區 6" descr="畫面剪輯"/>
+          <p:cNvPr id="9" name="內容版面配置區 8" descr="畫面剪輯"/>
           <p:cNvPicPr>
             <a:picLocks noGrp="1" noChangeAspect="1"/>
           </p:cNvPicPr>
@@ -10879,14 +10901,14 @@
         </p:blipFill>
         <p:spPr>
           <a:xfrm>
-            <a:off x="3467223" y="1690688"/>
-            <a:ext cx="5257554" cy="4351338"/>
+            <a:off x="3197596" y="1778000"/>
+            <a:ext cx="5413004" cy="4351338"/>
           </a:xfrm>
         </p:spPr>
       </p:pic>
       <p:sp>
         <p:nvSpPr>
-          <p:cNvPr id="4" name="日期版面配置區 3"/>
+          <p:cNvPr id="5" name="日期版面配置區 4"/>
           <p:cNvSpPr>
             <a:spLocks noGrp="1"/>
           </p:cNvSpPr>
@@ -10909,7 +10931,7 @@
       </p:sp>
       <p:sp>
         <p:nvSpPr>
-          <p:cNvPr id="5" name="頁尾版面配置區 4"/>
+          <p:cNvPr id="6" name="頁尾版面配置區 5"/>
           <p:cNvSpPr>
             <a:spLocks noGrp="1"/>
           </p:cNvSpPr>
@@ -10932,7 +10954,7 @@
       </p:sp>
       <p:sp>
         <p:nvSpPr>
-          <p:cNvPr id="6" name="投影片編號版面配置區 5"/>
+          <p:cNvPr id="7" name="投影片編號版面配置區 6"/>
           <p:cNvSpPr>
             <a:spLocks noGrp="1"/>
           </p:cNvSpPr>
@@ -10956,7 +10978,7 @@
     </p:spTree>
     <p:extLst>
       <p:ext uri="{BB962C8B-B14F-4D97-AF65-F5344CB8AC3E}">
-        <p14:creationId xmlns:p14="http://schemas.microsoft.com/office/powerpoint/2010/main" val="2207460049"/>
+        <p14:creationId xmlns:p14="http://schemas.microsoft.com/office/powerpoint/2010/main" val="1295734376"/>
       </p:ext>
     </p:extLst>
   </p:cSld>
@@ -11006,12 +11028,8 @@
           <a:lstStyle/>
           <a:p>
             <a:r>
-              <a:rPr lang="en-US" dirty="0"/>
-              <a:t>Maze Example</a:t>
-            </a:r>
-            <a:r>
               <a:rPr lang="en-US" dirty="0" smtClean="0"/>
-              <a:t>: Model</a:t>
+              <a:t>Maze Example: Value Function</a:t>
             </a:r>
             <a:endParaRPr lang="en-US" dirty="0"/>
           </a:p>
@@ -11041,8 +11059,8 @@
         </p:blipFill>
         <p:spPr>
           <a:xfrm>
-            <a:off x="3380645" y="1690688"/>
-            <a:ext cx="5229955" cy="4286848"/>
+            <a:off x="3467223" y="1690688"/>
+            <a:ext cx="5257554" cy="4351338"/>
           </a:xfrm>
         </p:spPr>
       </p:pic>
@@ -11118,7 +11136,7 @@
     </p:spTree>
     <p:extLst>
       <p:ext uri="{BB962C8B-B14F-4D97-AF65-F5344CB8AC3E}">
-        <p14:creationId xmlns:p14="http://schemas.microsoft.com/office/powerpoint/2010/main" val="335387901"/>
+        <p14:creationId xmlns:p14="http://schemas.microsoft.com/office/powerpoint/2010/main" val="2207460049"/>
       </p:ext>
     </p:extLst>
   </p:cSld>
@@ -11194,11 +11212,7 @@
           <a:p>
             <a:r>
               <a:rPr lang="en-US" altLang="zh-TW" dirty="0" smtClean="0"/>
-              <a:t>Introduction to </a:t>
-            </a:r>
-            <a:r>
-              <a:rPr lang="en-US" altLang="zh-TW" dirty="0" smtClean="0"/>
-              <a:t>Reinforcement Learning</a:t>
+              <a:t>Introduction to Reinforcement Learning</a:t>
             </a:r>
           </a:p>
           <a:p>
@@ -11272,11 +11286,7 @@
           <a:p>
             <a:r>
               <a:rPr lang="en-US" altLang="zh-TW" dirty="0" smtClean="0"/>
-              <a:t>Dialog </a:t>
-            </a:r>
-            <a:r>
-              <a:rPr lang="en-US" altLang="zh-TW" dirty="0" smtClean="0"/>
-              <a:t>System (Including </a:t>
+              <a:t>Dialog System (Including </a:t>
             </a:r>
             <a:r>
               <a:rPr lang="en-US" altLang="zh-TW" dirty="0" err="1" smtClean="0"/>
@@ -11414,79 +11424,46 @@
           <a:lstStyle/>
           <a:p>
             <a:r>
+              <a:rPr lang="en-US" dirty="0"/>
+              <a:t>Maze Example</a:t>
+            </a:r>
+            <a:r>
               <a:rPr lang="en-US" dirty="0" smtClean="0"/>
-              <a:t>Taxonomies of RL Agents (1)</a:t>
+              <a:t>: Model</a:t>
             </a:r>
             <a:endParaRPr lang="en-US" dirty="0"/>
           </a:p>
         </p:txBody>
       </p:sp>
-      <p:sp>
-        <p:nvSpPr>
-          <p:cNvPr id="3" name="內容版面配置區 2"/>
-          <p:cNvSpPr>
-            <a:spLocks noGrp="1"/>
-          </p:cNvSpPr>
+      <p:pic>
+        <p:nvPicPr>
+          <p:cNvPr id="7" name="內容版面配置區 6" descr="畫面剪輯"/>
+          <p:cNvPicPr>
+            <a:picLocks noGrp="1" noChangeAspect="1"/>
+          </p:cNvPicPr>
           <p:nvPr>
             <p:ph idx="1"/>
           </p:nvPr>
-        </p:nvSpPr>
-        <p:spPr/>
-        <p:txBody>
-          <a:bodyPr/>
-          <a:lstStyle/>
-          <a:p>
-            <a:r>
-              <a:rPr lang="en-US" dirty="0" smtClean="0"/>
-              <a:t>Value Based</a:t>
-            </a:r>
-          </a:p>
-          <a:p>
-            <a:pPr lvl="1"/>
-            <a:r>
-              <a:rPr lang="en-US" dirty="0" smtClean="0"/>
-              <a:t>Value Function</a:t>
-            </a:r>
-          </a:p>
-          <a:p>
-            <a:r>
-              <a:rPr lang="en-US" dirty="0" smtClean="0"/>
-              <a:t>Policy Based</a:t>
-            </a:r>
-          </a:p>
-          <a:p>
-            <a:pPr lvl="1"/>
-            <a:r>
-              <a:rPr lang="en-US" dirty="0" smtClean="0"/>
-              <a:t>Policy</a:t>
-            </a:r>
-          </a:p>
-          <a:p>
-            <a:r>
-              <a:rPr lang="en-US" dirty="0" smtClean="0"/>
-              <a:t>Actor Critic</a:t>
-            </a:r>
-          </a:p>
-          <a:p>
-            <a:pPr lvl="1"/>
-            <a:r>
-              <a:rPr lang="en-US" dirty="0"/>
-              <a:t>Value Function</a:t>
-            </a:r>
-          </a:p>
-          <a:p>
-            <a:pPr lvl="1"/>
-            <a:r>
-              <a:rPr lang="en-US" dirty="0"/>
-              <a:t>Policy</a:t>
-            </a:r>
-          </a:p>
-          <a:p>
-            <a:pPr lvl="1"/>
-            <a:endParaRPr lang="en-US" dirty="0"/>
-          </a:p>
-        </p:txBody>
-      </p:sp>
+        </p:nvPicPr>
+        <p:blipFill>
+          <a:blip r:embed="rId2">
+            <a:extLst>
+              <a:ext uri="{28A0092B-C50C-407E-A947-70E740481C1C}">
+                <a14:useLocalDpi xmlns:a14="http://schemas.microsoft.com/office/drawing/2010/main" val="0"/>
+              </a:ext>
+            </a:extLst>
+          </a:blip>
+          <a:stretch>
+            <a:fillRect/>
+          </a:stretch>
+        </p:blipFill>
+        <p:spPr>
+          <a:xfrm>
+            <a:off x="3380645" y="1690688"/>
+            <a:ext cx="5229955" cy="4286848"/>
+          </a:xfrm>
+        </p:spPr>
+      </p:pic>
       <p:sp>
         <p:nvSpPr>
           <p:cNvPr id="4" name="日期版面配置區 3"/>
@@ -11559,7 +11536,7 @@
     </p:spTree>
     <p:extLst>
       <p:ext uri="{BB962C8B-B14F-4D97-AF65-F5344CB8AC3E}">
-        <p14:creationId xmlns:p14="http://schemas.microsoft.com/office/powerpoint/2010/main" val="227302567"/>
+        <p14:creationId xmlns:p14="http://schemas.microsoft.com/office/powerpoint/2010/main" val="335387901"/>
       </p:ext>
     </p:extLst>
   </p:cSld>
@@ -11609,67 +11586,76 @@
           <a:lstStyle/>
           <a:p>
             <a:r>
+              <a:rPr lang="en-US" dirty="0" smtClean="0"/>
+              <a:t>Taxonomies of RL Agents (1)</a:t>
+            </a:r>
+            <a:endParaRPr lang="en-US" dirty="0"/>
+          </a:p>
+        </p:txBody>
+      </p:sp>
+      <p:sp>
+        <p:nvSpPr>
+          <p:cNvPr id="3" name="內容版面配置區 2"/>
+          <p:cNvSpPr>
+            <a:spLocks noGrp="1"/>
+          </p:cNvSpPr>
+          <p:nvPr>
+            <p:ph idx="1"/>
+          </p:nvPr>
+        </p:nvSpPr>
+        <p:spPr/>
+        <p:txBody>
+          <a:bodyPr/>
+          <a:lstStyle/>
+          <a:p>
+            <a:r>
+              <a:rPr lang="en-US" dirty="0" smtClean="0"/>
+              <a:t>Value Based</a:t>
+            </a:r>
+          </a:p>
+          <a:p>
+            <a:pPr lvl="1"/>
+            <a:r>
+              <a:rPr lang="en-US" dirty="0" smtClean="0"/>
+              <a:t>Value Function</a:t>
+            </a:r>
+          </a:p>
+          <a:p>
+            <a:r>
+              <a:rPr lang="en-US" dirty="0" smtClean="0"/>
+              <a:t>Policy Based</a:t>
+            </a:r>
+          </a:p>
+          <a:p>
+            <a:pPr lvl="1"/>
+            <a:r>
+              <a:rPr lang="en-US" dirty="0" smtClean="0"/>
+              <a:t>Policy</a:t>
+            </a:r>
+          </a:p>
+          <a:p>
+            <a:r>
+              <a:rPr lang="en-US" dirty="0" smtClean="0"/>
+              <a:t>Actor Critic</a:t>
+            </a:r>
+          </a:p>
+          <a:p>
+            <a:pPr lvl="1"/>
+            <a:r>
               <a:rPr lang="en-US" dirty="0"/>
-              <a:t>Taxonomies of RL Agents </a:t>
-            </a:r>
-            <a:r>
-              <a:rPr lang="en-US" dirty="0" smtClean="0"/>
-              <a:t>(2)</a:t>
-            </a:r>
+              <a:t>Value Function</a:t>
+            </a:r>
+          </a:p>
+          <a:p>
+            <a:pPr lvl="1"/>
+            <a:r>
+              <a:rPr lang="en-US" dirty="0"/>
+              <a:t>Policy</a:t>
+            </a:r>
+          </a:p>
+          <a:p>
+            <a:pPr lvl="1"/>
             <a:endParaRPr lang="en-US" dirty="0"/>
-          </a:p>
-        </p:txBody>
-      </p:sp>
-      <p:sp>
-        <p:nvSpPr>
-          <p:cNvPr id="3" name="內容版面配置區 2"/>
-          <p:cNvSpPr>
-            <a:spLocks noGrp="1"/>
-          </p:cNvSpPr>
-          <p:nvPr>
-            <p:ph idx="1"/>
-          </p:nvPr>
-        </p:nvSpPr>
-        <p:spPr/>
-        <p:txBody>
-          <a:bodyPr/>
-          <a:lstStyle/>
-          <a:p>
-            <a:r>
-              <a:rPr lang="en-US" dirty="0"/>
-              <a:t>Model Free</a:t>
-            </a:r>
-          </a:p>
-          <a:p>
-            <a:pPr lvl="1"/>
-            <a:r>
-              <a:rPr lang="en-US" dirty="0" smtClean="0"/>
-              <a:t>No </a:t>
-            </a:r>
-            <a:r>
-              <a:rPr lang="en-US" dirty="0"/>
-              <a:t>Model</a:t>
-            </a:r>
-          </a:p>
-          <a:p>
-            <a:r>
-              <a:rPr lang="en-US" dirty="0"/>
-              <a:t>Model Based</a:t>
-            </a:r>
-          </a:p>
-          <a:p>
-            <a:pPr lvl="1"/>
-            <a:r>
-              <a:rPr lang="en-US" dirty="0"/>
-              <a:t>Policy and/or Value Function</a:t>
-            </a:r>
-          </a:p>
-          <a:p>
-            <a:pPr lvl="1"/>
-            <a:r>
-              <a:rPr lang="en-US" dirty="0"/>
-              <a:t>Model</a:t>
-            </a:r>
           </a:p>
         </p:txBody>
       </p:sp>
@@ -11745,7 +11731,7 @@
     </p:spTree>
     <p:extLst>
       <p:ext uri="{BB962C8B-B14F-4D97-AF65-F5344CB8AC3E}">
-        <p14:creationId xmlns:p14="http://schemas.microsoft.com/office/powerpoint/2010/main" val="66322188"/>
+        <p14:creationId xmlns:p14="http://schemas.microsoft.com/office/powerpoint/2010/main" val="227302567"/>
       </p:ext>
     </p:extLst>
   </p:cSld>
@@ -11781,7 +11767,7 @@
       </p:grpSpPr>
       <p:sp>
         <p:nvSpPr>
-          <p:cNvPr id="7" name="標題 6"/>
+          <p:cNvPr id="2" name="標題 1"/>
           <p:cNvSpPr>
             <a:spLocks noGrp="1"/>
           </p:cNvSpPr>
@@ -11795,8 +11781,12 @@
           <a:lstStyle/>
           <a:p>
             <a:r>
+              <a:rPr lang="en-US" dirty="0"/>
+              <a:t>Taxonomies of RL Agents </a:t>
+            </a:r>
+            <a:r>
               <a:rPr lang="en-US" dirty="0" smtClean="0"/>
-              <a:t>Categories of Reinforcement Learning Problems</a:t>
+              <a:t>(2)</a:t>
             </a:r>
             <a:endParaRPr lang="en-US" dirty="0"/>
           </a:p>
@@ -11804,20 +11794,54 @@
       </p:sp>
       <p:sp>
         <p:nvSpPr>
-          <p:cNvPr id="8" name="文字版面配置區 7"/>
-          <p:cNvSpPr>
-            <a:spLocks noGrp="1"/>
-          </p:cNvSpPr>
-          <p:nvPr>
-            <p:ph type="body" idx="1"/>
-          </p:nvPr>
-        </p:nvSpPr>
-        <p:spPr/>
-        <p:txBody>
-          <a:bodyPr/>
-          <a:lstStyle/>
-          <a:p>
-            <a:endParaRPr lang="en-US"/>
+          <p:cNvPr id="3" name="內容版面配置區 2"/>
+          <p:cNvSpPr>
+            <a:spLocks noGrp="1"/>
+          </p:cNvSpPr>
+          <p:nvPr>
+            <p:ph idx="1"/>
+          </p:nvPr>
+        </p:nvSpPr>
+        <p:spPr/>
+        <p:txBody>
+          <a:bodyPr/>
+          <a:lstStyle/>
+          <a:p>
+            <a:r>
+              <a:rPr lang="en-US" dirty="0"/>
+              <a:t>Model Free</a:t>
+            </a:r>
+          </a:p>
+          <a:p>
+            <a:pPr lvl="1"/>
+            <a:r>
+              <a:rPr lang="en-US" dirty="0" smtClean="0"/>
+              <a:t>No </a:t>
+            </a:r>
+            <a:r>
+              <a:rPr lang="en-US" dirty="0"/>
+              <a:t>Model</a:t>
+            </a:r>
+          </a:p>
+          <a:p>
+            <a:r>
+              <a:rPr lang="en-US" dirty="0"/>
+              <a:t>Model Based</a:t>
+            </a:r>
+          </a:p>
+          <a:p>
+            <a:pPr lvl="1"/>
+            <a:r>
+              <a:rPr lang="en-US" dirty="0"/>
+              <a:t>Policy and/or Value Function</a:t>
+            </a:r>
+          </a:p>
+          <a:p>
+            <a:pPr lvl="1"/>
+            <a:r>
+              <a:rPr lang="en-US" dirty="0"/>
+              <a:t>Model</a:t>
+            </a:r>
           </a:p>
         </p:txBody>
       </p:sp>
@@ -11893,7 +11917,7 @@
     </p:spTree>
     <p:extLst>
       <p:ext uri="{BB962C8B-B14F-4D97-AF65-F5344CB8AC3E}">
-        <p14:creationId xmlns:p14="http://schemas.microsoft.com/office/powerpoint/2010/main" val="1385512620"/>
+        <p14:creationId xmlns:p14="http://schemas.microsoft.com/office/powerpoint/2010/main" val="66322188"/>
       </p:ext>
     </p:extLst>
   </p:cSld>
@@ -11929,7 +11953,7 @@
       </p:grpSpPr>
       <p:sp>
         <p:nvSpPr>
-          <p:cNvPr id="2" name="標題 1"/>
+          <p:cNvPr id="7" name="標題 6"/>
           <p:cNvSpPr>
             <a:spLocks noGrp="1"/>
           </p:cNvSpPr>
@@ -11944,7 +11968,7 @@
           <a:p>
             <a:r>
               <a:rPr lang="en-US" dirty="0" smtClean="0"/>
-              <a:t>Two Problems in Sequential Decision Making</a:t>
+              <a:t>Categories of Reinforcement Learning Problems</a:t>
             </a:r>
             <a:endParaRPr lang="en-US" dirty="0"/>
           </a:p>
@@ -11952,66 +11976,20 @@
       </p:sp>
       <p:sp>
         <p:nvSpPr>
-          <p:cNvPr id="3" name="內容版面配置區 2"/>
-          <p:cNvSpPr>
-            <a:spLocks noGrp="1"/>
-          </p:cNvSpPr>
-          <p:nvPr>
-            <p:ph idx="1"/>
-          </p:nvPr>
-        </p:nvSpPr>
-        <p:spPr/>
-        <p:txBody>
-          <a:bodyPr/>
-          <a:lstStyle/>
-          <a:p>
-            <a:r>
-              <a:rPr lang="en-US" dirty="0" smtClean="0"/>
-              <a:t>Reinforcement Learning:</a:t>
-            </a:r>
-          </a:p>
-          <a:p>
-            <a:pPr lvl="1"/>
-            <a:r>
-              <a:rPr lang="en-US" dirty="0" smtClean="0"/>
-              <a:t>The agent needs to explore the environment by itself.</a:t>
-            </a:r>
-          </a:p>
-          <a:p>
-            <a:pPr lvl="1"/>
-            <a:r>
-              <a:rPr lang="en-US" dirty="0" smtClean="0"/>
-              <a:t>The agent interacts with the environment.</a:t>
-            </a:r>
-          </a:p>
-          <a:p>
-            <a:r>
-              <a:rPr lang="en-US" dirty="0" smtClean="0"/>
-              <a:t>Planning:</a:t>
-            </a:r>
-          </a:p>
-          <a:p>
-            <a:pPr lvl="1"/>
-            <a:r>
-              <a:rPr lang="en-US" dirty="0" smtClean="0"/>
-              <a:t>The agent does not need to explore the model by itself. a.k.a. the environment is known.</a:t>
-            </a:r>
-          </a:p>
-          <a:p>
-            <a:pPr lvl="1"/>
-            <a:r>
-              <a:rPr lang="en-US" dirty="0" smtClean="0"/>
-              <a:t>The agent uses this model to make decisions.</a:t>
-            </a:r>
-          </a:p>
-          <a:p>
-            <a:r>
-              <a:rPr lang="en-US" dirty="0" smtClean="0"/>
-              <a:t>Finally, the agent improves its policy.</a:t>
-            </a:r>
-          </a:p>
-          <a:p>
-            <a:endParaRPr lang="en-US" dirty="0"/>
+          <p:cNvPr id="8" name="文字版面配置區 7"/>
+          <p:cNvSpPr>
+            <a:spLocks noGrp="1"/>
+          </p:cNvSpPr>
+          <p:nvPr>
+            <p:ph type="body" idx="1"/>
+          </p:nvPr>
+        </p:nvSpPr>
+        <p:spPr/>
+        <p:txBody>
+          <a:bodyPr/>
+          <a:lstStyle/>
+          <a:p>
+            <a:endParaRPr lang="en-US"/>
           </a:p>
         </p:txBody>
       </p:sp>
@@ -12087,7 +12065,7 @@
     </p:spTree>
     <p:extLst>
       <p:ext uri="{BB962C8B-B14F-4D97-AF65-F5344CB8AC3E}">
-        <p14:creationId xmlns:p14="http://schemas.microsoft.com/office/powerpoint/2010/main" val="4071730343"/>
+        <p14:creationId xmlns:p14="http://schemas.microsoft.com/office/powerpoint/2010/main" val="1385512620"/>
       </p:ext>
     </p:extLst>
   </p:cSld>
@@ -12138,6 +12116,200 @@
           <a:p>
             <a:r>
               <a:rPr lang="en-US" dirty="0" smtClean="0"/>
+              <a:t>Two Problems in Sequential Decision Making</a:t>
+            </a:r>
+            <a:endParaRPr lang="en-US" dirty="0"/>
+          </a:p>
+        </p:txBody>
+      </p:sp>
+      <p:sp>
+        <p:nvSpPr>
+          <p:cNvPr id="3" name="內容版面配置區 2"/>
+          <p:cNvSpPr>
+            <a:spLocks noGrp="1"/>
+          </p:cNvSpPr>
+          <p:nvPr>
+            <p:ph idx="1"/>
+          </p:nvPr>
+        </p:nvSpPr>
+        <p:spPr/>
+        <p:txBody>
+          <a:bodyPr/>
+          <a:lstStyle/>
+          <a:p>
+            <a:r>
+              <a:rPr lang="en-US" dirty="0" smtClean="0"/>
+              <a:t>Reinforcement Learning:</a:t>
+            </a:r>
+          </a:p>
+          <a:p>
+            <a:pPr lvl="1"/>
+            <a:r>
+              <a:rPr lang="en-US" dirty="0" smtClean="0"/>
+              <a:t>The agent needs to explore the environment by itself.</a:t>
+            </a:r>
+          </a:p>
+          <a:p>
+            <a:pPr lvl="1"/>
+            <a:r>
+              <a:rPr lang="en-US" dirty="0" smtClean="0"/>
+              <a:t>The agent interacts with the environment.</a:t>
+            </a:r>
+          </a:p>
+          <a:p>
+            <a:r>
+              <a:rPr lang="en-US" dirty="0" smtClean="0"/>
+              <a:t>Planning:</a:t>
+            </a:r>
+          </a:p>
+          <a:p>
+            <a:pPr lvl="1"/>
+            <a:r>
+              <a:rPr lang="en-US" dirty="0" smtClean="0"/>
+              <a:t>The agent does not need to explore the model by itself. a.k.a. the environment is known.</a:t>
+            </a:r>
+          </a:p>
+          <a:p>
+            <a:pPr lvl="1"/>
+            <a:r>
+              <a:rPr lang="en-US" dirty="0" smtClean="0"/>
+              <a:t>The agent uses this model to make decisions.</a:t>
+            </a:r>
+          </a:p>
+          <a:p>
+            <a:r>
+              <a:rPr lang="en-US" dirty="0" smtClean="0"/>
+              <a:t>Finally, the agent improves its policy.</a:t>
+            </a:r>
+          </a:p>
+          <a:p>
+            <a:endParaRPr lang="en-US" dirty="0"/>
+          </a:p>
+        </p:txBody>
+      </p:sp>
+      <p:sp>
+        <p:nvSpPr>
+          <p:cNvPr id="4" name="日期版面配置區 3"/>
+          <p:cNvSpPr>
+            <a:spLocks noGrp="1"/>
+          </p:cNvSpPr>
+          <p:nvPr>
+            <p:ph type="dt" sz="half" idx="10"/>
+          </p:nvPr>
+        </p:nvSpPr>
+        <p:spPr/>
+        <p:txBody>
+          <a:bodyPr/>
+          <a:lstStyle/>
+          <a:p>
+            <a:r>
+              <a:rPr lang="en-US" altLang="zh-TW" smtClean="0"/>
+              <a:t>February 2022</a:t>
+            </a:r>
+            <a:endParaRPr lang="zh-TW" altLang="en-US"/>
+          </a:p>
+        </p:txBody>
+      </p:sp>
+      <p:sp>
+        <p:nvSpPr>
+          <p:cNvPr id="5" name="頁尾版面配置區 4"/>
+          <p:cNvSpPr>
+            <a:spLocks noGrp="1"/>
+          </p:cNvSpPr>
+          <p:nvPr>
+            <p:ph type="ftr" sz="quarter" idx="11"/>
+          </p:nvPr>
+        </p:nvSpPr>
+        <p:spPr/>
+        <p:txBody>
+          <a:bodyPr/>
+          <a:lstStyle/>
+          <a:p>
+            <a:r>
+              <a:rPr lang="en-US" altLang="zh-TW" smtClean="0"/>
+              <a:t>National Kaohsiung University of Science and Technology</a:t>
+            </a:r>
+            <a:endParaRPr lang="zh-TW" altLang="en-US"/>
+          </a:p>
+        </p:txBody>
+      </p:sp>
+      <p:sp>
+        <p:nvSpPr>
+          <p:cNvPr id="6" name="投影片編號版面配置區 5"/>
+          <p:cNvSpPr>
+            <a:spLocks noGrp="1"/>
+          </p:cNvSpPr>
+          <p:nvPr>
+            <p:ph type="sldNum" sz="quarter" idx="12"/>
+          </p:nvPr>
+        </p:nvSpPr>
+        <p:spPr/>
+        <p:txBody>
+          <a:bodyPr/>
+          <a:lstStyle/>
+          <a:p>
+            <a:fld id="{5045ACBE-646A-47C1-AE77-0176D1C48DE1}" type="slidenum">
+              <a:rPr lang="zh-TW" altLang="en-US" smtClean="0"/>
+              <a:t>34</a:t>
+            </a:fld>
+            <a:endParaRPr lang="zh-TW" altLang="en-US"/>
+          </a:p>
+        </p:txBody>
+      </p:sp>
+    </p:spTree>
+    <p:extLst>
+      <p:ext uri="{BB962C8B-B14F-4D97-AF65-F5344CB8AC3E}">
+        <p14:creationId xmlns:p14="http://schemas.microsoft.com/office/powerpoint/2010/main" val="4071730343"/>
+      </p:ext>
+    </p:extLst>
+  </p:cSld>
+  <p:clrMapOvr>
+    <a:masterClrMapping/>
+  </p:clrMapOvr>
+  <p:timing>
+    <p:tnLst>
+      <p:par>
+        <p:cTn id="1" dur="indefinite" restart="never" nodeType="tmRoot"/>
+      </p:par>
+    </p:tnLst>
+  </p:timing>
+</p:sld>
+</file>
+
+<file path=ppt/slides/slide35.xml><?xml version="1.0" encoding="utf-8"?>
+<p:sld xmlns:a="http://schemas.openxmlformats.org/drawingml/2006/main" xmlns:r="http://schemas.openxmlformats.org/officeDocument/2006/relationships" xmlns:p="http://schemas.openxmlformats.org/presentationml/2006/main">
+  <p:cSld>
+    <p:spTree>
+      <p:nvGrpSpPr>
+        <p:cNvPr id="1" name=""/>
+        <p:cNvGrpSpPr/>
+        <p:nvPr/>
+      </p:nvGrpSpPr>
+      <p:grpSpPr>
+        <a:xfrm>
+          <a:off x="0" y="0"/>
+          <a:ext cx="0" cy="0"/>
+          <a:chOff x="0" y="0"/>
+          <a:chExt cx="0" cy="0"/>
+        </a:xfrm>
+      </p:grpSpPr>
+      <p:sp>
+        <p:nvSpPr>
+          <p:cNvPr id="2" name="標題 1"/>
+          <p:cNvSpPr>
+            <a:spLocks noGrp="1"/>
+          </p:cNvSpPr>
+          <p:nvPr>
+            <p:ph type="title"/>
+          </p:nvPr>
+        </p:nvSpPr>
+        <p:spPr/>
+        <p:txBody>
+          <a:bodyPr/>
+          <a:lstStyle/>
+          <a:p>
+            <a:r>
+              <a:rPr lang="en-US" dirty="0" smtClean="0"/>
               <a:t>Atari Example: Reinforcement Learning</a:t>
             </a:r>
             <a:endParaRPr lang="en-US" dirty="0"/>
@@ -12233,7 +12405,7 @@
           <a:p>
             <a:fld id="{5045ACBE-646A-47C1-AE77-0176D1C48DE1}" type="slidenum">
               <a:rPr lang="zh-TW" altLang="en-US" smtClean="0"/>
-              <a:t>34</a:t>
+              <a:t>35</a:t>
             </a:fld>
             <a:endParaRPr lang="zh-TW" altLang="en-US"/>
           </a:p>
@@ -12289,7 +12461,7 @@
 </p:sld>
 </file>
 
-<file path=ppt/slides/slide35.xml><?xml version="1.0" encoding="utf-8"?>
+<file path=ppt/slides/slide36.xml><?xml version="1.0" encoding="utf-8"?>
 <p:sld xmlns:a="http://schemas.openxmlformats.org/drawingml/2006/main" xmlns:r="http://schemas.openxmlformats.org/officeDocument/2006/relationships" xmlns:p="http://schemas.openxmlformats.org/presentationml/2006/main">
   <p:cSld>
     <p:spTree>
@@ -12425,7 +12597,7 @@
           <a:p>
             <a:fld id="{5045ACBE-646A-47C1-AE77-0176D1C48DE1}" type="slidenum">
               <a:rPr lang="zh-TW" altLang="en-US" smtClean="0"/>
-              <a:t>35</a:t>
+              <a:t>36</a:t>
             </a:fld>
             <a:endParaRPr lang="zh-TW" altLang="en-US"/>
           </a:p>
@@ -12435,173 +12607,6 @@
     <p:extLst>
       <p:ext uri="{BB962C8B-B14F-4D97-AF65-F5344CB8AC3E}">
         <p14:creationId xmlns:p14="http://schemas.microsoft.com/office/powerpoint/2010/main" val="167243937"/>
-      </p:ext>
-    </p:extLst>
-  </p:cSld>
-  <p:clrMapOvr>
-    <a:masterClrMapping/>
-  </p:clrMapOvr>
-  <p:timing>
-    <p:tnLst>
-      <p:par>
-        <p:cTn id="1" dur="indefinite" restart="never" nodeType="tmRoot"/>
-      </p:par>
-    </p:tnLst>
-  </p:timing>
-</p:sld>
-</file>
-
-<file path=ppt/slides/slide36.xml><?xml version="1.0" encoding="utf-8"?>
-<p:sld xmlns:a="http://schemas.openxmlformats.org/drawingml/2006/main" xmlns:r="http://schemas.openxmlformats.org/officeDocument/2006/relationships" xmlns:p="http://schemas.openxmlformats.org/presentationml/2006/main">
-  <p:cSld>
-    <p:spTree>
-      <p:nvGrpSpPr>
-        <p:cNvPr id="1" name=""/>
-        <p:cNvGrpSpPr/>
-        <p:nvPr/>
-      </p:nvGrpSpPr>
-      <p:grpSpPr>
-        <a:xfrm>
-          <a:off x="0" y="0"/>
-          <a:ext cx="0" cy="0"/>
-          <a:chOff x="0" y="0"/>
-          <a:chExt cx="0" cy="0"/>
-        </a:xfrm>
-      </p:grpSpPr>
-      <p:sp>
-        <p:nvSpPr>
-          <p:cNvPr id="2" name="標題 1"/>
-          <p:cNvSpPr>
-            <a:spLocks noGrp="1"/>
-          </p:cNvSpPr>
-          <p:nvPr>
-            <p:ph type="title"/>
-          </p:nvPr>
-        </p:nvSpPr>
-        <p:spPr/>
-        <p:txBody>
-          <a:bodyPr/>
-          <a:lstStyle/>
-          <a:p>
-            <a:r>
-              <a:rPr lang="en-US" dirty="0"/>
-              <a:t>Exploration and </a:t>
-            </a:r>
-            <a:r>
-              <a:rPr lang="en-US" dirty="0" smtClean="0"/>
-              <a:t>Exploitation: Introduction</a:t>
-            </a:r>
-            <a:endParaRPr lang="en-US" dirty="0"/>
-          </a:p>
-        </p:txBody>
-      </p:sp>
-      <p:sp>
-        <p:nvSpPr>
-          <p:cNvPr id="3" name="內容版面配置區 2"/>
-          <p:cNvSpPr>
-            <a:spLocks noGrp="1"/>
-          </p:cNvSpPr>
-          <p:nvPr>
-            <p:ph idx="1"/>
-          </p:nvPr>
-        </p:nvSpPr>
-        <p:spPr/>
-        <p:txBody>
-          <a:bodyPr/>
-          <a:lstStyle/>
-          <a:p>
-            <a:r>
-              <a:rPr lang="en-US" dirty="0" smtClean="0"/>
-              <a:t>Reinforcement Learning is a trial-and-error learning method.</a:t>
-            </a:r>
-          </a:p>
-          <a:p>
-            <a:r>
-              <a:rPr lang="en-US" dirty="0" smtClean="0"/>
-              <a:t>The goal is to maximize rewards.</a:t>
-            </a:r>
-          </a:p>
-          <a:p>
-            <a:r>
-              <a:rPr lang="en-US" dirty="0" smtClean="0"/>
-              <a:t>However: The agent should explore the good policy from the environment by giving up some rewards.</a:t>
-            </a:r>
-          </a:p>
-        </p:txBody>
-      </p:sp>
-      <p:sp>
-        <p:nvSpPr>
-          <p:cNvPr id="4" name="日期版面配置區 3"/>
-          <p:cNvSpPr>
-            <a:spLocks noGrp="1"/>
-          </p:cNvSpPr>
-          <p:nvPr>
-            <p:ph type="dt" sz="half" idx="10"/>
-          </p:nvPr>
-        </p:nvSpPr>
-        <p:spPr/>
-        <p:txBody>
-          <a:bodyPr/>
-          <a:lstStyle/>
-          <a:p>
-            <a:r>
-              <a:rPr lang="en-US" altLang="zh-TW" smtClean="0"/>
-              <a:t>February 2022</a:t>
-            </a:r>
-            <a:endParaRPr lang="zh-TW" altLang="en-US"/>
-          </a:p>
-        </p:txBody>
-      </p:sp>
-      <p:sp>
-        <p:nvSpPr>
-          <p:cNvPr id="5" name="頁尾版面配置區 4"/>
-          <p:cNvSpPr>
-            <a:spLocks noGrp="1"/>
-          </p:cNvSpPr>
-          <p:nvPr>
-            <p:ph type="ftr" sz="quarter" idx="11"/>
-          </p:nvPr>
-        </p:nvSpPr>
-        <p:spPr/>
-        <p:txBody>
-          <a:bodyPr/>
-          <a:lstStyle/>
-          <a:p>
-            <a:r>
-              <a:rPr lang="en-US" altLang="zh-TW" smtClean="0"/>
-              <a:t>National Kaohsiung University of Science and Technology</a:t>
-            </a:r>
-            <a:endParaRPr lang="zh-TW" altLang="en-US"/>
-          </a:p>
-        </p:txBody>
-      </p:sp>
-      <p:sp>
-        <p:nvSpPr>
-          <p:cNvPr id="6" name="投影片編號版面配置區 5"/>
-          <p:cNvSpPr>
-            <a:spLocks noGrp="1"/>
-          </p:cNvSpPr>
-          <p:nvPr>
-            <p:ph type="sldNum" sz="quarter" idx="12"/>
-          </p:nvPr>
-        </p:nvSpPr>
-        <p:spPr/>
-        <p:txBody>
-          <a:bodyPr/>
-          <a:lstStyle/>
-          <a:p>
-            <a:fld id="{5045ACBE-646A-47C1-AE77-0176D1C48DE1}" type="slidenum">
-              <a:rPr lang="zh-TW" altLang="en-US" smtClean="0"/>
-              <a:t>36</a:t>
-            </a:fld>
-            <a:endParaRPr lang="zh-TW" altLang="en-US"/>
-          </a:p>
-        </p:txBody>
-      </p:sp>
-    </p:spTree>
-    <p:extLst>
-      <p:ext uri="{BB962C8B-B14F-4D97-AF65-F5344CB8AC3E}">
-        <p14:creationId xmlns:p14="http://schemas.microsoft.com/office/powerpoint/2010/main" val="3570045840"/>
       </p:ext>
     </p:extLst>
   </p:cSld>
@@ -12656,7 +12661,7 @@
             </a:r>
             <a:r>
               <a:rPr lang="en-US" dirty="0" smtClean="0"/>
-              <a:t>Exploitation: Definition</a:t>
+              <a:t>Exploitation: Introduction</a:t>
             </a:r>
             <a:endParaRPr lang="en-US" dirty="0"/>
           </a:p>
@@ -12679,23 +12684,20 @@
           <a:p>
             <a:r>
               <a:rPr lang="en-US" dirty="0" smtClean="0"/>
-              <a:t>Exploration is to find more information in the environment by giving up some rewards.</a:t>
+              <a:t>Reinforcement Learning is a trial-and-error learning method.</a:t>
             </a:r>
           </a:p>
           <a:p>
             <a:r>
               <a:rPr lang="en-US" dirty="0" smtClean="0"/>
-              <a:t>Exploitation is to exploit known information to maximize the rewards.</a:t>
+              <a:t>The goal is to maximize rewards.</a:t>
             </a:r>
           </a:p>
           <a:p>
             <a:r>
               <a:rPr lang="en-US" dirty="0" smtClean="0"/>
-              <a:t>Exploration is equally important as exploitation.</a:t>
-            </a:r>
-          </a:p>
-          <a:p>
-            <a:endParaRPr lang="en-US" dirty="0"/>
+              <a:t>However: The agent should explore the good policy from the environment by giving up some rewards.</a:t>
+            </a:r>
           </a:p>
         </p:txBody>
       </p:sp>
@@ -12771,13 +12773,20 @@
     </p:spTree>
     <p:extLst>
       <p:ext uri="{BB962C8B-B14F-4D97-AF65-F5344CB8AC3E}">
-        <p14:creationId xmlns:p14="http://schemas.microsoft.com/office/powerpoint/2010/main" val="3955834229"/>
+        <p14:creationId xmlns:p14="http://schemas.microsoft.com/office/powerpoint/2010/main" val="3570045840"/>
       </p:ext>
     </p:extLst>
   </p:cSld>
   <p:clrMapOvr>
     <a:masterClrMapping/>
   </p:clrMapOvr>
+  <p:timing>
+    <p:tnLst>
+      <p:par>
+        <p:cTn id="1" dur="indefinite" restart="never" nodeType="tmRoot"/>
+      </p:par>
+    </p:tnLst>
+  </p:timing>
 </p:sld>
 </file>
 
@@ -12815,11 +12824,11 @@
           <a:p>
             <a:r>
               <a:rPr lang="en-US" dirty="0"/>
-              <a:t>Exploration and Exploitation: </a:t>
+              <a:t>Exploration and </a:t>
             </a:r>
             <a:r>
               <a:rPr lang="en-US" dirty="0" smtClean="0"/>
-              <a:t>Examples</a:t>
+              <a:t>Exploitation: Definition</a:t>
             </a:r>
             <a:endParaRPr lang="en-US" dirty="0"/>
           </a:p>
@@ -12842,110 +12851,23 @@
           <a:p>
             <a:r>
               <a:rPr lang="en-US" dirty="0" smtClean="0"/>
-              <a:t>Restaurant Selection</a:t>
-            </a:r>
-          </a:p>
-          <a:p>
-            <a:pPr lvl="1"/>
+              <a:t>Exploration is to find more information in the environment by giving up some rewards.</a:t>
+            </a:r>
+          </a:p>
+          <a:p>
             <a:r>
               <a:rPr lang="en-US" dirty="0" smtClean="0"/>
-              <a:t>Exploration:</a:t>
-            </a:r>
-            <a:r>
-              <a:rPr lang="en-US" dirty="0"/>
-              <a:t> Trying a new one</a:t>
-            </a:r>
+              <a:t>Exploitation is to exploit known information to maximize the rewards.</a:t>
+            </a:r>
+          </a:p>
+          <a:p>
             <a:r>
               <a:rPr lang="en-US" dirty="0" smtClean="0"/>
-              <a:t> </a:t>
-            </a:r>
-          </a:p>
-          <a:p>
-            <a:pPr lvl="1"/>
-            <a:r>
-              <a:rPr lang="en-US" dirty="0" smtClean="0"/>
-              <a:t>Exploitation: Trying </a:t>
-            </a:r>
-            <a:r>
-              <a:rPr lang="en-US" dirty="0"/>
-              <a:t>the favorite </a:t>
-            </a:r>
-            <a:r>
-              <a:rPr lang="en-US" dirty="0" smtClean="0"/>
-              <a:t>one</a:t>
-            </a:r>
-          </a:p>
-          <a:p>
-            <a:r>
-              <a:rPr lang="en-US" dirty="0" smtClean="0"/>
-              <a:t>Oil Drilling</a:t>
-            </a:r>
-          </a:p>
-          <a:p>
-            <a:pPr lvl="1"/>
-            <a:r>
-              <a:rPr lang="en-US" dirty="0"/>
-              <a:t>Exploration</a:t>
-            </a:r>
-            <a:r>
-              <a:rPr lang="en-US" dirty="0" smtClean="0"/>
-              <a:t>: </a:t>
-            </a:r>
-            <a:r>
-              <a:rPr lang="en-US" dirty="0"/>
-              <a:t>Drilling the new </a:t>
-            </a:r>
-            <a:r>
-              <a:rPr lang="en-US" dirty="0" smtClean="0"/>
-              <a:t>location</a:t>
-            </a:r>
-          </a:p>
-          <a:p>
-            <a:pPr lvl="1"/>
-            <a:r>
-              <a:rPr lang="en-US" dirty="0" smtClean="0"/>
-              <a:t>Exploitation: </a:t>
-            </a:r>
-            <a:r>
-              <a:rPr lang="en-US" dirty="0"/>
-              <a:t>Drilling the best known </a:t>
-            </a:r>
-            <a:r>
-              <a:rPr lang="en-US" dirty="0" smtClean="0"/>
-              <a:t>location</a:t>
-            </a:r>
-          </a:p>
-          <a:p>
-            <a:r>
-              <a:rPr lang="en-US" dirty="0" smtClean="0"/>
-              <a:t>Game Playing</a:t>
-            </a:r>
-          </a:p>
-          <a:p>
-            <a:pPr lvl="1"/>
-            <a:r>
-              <a:rPr lang="en-US" dirty="0" smtClean="0"/>
-              <a:t>Exploration: Moving toward experimental direction</a:t>
-            </a:r>
-          </a:p>
-          <a:p>
-            <a:pPr lvl="1"/>
-            <a:r>
-              <a:rPr lang="en-US" dirty="0"/>
-              <a:t>Exploitation</a:t>
-            </a:r>
-            <a:r>
-              <a:rPr lang="en-US" dirty="0" smtClean="0"/>
-              <a:t>: </a:t>
-            </a:r>
-            <a:r>
-              <a:rPr lang="en-US" dirty="0"/>
-              <a:t>Moving toward </a:t>
-            </a:r>
-            <a:r>
-              <a:rPr lang="en-US" dirty="0" smtClean="0"/>
-              <a:t>familiar direction</a:t>
-            </a:r>
+              <a:t>Exploration is equally important as exploitation.</a:t>
+            </a:r>
+          </a:p>
+          <a:p>
+            <a:endParaRPr lang="en-US" dirty="0"/>
           </a:p>
         </p:txBody>
       </p:sp>
@@ -13021,20 +12943,13 @@
     </p:spTree>
     <p:extLst>
       <p:ext uri="{BB962C8B-B14F-4D97-AF65-F5344CB8AC3E}">
-        <p14:creationId xmlns:p14="http://schemas.microsoft.com/office/powerpoint/2010/main" val="4276142989"/>
+        <p14:creationId xmlns:p14="http://schemas.microsoft.com/office/powerpoint/2010/main" val="3955834229"/>
       </p:ext>
     </p:extLst>
   </p:cSld>
   <p:clrMapOvr>
     <a:masterClrMapping/>
   </p:clrMapOvr>
-  <p:timing>
-    <p:tnLst>
-      <p:par>
-        <p:cTn id="1" dur="indefinite" restart="never" nodeType="tmRoot"/>
-      </p:par>
-    </p:tnLst>
-  </p:timing>
 </p:sld>
 </file>
 
@@ -13072,11 +12987,11 @@
           <a:p>
             <a:r>
               <a:rPr lang="en-US" dirty="0"/>
-              <a:t>Prediction and </a:t>
+              <a:t>Exploration and Exploitation: </a:t>
             </a:r>
             <a:r>
               <a:rPr lang="en-US" dirty="0" smtClean="0"/>
-              <a:t>Control: Definition</a:t>
+              <a:t>Examples</a:t>
             </a:r>
             <a:endParaRPr lang="en-US" dirty="0"/>
           </a:p>
@@ -13099,22 +13014,110 @@
           <a:p>
             <a:r>
               <a:rPr lang="en-US" dirty="0" smtClean="0"/>
-              <a:t>Prediction: Evaluating how well the policy is</a:t>
-            </a:r>
-          </a:p>
-          <a:p>
+              <a:t>Restaurant Selection</a:t>
+            </a:r>
+          </a:p>
+          <a:p>
+            <a:pPr lvl="1"/>
             <a:r>
               <a:rPr lang="en-US" dirty="0" smtClean="0"/>
-              <a:t>Control: Optimizing the policy</a:t>
+              <a:t>Exploration:</a:t>
+            </a:r>
+            <a:r>
+              <a:rPr lang="en-US" dirty="0"/>
+              <a:t> Trying a new one</a:t>
+            </a:r>
+            <a:r>
+              <a:rPr lang="en-US" dirty="0" smtClean="0"/>
+              <a:t> </a:t>
             </a:r>
           </a:p>
           <a:p>
             <a:pPr lvl="1"/>
             <a:r>
               <a:rPr lang="en-US" dirty="0" smtClean="0"/>
-              <a:t>i.e. Find the best policy</a:t>
-            </a:r>
-            <a:endParaRPr lang="en-US" dirty="0"/>
+              <a:t>Exploitation: Trying </a:t>
+            </a:r>
+            <a:r>
+              <a:rPr lang="en-US" dirty="0"/>
+              <a:t>the favorite </a:t>
+            </a:r>
+            <a:r>
+              <a:rPr lang="en-US" dirty="0" smtClean="0"/>
+              <a:t>one</a:t>
+            </a:r>
+          </a:p>
+          <a:p>
+            <a:r>
+              <a:rPr lang="en-US" dirty="0" smtClean="0"/>
+              <a:t>Oil Drilling</a:t>
+            </a:r>
+          </a:p>
+          <a:p>
+            <a:pPr lvl="1"/>
+            <a:r>
+              <a:rPr lang="en-US" dirty="0"/>
+              <a:t>Exploration</a:t>
+            </a:r>
+            <a:r>
+              <a:rPr lang="en-US" dirty="0" smtClean="0"/>
+              <a:t>: </a:t>
+            </a:r>
+            <a:r>
+              <a:rPr lang="en-US" dirty="0"/>
+              <a:t>Drilling the new </a:t>
+            </a:r>
+            <a:r>
+              <a:rPr lang="en-US" dirty="0" smtClean="0"/>
+              <a:t>location</a:t>
+            </a:r>
+          </a:p>
+          <a:p>
+            <a:pPr lvl="1"/>
+            <a:r>
+              <a:rPr lang="en-US" dirty="0" smtClean="0"/>
+              <a:t>Exploitation: </a:t>
+            </a:r>
+            <a:r>
+              <a:rPr lang="en-US" dirty="0"/>
+              <a:t>Drilling the best known </a:t>
+            </a:r>
+            <a:r>
+              <a:rPr lang="en-US" dirty="0" smtClean="0"/>
+              <a:t>location</a:t>
+            </a:r>
+          </a:p>
+          <a:p>
+            <a:r>
+              <a:rPr lang="en-US" dirty="0" smtClean="0"/>
+              <a:t>Game Playing</a:t>
+            </a:r>
+          </a:p>
+          <a:p>
+            <a:pPr lvl="1"/>
+            <a:r>
+              <a:rPr lang="en-US" dirty="0" smtClean="0"/>
+              <a:t>Exploration: Moving toward experimental direction</a:t>
+            </a:r>
+          </a:p>
+          <a:p>
+            <a:pPr lvl="1"/>
+            <a:r>
+              <a:rPr lang="en-US" dirty="0"/>
+              <a:t>Exploitation</a:t>
+            </a:r>
+            <a:r>
+              <a:rPr lang="en-US" dirty="0" smtClean="0"/>
+              <a:t>: </a:t>
+            </a:r>
+            <a:r>
+              <a:rPr lang="en-US" dirty="0"/>
+              <a:t>Moving toward </a:t>
+            </a:r>
+            <a:r>
+              <a:rPr lang="en-US" dirty="0" smtClean="0"/>
+              <a:t>familiar direction</a:t>
+            </a:r>
           </a:p>
         </p:txBody>
       </p:sp>
@@ -13190,7 +13193,7 @@
     </p:spTree>
     <p:extLst>
       <p:ext uri="{BB962C8B-B14F-4D97-AF65-F5344CB8AC3E}">
-        <p14:creationId xmlns:p14="http://schemas.microsoft.com/office/powerpoint/2010/main" val="70586471"/>
+        <p14:creationId xmlns:p14="http://schemas.microsoft.com/office/powerpoint/2010/main" val="4276142989"/>
       </p:ext>
     </p:extLst>
   </p:cSld>
@@ -13240,10 +13243,10 @@
           <a:lstStyle/>
           <a:p>
             <a:r>
-              <a:rPr lang="en-US" altLang="zh-TW" dirty="0" smtClean="0"/>
-              <a:t>Online Courses</a:t>
-            </a:r>
-            <a:endParaRPr lang="zh-TW" altLang="en-US" dirty="0"/>
+              <a:rPr lang="en-US" dirty="0" smtClean="0"/>
+              <a:t>Pre-Requests</a:t>
+            </a:r>
+            <a:endParaRPr lang="en-US" dirty="0"/>
           </a:p>
         </p:txBody>
       </p:sp>
@@ -13259,67 +13262,81 @@
         </p:nvSpPr>
         <p:spPr/>
         <p:txBody>
-          <a:bodyPr>
-            <a:normAutofit/>
-          </a:bodyPr>
-          <a:lstStyle/>
-          <a:p>
-            <a:r>
-              <a:rPr lang="en-US" altLang="zh-TW" dirty="0" smtClean="0"/>
-              <a:t>Introduction </a:t>
-            </a:r>
-            <a:r>
-              <a:rPr lang="en-US" altLang="zh-TW" dirty="0"/>
-              <a:t>to Reinforcement Learning with David Silver</a:t>
-            </a:r>
-            <a:r>
-              <a:rPr lang="zh-TW" altLang="en-US" dirty="0"/>
-              <a:t> </a:t>
-            </a:r>
-            <a:r>
-              <a:rPr lang="en-US" altLang="zh-TW" dirty="0"/>
-              <a:t>-</a:t>
-            </a:r>
-            <a:r>
-              <a:rPr lang="zh-TW" altLang="en-US" dirty="0"/>
-              <a:t> </a:t>
-            </a:r>
-            <a:r>
-              <a:rPr lang="en-US" altLang="zh-TW" dirty="0"/>
-              <a:t>DeepMind x UCL</a:t>
+          <a:bodyPr/>
+          <a:lstStyle/>
+          <a:p>
+            <a:r>
+              <a:rPr lang="en-US" dirty="0" smtClean="0"/>
+              <a:t>Mathematics </a:t>
             </a:r>
           </a:p>
           <a:p>
             <a:pPr lvl="1"/>
             <a:r>
-              <a:rPr lang="en-US" altLang="zh-TW" dirty="0">
-                <a:hlinkClick r:id="rId2"/>
-              </a:rPr>
-              <a:t>https://deepmind.com/learning-resources/-introduction-reinforcement-learning-david-silver</a:t>
-            </a:r>
-            <a:endParaRPr lang="en-US" altLang="zh-TW" dirty="0"/>
-          </a:p>
-          <a:p>
-            <a:r>
-              <a:rPr lang="en-US" altLang="zh-TW" dirty="0"/>
-              <a:t>CS 285: Deep Reinforcement Learning – UC Berkeley</a:t>
+              <a:rPr lang="en-US" dirty="0" smtClean="0"/>
+              <a:t>Calculus </a:t>
             </a:r>
           </a:p>
           <a:p>
             <a:pPr lvl="1"/>
             <a:r>
-              <a:rPr lang="en-US" altLang="zh-TW" dirty="0">
-                <a:hlinkClick r:id="rId3"/>
-              </a:rPr>
-              <a:t>http://rail.eecs.berkeley.edu/deeprlcourse</a:t>
-            </a:r>
-            <a:r>
-              <a:rPr lang="en-US" altLang="zh-TW" dirty="0" smtClean="0">
-                <a:hlinkClick r:id="rId3"/>
-              </a:rPr>
-              <a:t>/</a:t>
-            </a:r>
-            <a:endParaRPr lang="en-US" altLang="zh-TW" dirty="0" smtClean="0"/>
+              <a:rPr lang="en-US" dirty="0" smtClean="0"/>
+              <a:t>Partial derivative</a:t>
+            </a:r>
+          </a:p>
+          <a:p>
+            <a:pPr lvl="1"/>
+            <a:r>
+              <a:rPr lang="en-US" dirty="0" smtClean="0"/>
+              <a:t>Chain rule</a:t>
+            </a:r>
+          </a:p>
+          <a:p>
+            <a:pPr lvl="1"/>
+            <a:r>
+              <a:rPr lang="en-US" dirty="0" smtClean="0"/>
+              <a:t>Probability</a:t>
+            </a:r>
+          </a:p>
+          <a:p>
+            <a:pPr lvl="1"/>
+            <a:r>
+              <a:rPr lang="en-US" smtClean="0"/>
+              <a:t>KL divergent</a:t>
+            </a:r>
+            <a:endParaRPr lang="en-US" dirty="0" smtClean="0"/>
+          </a:p>
+          <a:p>
+            <a:pPr lvl="1"/>
+            <a:r>
+              <a:rPr lang="en-US" dirty="0"/>
+              <a:t>Lagrange </a:t>
+            </a:r>
+            <a:r>
+              <a:rPr lang="en-US" dirty="0" smtClean="0"/>
+              <a:t>multiplier</a:t>
+            </a:r>
+          </a:p>
+          <a:p>
+            <a:pPr lvl="1"/>
+            <a:r>
+              <a:rPr lang="en-US" dirty="0" smtClean="0"/>
+              <a:t>Taylor expansion</a:t>
+            </a:r>
+          </a:p>
+          <a:p>
+            <a:r>
+              <a:rPr lang="en-US" dirty="0" smtClean="0"/>
+              <a:t>Algorithm </a:t>
+            </a:r>
+          </a:p>
+          <a:p>
+            <a:pPr lvl="1"/>
+            <a:r>
+              <a:rPr lang="en-US" dirty="0" smtClean="0"/>
+              <a:t>Dynamic programming</a:t>
+            </a:r>
+            <a:endParaRPr lang="en-US" dirty="0"/>
           </a:p>
         </p:txBody>
       </p:sp>
@@ -13384,7 +13401,7 @@
           <a:bodyPr/>
           <a:lstStyle/>
           <a:p>
-            <a:fld id="{CA21FC57-2F32-463F-AC0A-B18DACEEE895}" type="slidenum">
+            <a:fld id="{5045ACBE-646A-47C1-AE77-0176D1C48DE1}" type="slidenum">
               <a:rPr lang="zh-TW" altLang="en-US" smtClean="0"/>
               <a:t>4</a:t>
             </a:fld>
@@ -13395,20 +13412,13 @@
     </p:spTree>
     <p:extLst>
       <p:ext uri="{BB962C8B-B14F-4D97-AF65-F5344CB8AC3E}">
-        <p14:creationId xmlns:p14="http://schemas.microsoft.com/office/powerpoint/2010/main" val="519662013"/>
+        <p14:creationId xmlns:p14="http://schemas.microsoft.com/office/powerpoint/2010/main" val="2838242885"/>
       </p:ext>
     </p:extLst>
   </p:cSld>
   <p:clrMapOvr>
     <a:masterClrMapping/>
   </p:clrMapOvr>
-  <p:timing>
-    <p:tnLst>
-      <p:par>
-        <p:cTn id="1" dur="indefinite" restart="never" nodeType="tmRoot"/>
-      </p:par>
-    </p:tnLst>
-  </p:timing>
 </p:sld>
 </file>
 
@@ -13446,45 +13456,52 @@
           <a:p>
             <a:r>
               <a:rPr lang="en-US" dirty="0"/>
-              <a:t>Prediction and Control: </a:t>
+              <a:t>Prediction and </a:t>
             </a:r>
             <a:r>
               <a:rPr lang="en-US" dirty="0" smtClean="0"/>
-              <a:t>Prediction Example</a:t>
+              <a:t>Control: Definition</a:t>
             </a:r>
             <a:endParaRPr lang="en-US" dirty="0"/>
           </a:p>
         </p:txBody>
       </p:sp>
-      <p:pic>
-        <p:nvPicPr>
-          <p:cNvPr id="7" name="內容版面配置區 6" descr="畫面剪輯"/>
-          <p:cNvPicPr>
-            <a:picLocks noGrp="1" noChangeAspect="1"/>
-          </p:cNvPicPr>
+      <p:sp>
+        <p:nvSpPr>
+          <p:cNvPr id="3" name="內容版面配置區 2"/>
+          <p:cNvSpPr>
+            <a:spLocks noGrp="1"/>
+          </p:cNvSpPr>
           <p:nvPr>
             <p:ph idx="1"/>
           </p:nvPr>
-        </p:nvPicPr>
-        <p:blipFill>
-          <a:blip r:embed="rId2">
-            <a:extLst>
-              <a:ext uri="{28A0092B-C50C-407E-A947-70E740481C1C}">
-                <a14:useLocalDpi xmlns:a14="http://schemas.microsoft.com/office/drawing/2010/main" val="0"/>
-              </a:ext>
-            </a:extLst>
-          </a:blip>
-          <a:stretch>
-            <a:fillRect/>
-          </a:stretch>
-        </p:blipFill>
-        <p:spPr>
-          <a:xfrm>
-            <a:off x="1349733" y="2025037"/>
-            <a:ext cx="9326277" cy="3620005"/>
-          </a:xfrm>
-        </p:spPr>
-      </p:pic>
+        </p:nvSpPr>
+        <p:spPr/>
+        <p:txBody>
+          <a:bodyPr/>
+          <a:lstStyle/>
+          <a:p>
+            <a:r>
+              <a:rPr lang="en-US" dirty="0" smtClean="0"/>
+              <a:t>Prediction: Evaluating how well the policy is</a:t>
+            </a:r>
+          </a:p>
+          <a:p>
+            <a:r>
+              <a:rPr lang="en-US" dirty="0" smtClean="0"/>
+              <a:t>Control: Optimizing the policy</a:t>
+            </a:r>
+          </a:p>
+          <a:p>
+            <a:pPr lvl="1"/>
+            <a:r>
+              <a:rPr lang="en-US" dirty="0" smtClean="0"/>
+              <a:t>i.e. Find the best policy</a:t>
+            </a:r>
+            <a:endParaRPr lang="en-US" dirty="0"/>
+          </a:p>
+        </p:txBody>
+      </p:sp>
       <p:sp>
         <p:nvSpPr>
           <p:cNvPr id="4" name="日期版面配置區 3"/>
@@ -13557,7 +13574,7 @@
     </p:spTree>
     <p:extLst>
       <p:ext uri="{BB962C8B-B14F-4D97-AF65-F5344CB8AC3E}">
-        <p14:creationId xmlns:p14="http://schemas.microsoft.com/office/powerpoint/2010/main" val="1928190408"/>
+        <p14:creationId xmlns:p14="http://schemas.microsoft.com/office/powerpoint/2010/main" val="70586471"/>
       </p:ext>
     </p:extLst>
   </p:cSld>
@@ -13612,12 +13629,9 @@
             </a:r>
             <a:r>
               <a:rPr lang="en-US" dirty="0" smtClean="0"/>
-              <a:t>Control </a:t>
-            </a:r>
-            <a:r>
-              <a:rPr lang="en-US" dirty="0"/>
-              <a:t>Example</a:t>
-            </a:r>
+              <a:t>Prediction Example</a:t>
+            </a:r>
+            <a:endParaRPr lang="en-US" dirty="0"/>
           </a:p>
         </p:txBody>
       </p:sp>
@@ -13645,8 +13659,8 @@
         </p:blipFill>
         <p:spPr>
           <a:xfrm>
-            <a:off x="1369909" y="2123758"/>
-            <a:ext cx="9335803" cy="3505689"/>
+            <a:off x="1349733" y="2025037"/>
+            <a:ext cx="9326277" cy="3620005"/>
           </a:xfrm>
         </p:spPr>
       </p:pic>
@@ -13722,7 +13736,7 @@
     </p:spTree>
     <p:extLst>
       <p:ext uri="{BB962C8B-B14F-4D97-AF65-F5344CB8AC3E}">
-        <p14:creationId xmlns:p14="http://schemas.microsoft.com/office/powerpoint/2010/main" val="3767224103"/>
+        <p14:creationId xmlns:p14="http://schemas.microsoft.com/office/powerpoint/2010/main" val="1928190408"/>
       </p:ext>
     </p:extLst>
   </p:cSld>
@@ -13758,7 +13772,7 @@
       </p:grpSpPr>
       <p:sp>
         <p:nvSpPr>
-          <p:cNvPr id="7" name="標題 6"/>
+          <p:cNvPr id="2" name="標題 1"/>
           <p:cNvSpPr>
             <a:spLocks noGrp="1"/>
           </p:cNvSpPr>
@@ -13773,34 +13787,48 @@
           <a:p>
             <a:r>
               <a:rPr lang="en-US" dirty="0"/>
-              <a:t>Learning to Drive in a Day</a:t>
-            </a:r>
-          </a:p>
-        </p:txBody>
-      </p:sp>
-      <p:sp>
-        <p:nvSpPr>
-          <p:cNvPr id="8" name="文字版面配置區 7"/>
-          <p:cNvSpPr>
-            <a:spLocks noGrp="1"/>
-          </p:cNvSpPr>
-          <p:nvPr>
-            <p:ph type="body" idx="1"/>
-          </p:nvPr>
-        </p:nvSpPr>
-        <p:spPr/>
-        <p:txBody>
-          <a:bodyPr/>
-          <a:lstStyle/>
-          <a:p>
+              <a:t>Prediction and Control: </a:t>
+            </a:r>
             <a:r>
               <a:rPr lang="en-US" dirty="0" smtClean="0"/>
-              <a:t>Kendall et al.</a:t>
-            </a:r>
-            <a:endParaRPr lang="en-US" dirty="0"/>
-          </a:p>
-        </p:txBody>
-      </p:sp>
+              <a:t>Control </a:t>
+            </a:r>
+            <a:r>
+              <a:rPr lang="en-US" dirty="0"/>
+              <a:t>Example</a:t>
+            </a:r>
+          </a:p>
+        </p:txBody>
+      </p:sp>
+      <p:pic>
+        <p:nvPicPr>
+          <p:cNvPr id="7" name="內容版面配置區 6" descr="畫面剪輯"/>
+          <p:cNvPicPr>
+            <a:picLocks noGrp="1" noChangeAspect="1"/>
+          </p:cNvPicPr>
+          <p:nvPr>
+            <p:ph idx="1"/>
+          </p:nvPr>
+        </p:nvPicPr>
+        <p:blipFill>
+          <a:blip r:embed="rId2">
+            <a:extLst>
+              <a:ext uri="{28A0092B-C50C-407E-A947-70E740481C1C}">
+                <a14:useLocalDpi xmlns:a14="http://schemas.microsoft.com/office/drawing/2010/main" val="0"/>
+              </a:ext>
+            </a:extLst>
+          </a:blip>
+          <a:stretch>
+            <a:fillRect/>
+          </a:stretch>
+        </p:blipFill>
+        <p:spPr>
+          <a:xfrm>
+            <a:off x="1369909" y="2123758"/>
+            <a:ext cx="9335803" cy="3505689"/>
+          </a:xfrm>
+        </p:spPr>
+      </p:pic>
       <p:sp>
         <p:nvSpPr>
           <p:cNvPr id="4" name="日期版面配置區 3"/>
@@ -13873,7 +13901,7 @@
     </p:spTree>
     <p:extLst>
       <p:ext uri="{BB962C8B-B14F-4D97-AF65-F5344CB8AC3E}">
-        <p14:creationId xmlns:p14="http://schemas.microsoft.com/office/powerpoint/2010/main" val="742242672"/>
+        <p14:creationId xmlns:p14="http://schemas.microsoft.com/office/powerpoint/2010/main" val="3767224103"/>
       </p:ext>
     </p:extLst>
   </p:cSld>
@@ -13922,25 +13950,32 @@
           <a:bodyPr/>
           <a:lstStyle/>
           <a:p>
-            <a:endParaRPr lang="en-US"/>
-          </a:p>
-        </p:txBody>
-      </p:sp>
-      <p:sp>
-        <p:nvSpPr>
-          <p:cNvPr id="8" name="內容版面配置區 7"/>
-          <p:cNvSpPr>
-            <a:spLocks noGrp="1"/>
-          </p:cNvSpPr>
-          <p:nvPr>
-            <p:ph idx="1"/>
-          </p:nvPr>
-        </p:nvSpPr>
-        <p:spPr/>
-        <p:txBody>
-          <a:bodyPr/>
-          <a:lstStyle/>
-          <a:p>
+            <a:r>
+              <a:rPr lang="en-US" dirty="0"/>
+              <a:t>Learning to Drive in a Day</a:t>
+            </a:r>
+          </a:p>
+        </p:txBody>
+      </p:sp>
+      <p:sp>
+        <p:nvSpPr>
+          <p:cNvPr id="8" name="文字版面配置區 7"/>
+          <p:cNvSpPr>
+            <a:spLocks noGrp="1"/>
+          </p:cNvSpPr>
+          <p:nvPr>
+            <p:ph type="body" idx="1"/>
+          </p:nvPr>
+        </p:nvSpPr>
+        <p:spPr/>
+        <p:txBody>
+          <a:bodyPr/>
+          <a:lstStyle/>
+          <a:p>
+            <a:r>
+              <a:rPr lang="en-US" dirty="0" smtClean="0"/>
+              <a:t>Kendall et al.</a:t>
+            </a:r>
             <a:endParaRPr lang="en-US" dirty="0"/>
           </a:p>
         </p:txBody>
@@ -14009,6 +14044,150 @@
             <a:fld id="{5045ACBE-646A-47C1-AE77-0176D1C48DE1}" type="slidenum">
               <a:rPr lang="zh-TW" altLang="en-US" smtClean="0"/>
               <a:t>43</a:t>
+            </a:fld>
+            <a:endParaRPr lang="zh-TW" altLang="en-US"/>
+          </a:p>
+        </p:txBody>
+      </p:sp>
+    </p:spTree>
+    <p:extLst>
+      <p:ext uri="{BB962C8B-B14F-4D97-AF65-F5344CB8AC3E}">
+        <p14:creationId xmlns:p14="http://schemas.microsoft.com/office/powerpoint/2010/main" val="742242672"/>
+      </p:ext>
+    </p:extLst>
+  </p:cSld>
+  <p:clrMapOvr>
+    <a:masterClrMapping/>
+  </p:clrMapOvr>
+  <p:timing>
+    <p:tnLst>
+      <p:par>
+        <p:cTn id="1" dur="indefinite" restart="never" nodeType="tmRoot"/>
+      </p:par>
+    </p:tnLst>
+  </p:timing>
+</p:sld>
+</file>
+
+<file path=ppt/slides/slide44.xml><?xml version="1.0" encoding="utf-8"?>
+<p:sld xmlns:a="http://schemas.openxmlformats.org/drawingml/2006/main" xmlns:r="http://schemas.openxmlformats.org/officeDocument/2006/relationships" xmlns:p="http://schemas.openxmlformats.org/presentationml/2006/main">
+  <p:cSld>
+    <p:spTree>
+      <p:nvGrpSpPr>
+        <p:cNvPr id="1" name=""/>
+        <p:cNvGrpSpPr/>
+        <p:nvPr/>
+      </p:nvGrpSpPr>
+      <p:grpSpPr>
+        <a:xfrm>
+          <a:off x="0" y="0"/>
+          <a:ext cx="0" cy="0"/>
+          <a:chOff x="0" y="0"/>
+          <a:chExt cx="0" cy="0"/>
+        </a:xfrm>
+      </p:grpSpPr>
+      <p:sp>
+        <p:nvSpPr>
+          <p:cNvPr id="7" name="標題 6"/>
+          <p:cNvSpPr>
+            <a:spLocks noGrp="1"/>
+          </p:cNvSpPr>
+          <p:nvPr>
+            <p:ph type="title"/>
+          </p:nvPr>
+        </p:nvSpPr>
+        <p:spPr/>
+        <p:txBody>
+          <a:bodyPr/>
+          <a:lstStyle/>
+          <a:p>
+            <a:endParaRPr lang="en-US"/>
+          </a:p>
+        </p:txBody>
+      </p:sp>
+      <p:sp>
+        <p:nvSpPr>
+          <p:cNvPr id="8" name="內容版面配置區 7"/>
+          <p:cNvSpPr>
+            <a:spLocks noGrp="1"/>
+          </p:cNvSpPr>
+          <p:nvPr>
+            <p:ph idx="1"/>
+          </p:nvPr>
+        </p:nvSpPr>
+        <p:spPr/>
+        <p:txBody>
+          <a:bodyPr/>
+          <a:lstStyle/>
+          <a:p>
+            <a:endParaRPr lang="en-US" dirty="0"/>
+          </a:p>
+        </p:txBody>
+      </p:sp>
+      <p:sp>
+        <p:nvSpPr>
+          <p:cNvPr id="4" name="日期版面配置區 3"/>
+          <p:cNvSpPr>
+            <a:spLocks noGrp="1"/>
+          </p:cNvSpPr>
+          <p:nvPr>
+            <p:ph type="dt" sz="half" idx="10"/>
+          </p:nvPr>
+        </p:nvSpPr>
+        <p:spPr/>
+        <p:txBody>
+          <a:bodyPr/>
+          <a:lstStyle/>
+          <a:p>
+            <a:r>
+              <a:rPr lang="en-US" altLang="zh-TW" smtClean="0"/>
+              <a:t>February 2022</a:t>
+            </a:r>
+            <a:endParaRPr lang="zh-TW" altLang="en-US"/>
+          </a:p>
+        </p:txBody>
+      </p:sp>
+      <p:sp>
+        <p:nvSpPr>
+          <p:cNvPr id="5" name="頁尾版面配置區 4"/>
+          <p:cNvSpPr>
+            <a:spLocks noGrp="1"/>
+          </p:cNvSpPr>
+          <p:nvPr>
+            <p:ph type="ftr" sz="quarter" idx="11"/>
+          </p:nvPr>
+        </p:nvSpPr>
+        <p:spPr/>
+        <p:txBody>
+          <a:bodyPr/>
+          <a:lstStyle/>
+          <a:p>
+            <a:r>
+              <a:rPr lang="en-US" altLang="zh-TW" smtClean="0"/>
+              <a:t>National Kaohsiung University of Science and Technology</a:t>
+            </a:r>
+            <a:endParaRPr lang="zh-TW" altLang="en-US"/>
+          </a:p>
+        </p:txBody>
+      </p:sp>
+      <p:sp>
+        <p:nvSpPr>
+          <p:cNvPr id="6" name="投影片編號版面配置區 5"/>
+          <p:cNvSpPr>
+            <a:spLocks noGrp="1"/>
+          </p:cNvSpPr>
+          <p:nvPr>
+            <p:ph type="sldNum" sz="quarter" idx="12"/>
+          </p:nvPr>
+        </p:nvSpPr>
+        <p:spPr/>
+        <p:txBody>
+          <a:bodyPr/>
+          <a:lstStyle/>
+          <a:p>
+            <a:fld id="{5045ACBE-646A-47C1-AE77-0176D1C48DE1}" type="slidenum">
+              <a:rPr lang="zh-TW" altLang="en-US" smtClean="0"/>
+              <a:t>44</a:t>
             </a:fld>
             <a:endParaRPr lang="zh-TW" altLang="en-US"/>
           </a:p>
@@ -14060,7 +14239,7 @@
 </p:sld>
 </file>
 
-<file path=ppt/slides/slide44.xml><?xml version="1.0" encoding="utf-8"?>
+<file path=ppt/slides/slide45.xml><?xml version="1.0" encoding="utf-8"?>
 <p:sld xmlns:a="http://schemas.openxmlformats.org/drawingml/2006/main" xmlns:r="http://schemas.openxmlformats.org/officeDocument/2006/relationships" xmlns:p="http://schemas.openxmlformats.org/presentationml/2006/main">
   <p:cSld>
     <p:spTree>
@@ -14192,7 +14371,7 @@
           <a:p>
             <a:fld id="{5045ACBE-646A-47C1-AE77-0176D1C48DE1}" type="slidenum">
               <a:rPr lang="zh-TW" altLang="en-US" smtClean="0"/>
-              <a:t>44</a:t>
+              <a:t>45</a:t>
             </a:fld>
             <a:endParaRPr lang="zh-TW" altLang="en-US"/>
           </a:p>
@@ -14202,149 +14381,6 @@
     <p:extLst>
       <p:ext uri="{BB962C8B-B14F-4D97-AF65-F5344CB8AC3E}">
         <p14:creationId xmlns:p14="http://schemas.microsoft.com/office/powerpoint/2010/main" val="533598757"/>
-      </p:ext>
-    </p:extLst>
-  </p:cSld>
-  <p:clrMapOvr>
-    <a:masterClrMapping/>
-  </p:clrMapOvr>
-</p:sld>
-</file>
-
-<file path=ppt/slides/slide45.xml><?xml version="1.0" encoding="utf-8"?>
-<p:sld xmlns:a="http://schemas.openxmlformats.org/drawingml/2006/main" xmlns:r="http://schemas.openxmlformats.org/officeDocument/2006/relationships" xmlns:p="http://schemas.openxmlformats.org/presentationml/2006/main">
-  <p:cSld>
-    <p:spTree>
-      <p:nvGrpSpPr>
-        <p:cNvPr id="1" name=""/>
-        <p:cNvGrpSpPr/>
-        <p:nvPr/>
-      </p:nvGrpSpPr>
-      <p:grpSpPr>
-        <a:xfrm>
-          <a:off x="0" y="0"/>
-          <a:ext cx="0" cy="0"/>
-          <a:chOff x="0" y="0"/>
-          <a:chExt cx="0" cy="0"/>
-        </a:xfrm>
-      </p:grpSpPr>
-      <p:sp>
-        <p:nvSpPr>
-          <p:cNvPr id="7" name="標題 6"/>
-          <p:cNvSpPr>
-            <a:spLocks noGrp="1"/>
-          </p:cNvSpPr>
-          <p:nvPr>
-            <p:ph type="title"/>
-          </p:nvPr>
-        </p:nvSpPr>
-        <p:spPr/>
-        <p:txBody>
-          <a:bodyPr/>
-          <a:lstStyle/>
-          <a:p>
-            <a:r>
-              <a:rPr lang="en-US" dirty="0"/>
-              <a:t>Deep Reinforcement Learning for Dialogue Generation</a:t>
-            </a:r>
-          </a:p>
-        </p:txBody>
-      </p:sp>
-      <p:sp>
-        <p:nvSpPr>
-          <p:cNvPr id="8" name="文字版面配置區 7"/>
-          <p:cNvSpPr>
-            <a:spLocks noGrp="1"/>
-          </p:cNvSpPr>
-          <p:nvPr>
-            <p:ph type="body" idx="1"/>
-          </p:nvPr>
-        </p:nvSpPr>
-        <p:spPr/>
-        <p:txBody>
-          <a:bodyPr/>
-          <a:lstStyle/>
-          <a:p>
-            <a:r>
-              <a:rPr lang="en-US" dirty="0" smtClean="0"/>
-              <a:t>Li et al.</a:t>
-            </a:r>
-          </a:p>
-        </p:txBody>
-      </p:sp>
-      <p:sp>
-        <p:nvSpPr>
-          <p:cNvPr id="4" name="日期版面配置區 3"/>
-          <p:cNvSpPr>
-            <a:spLocks noGrp="1"/>
-          </p:cNvSpPr>
-          <p:nvPr>
-            <p:ph type="dt" sz="half" idx="10"/>
-          </p:nvPr>
-        </p:nvSpPr>
-        <p:spPr/>
-        <p:txBody>
-          <a:bodyPr/>
-          <a:lstStyle/>
-          <a:p>
-            <a:r>
-              <a:rPr lang="en-US" altLang="zh-TW" smtClean="0"/>
-              <a:t>February 2022</a:t>
-            </a:r>
-            <a:endParaRPr lang="zh-TW" altLang="en-US"/>
-          </a:p>
-        </p:txBody>
-      </p:sp>
-      <p:sp>
-        <p:nvSpPr>
-          <p:cNvPr id="5" name="頁尾版面配置區 4"/>
-          <p:cNvSpPr>
-            <a:spLocks noGrp="1"/>
-          </p:cNvSpPr>
-          <p:nvPr>
-            <p:ph type="ftr" sz="quarter" idx="11"/>
-          </p:nvPr>
-        </p:nvSpPr>
-        <p:spPr/>
-        <p:txBody>
-          <a:bodyPr/>
-          <a:lstStyle/>
-          <a:p>
-            <a:r>
-              <a:rPr lang="en-US" altLang="zh-TW" smtClean="0"/>
-              <a:t>National Kaohsiung University of Science and Technology</a:t>
-            </a:r>
-            <a:endParaRPr lang="zh-TW" altLang="en-US"/>
-          </a:p>
-        </p:txBody>
-      </p:sp>
-      <p:sp>
-        <p:nvSpPr>
-          <p:cNvPr id="6" name="投影片編號版面配置區 5"/>
-          <p:cNvSpPr>
-            <a:spLocks noGrp="1"/>
-          </p:cNvSpPr>
-          <p:nvPr>
-            <p:ph type="sldNum" sz="quarter" idx="12"/>
-          </p:nvPr>
-        </p:nvSpPr>
-        <p:spPr/>
-        <p:txBody>
-          <a:bodyPr/>
-          <a:lstStyle/>
-          <a:p>
-            <a:fld id="{5045ACBE-646A-47C1-AE77-0176D1C48DE1}" type="slidenum">
-              <a:rPr lang="zh-TW" altLang="en-US" smtClean="0"/>
-              <a:t>45</a:t>
-            </a:fld>
-            <a:endParaRPr lang="zh-TW" altLang="en-US"/>
-          </a:p>
-        </p:txBody>
-      </p:sp>
-    </p:spTree>
-    <p:extLst>
-      <p:ext uri="{BB962C8B-B14F-4D97-AF65-F5344CB8AC3E}">
-        <p14:creationId xmlns:p14="http://schemas.microsoft.com/office/powerpoint/2010/main" val="3989331201"/>
       </p:ext>
     </p:extLst>
   </p:cSld>
@@ -14386,39 +14422,35 @@
           <a:bodyPr/>
           <a:lstStyle/>
           <a:p>
-            <a:endParaRPr lang="en-US"/>
-          </a:p>
-        </p:txBody>
-      </p:sp>
-      <p:pic>
-        <p:nvPicPr>
-          <p:cNvPr id="9" name="內容版面配置區 8" descr="畫面剪輯"/>
-          <p:cNvPicPr>
-            <a:picLocks noGrp="1" noChangeAspect="1"/>
-          </p:cNvPicPr>
-          <p:nvPr>
-            <p:ph idx="1"/>
-          </p:nvPr>
-        </p:nvPicPr>
-        <p:blipFill>
-          <a:blip r:embed="rId2">
-            <a:extLst>
-              <a:ext uri="{28A0092B-C50C-407E-A947-70E740481C1C}">
-                <a14:useLocalDpi xmlns:a14="http://schemas.microsoft.com/office/drawing/2010/main" val="0"/>
-              </a:ext>
-            </a:extLst>
-          </a:blip>
-          <a:stretch>
-            <a:fillRect/>
-          </a:stretch>
-        </p:blipFill>
-        <p:spPr>
-          <a:xfrm>
-            <a:off x="1045250" y="1770207"/>
-            <a:ext cx="9935243" cy="4351338"/>
-          </a:xfrm>
-        </p:spPr>
-      </p:pic>
+            <a:r>
+              <a:rPr lang="en-US" dirty="0"/>
+              <a:t>Deep Reinforcement Learning for Dialogue Generation</a:t>
+            </a:r>
+          </a:p>
+        </p:txBody>
+      </p:sp>
+      <p:sp>
+        <p:nvSpPr>
+          <p:cNvPr id="8" name="文字版面配置區 7"/>
+          <p:cNvSpPr>
+            <a:spLocks noGrp="1"/>
+          </p:cNvSpPr>
+          <p:nvPr>
+            <p:ph type="body" idx="1"/>
+          </p:nvPr>
+        </p:nvSpPr>
+        <p:spPr/>
+        <p:txBody>
+          <a:bodyPr/>
+          <a:lstStyle/>
+          <a:p>
+            <a:r>
+              <a:rPr lang="en-US" dirty="0" smtClean="0"/>
+              <a:t>Li et al.</a:t>
+            </a:r>
+          </a:p>
+        </p:txBody>
+      </p:sp>
       <p:sp>
         <p:nvSpPr>
           <p:cNvPr id="4" name="日期版面配置區 3"/>
@@ -14491,7 +14523,7 @@
     </p:spTree>
     <p:extLst>
       <p:ext uri="{BB962C8B-B14F-4D97-AF65-F5344CB8AC3E}">
-        <p14:creationId xmlns:p14="http://schemas.microsoft.com/office/powerpoint/2010/main" val="1483071900"/>
+        <p14:creationId xmlns:p14="http://schemas.microsoft.com/office/powerpoint/2010/main" val="3989331201"/>
       </p:ext>
     </p:extLst>
   </p:cSld>
@@ -14530,45 +14562,42 @@
         </p:nvSpPr>
         <p:spPr/>
         <p:txBody>
-          <a:bodyPr>
-            <a:normAutofit fontScale="90000"/>
-          </a:bodyPr>
-          <a:lstStyle/>
-          <a:p>
-            <a:r>
-              <a:rPr lang="en-US" dirty="0"/>
-              <a:t>Don’t Until the Final Verb Wait: Reinforcement Learning for Simultaneous Machine Translation</a:t>
-            </a:r>
-          </a:p>
-        </p:txBody>
-      </p:sp>
-      <p:sp>
-        <p:nvSpPr>
-          <p:cNvPr id="8" name="文字版面配置區 7"/>
-          <p:cNvSpPr>
-            <a:spLocks noGrp="1"/>
-          </p:cNvSpPr>
-          <p:nvPr>
-            <p:ph type="body" idx="1"/>
-          </p:nvPr>
-        </p:nvSpPr>
-        <p:spPr/>
-        <p:txBody>
-          <a:bodyPr/>
-          <a:lstStyle/>
-          <a:p>
-            <a:r>
-              <a:rPr lang="en-US" dirty="0"/>
-              <a:t>Grissom </a:t>
-            </a:r>
-            <a:r>
-              <a:rPr lang="en-US" dirty="0" smtClean="0"/>
-              <a:t>II et al.</a:t>
-            </a:r>
-            <a:endParaRPr lang="en-US" dirty="0"/>
-          </a:p>
-        </p:txBody>
-      </p:sp>
+          <a:bodyPr/>
+          <a:lstStyle/>
+          <a:p>
+            <a:endParaRPr lang="en-US"/>
+          </a:p>
+        </p:txBody>
+      </p:sp>
+      <p:pic>
+        <p:nvPicPr>
+          <p:cNvPr id="9" name="內容版面配置區 8" descr="畫面剪輯"/>
+          <p:cNvPicPr>
+            <a:picLocks noGrp="1" noChangeAspect="1"/>
+          </p:cNvPicPr>
+          <p:nvPr>
+            <p:ph idx="1"/>
+          </p:nvPr>
+        </p:nvPicPr>
+        <p:blipFill>
+          <a:blip r:embed="rId2">
+            <a:extLst>
+              <a:ext uri="{28A0092B-C50C-407E-A947-70E740481C1C}">
+                <a14:useLocalDpi xmlns:a14="http://schemas.microsoft.com/office/drawing/2010/main" val="0"/>
+              </a:ext>
+            </a:extLst>
+          </a:blip>
+          <a:stretch>
+            <a:fillRect/>
+          </a:stretch>
+        </p:blipFill>
+        <p:spPr>
+          <a:xfrm>
+            <a:off x="1045250" y="1770207"/>
+            <a:ext cx="9935243" cy="4351338"/>
+          </a:xfrm>
+        </p:spPr>
+      </p:pic>
       <p:sp>
         <p:nvSpPr>
           <p:cNvPr id="4" name="日期版面配置區 3"/>
@@ -14641,7 +14670,7 @@
     </p:spTree>
     <p:extLst>
       <p:ext uri="{BB962C8B-B14F-4D97-AF65-F5344CB8AC3E}">
-        <p14:creationId xmlns:p14="http://schemas.microsoft.com/office/powerpoint/2010/main" val="3390257161"/>
+        <p14:creationId xmlns:p14="http://schemas.microsoft.com/office/powerpoint/2010/main" val="1483071900"/>
       </p:ext>
     </p:extLst>
   </p:cSld>
@@ -14670,7 +14699,7 @@
       </p:grpSpPr>
       <p:sp>
         <p:nvSpPr>
-          <p:cNvPr id="8" name="標題 7"/>
+          <p:cNvPr id="7" name="標題 6"/>
           <p:cNvSpPr>
             <a:spLocks noGrp="1"/>
           </p:cNvSpPr>
@@ -14680,33 +14709,42 @@
         </p:nvSpPr>
         <p:spPr/>
         <p:txBody>
-          <a:bodyPr/>
-          <a:lstStyle/>
-          <a:p>
+          <a:bodyPr>
+            <a:normAutofit fontScale="90000"/>
+          </a:bodyPr>
+          <a:lstStyle/>
+          <a:p>
+            <a:r>
+              <a:rPr lang="en-US" dirty="0"/>
+              <a:t>Don’t Until the Final Verb Wait: Reinforcement Learning for Simultaneous Machine Translation</a:t>
+            </a:r>
+          </a:p>
+        </p:txBody>
+      </p:sp>
+      <p:sp>
+        <p:nvSpPr>
+          <p:cNvPr id="8" name="文字版面配置區 7"/>
+          <p:cNvSpPr>
+            <a:spLocks noGrp="1"/>
+          </p:cNvSpPr>
+          <p:nvPr>
+            <p:ph type="body" idx="1"/>
+          </p:nvPr>
+        </p:nvSpPr>
+        <p:spPr/>
+        <p:txBody>
+          <a:bodyPr/>
+          <a:lstStyle/>
+          <a:p>
+            <a:r>
+              <a:rPr lang="en-US" dirty="0"/>
+              <a:t>Grissom </a:t>
+            </a:r>
             <a:r>
               <a:rPr lang="en-US" dirty="0" smtClean="0"/>
-              <a:t>Architecture</a:t>
+              <a:t>II et al.</a:t>
             </a:r>
             <a:endParaRPr lang="en-US" dirty="0"/>
-          </a:p>
-        </p:txBody>
-      </p:sp>
-      <p:sp>
-        <p:nvSpPr>
-          <p:cNvPr id="9" name="內容版面配置區 8"/>
-          <p:cNvSpPr>
-            <a:spLocks noGrp="1"/>
-          </p:cNvSpPr>
-          <p:nvPr>
-            <p:ph idx="1"/>
-          </p:nvPr>
-        </p:nvSpPr>
-        <p:spPr/>
-        <p:txBody>
-          <a:bodyPr/>
-          <a:lstStyle/>
-          <a:p>
-            <a:endParaRPr lang="en-US"/>
           </a:p>
         </p:txBody>
       </p:sp>
@@ -14774,6 +14812,147 @@
             <a:fld id="{5045ACBE-646A-47C1-AE77-0176D1C48DE1}" type="slidenum">
               <a:rPr lang="zh-TW" altLang="en-US" smtClean="0"/>
               <a:t>48</a:t>
+            </a:fld>
+            <a:endParaRPr lang="zh-TW" altLang="en-US"/>
+          </a:p>
+        </p:txBody>
+      </p:sp>
+    </p:spTree>
+    <p:extLst>
+      <p:ext uri="{BB962C8B-B14F-4D97-AF65-F5344CB8AC3E}">
+        <p14:creationId xmlns:p14="http://schemas.microsoft.com/office/powerpoint/2010/main" val="3390257161"/>
+      </p:ext>
+    </p:extLst>
+  </p:cSld>
+  <p:clrMapOvr>
+    <a:masterClrMapping/>
+  </p:clrMapOvr>
+</p:sld>
+</file>
+
+<file path=ppt/slides/slide49.xml><?xml version="1.0" encoding="utf-8"?>
+<p:sld xmlns:a="http://schemas.openxmlformats.org/drawingml/2006/main" xmlns:r="http://schemas.openxmlformats.org/officeDocument/2006/relationships" xmlns:p="http://schemas.openxmlformats.org/presentationml/2006/main">
+  <p:cSld>
+    <p:spTree>
+      <p:nvGrpSpPr>
+        <p:cNvPr id="1" name=""/>
+        <p:cNvGrpSpPr/>
+        <p:nvPr/>
+      </p:nvGrpSpPr>
+      <p:grpSpPr>
+        <a:xfrm>
+          <a:off x="0" y="0"/>
+          <a:ext cx="0" cy="0"/>
+          <a:chOff x="0" y="0"/>
+          <a:chExt cx="0" cy="0"/>
+        </a:xfrm>
+      </p:grpSpPr>
+      <p:sp>
+        <p:nvSpPr>
+          <p:cNvPr id="8" name="標題 7"/>
+          <p:cNvSpPr>
+            <a:spLocks noGrp="1"/>
+          </p:cNvSpPr>
+          <p:nvPr>
+            <p:ph type="title"/>
+          </p:nvPr>
+        </p:nvSpPr>
+        <p:spPr/>
+        <p:txBody>
+          <a:bodyPr/>
+          <a:lstStyle/>
+          <a:p>
+            <a:r>
+              <a:rPr lang="en-US" dirty="0" smtClean="0"/>
+              <a:t>Architecture</a:t>
+            </a:r>
+            <a:endParaRPr lang="en-US" dirty="0"/>
+          </a:p>
+        </p:txBody>
+      </p:sp>
+      <p:sp>
+        <p:nvSpPr>
+          <p:cNvPr id="9" name="內容版面配置區 8"/>
+          <p:cNvSpPr>
+            <a:spLocks noGrp="1"/>
+          </p:cNvSpPr>
+          <p:nvPr>
+            <p:ph idx="1"/>
+          </p:nvPr>
+        </p:nvSpPr>
+        <p:spPr/>
+        <p:txBody>
+          <a:bodyPr/>
+          <a:lstStyle/>
+          <a:p>
+            <a:endParaRPr lang="en-US"/>
+          </a:p>
+        </p:txBody>
+      </p:sp>
+      <p:sp>
+        <p:nvSpPr>
+          <p:cNvPr id="4" name="日期版面配置區 3"/>
+          <p:cNvSpPr>
+            <a:spLocks noGrp="1"/>
+          </p:cNvSpPr>
+          <p:nvPr>
+            <p:ph type="dt" sz="half" idx="10"/>
+          </p:nvPr>
+        </p:nvSpPr>
+        <p:spPr/>
+        <p:txBody>
+          <a:bodyPr/>
+          <a:lstStyle/>
+          <a:p>
+            <a:r>
+              <a:rPr lang="en-US" altLang="zh-TW" smtClean="0"/>
+              <a:t>February 2022</a:t>
+            </a:r>
+            <a:endParaRPr lang="zh-TW" altLang="en-US"/>
+          </a:p>
+        </p:txBody>
+      </p:sp>
+      <p:sp>
+        <p:nvSpPr>
+          <p:cNvPr id="5" name="頁尾版面配置區 4"/>
+          <p:cNvSpPr>
+            <a:spLocks noGrp="1"/>
+          </p:cNvSpPr>
+          <p:nvPr>
+            <p:ph type="ftr" sz="quarter" idx="11"/>
+          </p:nvPr>
+        </p:nvSpPr>
+        <p:spPr/>
+        <p:txBody>
+          <a:bodyPr/>
+          <a:lstStyle/>
+          <a:p>
+            <a:r>
+              <a:rPr lang="en-US" altLang="zh-TW" smtClean="0"/>
+              <a:t>National Kaohsiung University of Science and Technology</a:t>
+            </a:r>
+            <a:endParaRPr lang="zh-TW" altLang="en-US"/>
+          </a:p>
+        </p:txBody>
+      </p:sp>
+      <p:sp>
+        <p:nvSpPr>
+          <p:cNvPr id="6" name="投影片編號版面配置區 5"/>
+          <p:cNvSpPr>
+            <a:spLocks noGrp="1"/>
+          </p:cNvSpPr>
+          <p:nvPr>
+            <p:ph type="sldNum" sz="quarter" idx="12"/>
+          </p:nvPr>
+        </p:nvSpPr>
+        <p:spPr/>
+        <p:txBody>
+          <a:bodyPr/>
+          <a:lstStyle/>
+          <a:p>
+            <a:fld id="{5045ACBE-646A-47C1-AE77-0176D1C48DE1}" type="slidenum">
+              <a:rPr lang="zh-TW" altLang="en-US" smtClean="0"/>
+              <a:t>49</a:t>
             </a:fld>
             <a:endParaRPr lang="zh-TW" altLang="en-US"/>
           </a:p>
@@ -14822,159 +15001,6 @@
 </p:sld>
 </file>
 
-<file path=ppt/slides/slide49.xml><?xml version="1.0" encoding="utf-8"?>
-<p:sld xmlns:a="http://schemas.openxmlformats.org/drawingml/2006/main" xmlns:r="http://schemas.openxmlformats.org/officeDocument/2006/relationships" xmlns:p="http://schemas.openxmlformats.org/presentationml/2006/main">
-  <p:cSld>
-    <p:spTree>
-      <p:nvGrpSpPr>
-        <p:cNvPr id="1" name=""/>
-        <p:cNvGrpSpPr/>
-        <p:nvPr/>
-      </p:nvGrpSpPr>
-      <p:grpSpPr>
-        <a:xfrm>
-          <a:off x="0" y="0"/>
-          <a:ext cx="0" cy="0"/>
-          <a:chOff x="0" y="0"/>
-          <a:chExt cx="0" cy="0"/>
-        </a:xfrm>
-      </p:grpSpPr>
-      <p:sp>
-        <p:nvSpPr>
-          <p:cNvPr id="7" name="標題 6"/>
-          <p:cNvSpPr>
-            <a:spLocks noGrp="1"/>
-          </p:cNvSpPr>
-          <p:nvPr>
-            <p:ph type="title"/>
-          </p:nvPr>
-        </p:nvSpPr>
-        <p:spPr/>
-        <p:txBody>
-          <a:bodyPr>
-            <a:normAutofit fontScale="90000"/>
-          </a:bodyPr>
-          <a:lstStyle/>
-          <a:p>
-            <a:r>
-              <a:rPr lang="en-US" dirty="0"/>
-              <a:t>QT-Opt: Scalable Deep Reinforcement Learning for Vision-Based Robotic Manipulation</a:t>
-            </a:r>
-          </a:p>
-        </p:txBody>
-      </p:sp>
-      <p:sp>
-        <p:nvSpPr>
-          <p:cNvPr id="8" name="文字版面配置區 7"/>
-          <p:cNvSpPr>
-            <a:spLocks noGrp="1"/>
-          </p:cNvSpPr>
-          <p:nvPr>
-            <p:ph type="body" idx="1"/>
-          </p:nvPr>
-        </p:nvSpPr>
-        <p:spPr/>
-        <p:txBody>
-          <a:bodyPr/>
-          <a:lstStyle/>
-          <a:p>
-            <a:r>
-              <a:rPr lang="en-US" dirty="0" smtClean="0"/>
-              <a:t>Kalashnikov et al.</a:t>
-            </a:r>
-            <a:endParaRPr lang="en-US" dirty="0"/>
-          </a:p>
-        </p:txBody>
-      </p:sp>
-      <p:sp>
-        <p:nvSpPr>
-          <p:cNvPr id="4" name="日期版面配置區 3"/>
-          <p:cNvSpPr>
-            <a:spLocks noGrp="1"/>
-          </p:cNvSpPr>
-          <p:nvPr>
-            <p:ph type="dt" sz="half" idx="10"/>
-          </p:nvPr>
-        </p:nvSpPr>
-        <p:spPr/>
-        <p:txBody>
-          <a:bodyPr/>
-          <a:lstStyle/>
-          <a:p>
-            <a:r>
-              <a:rPr lang="en-US" altLang="zh-TW" smtClean="0"/>
-              <a:t>February 2022</a:t>
-            </a:r>
-            <a:endParaRPr lang="zh-TW" altLang="en-US"/>
-          </a:p>
-        </p:txBody>
-      </p:sp>
-      <p:sp>
-        <p:nvSpPr>
-          <p:cNvPr id="5" name="頁尾版面配置區 4"/>
-          <p:cNvSpPr>
-            <a:spLocks noGrp="1"/>
-          </p:cNvSpPr>
-          <p:nvPr>
-            <p:ph type="ftr" sz="quarter" idx="11"/>
-          </p:nvPr>
-        </p:nvSpPr>
-        <p:spPr/>
-        <p:txBody>
-          <a:bodyPr/>
-          <a:lstStyle/>
-          <a:p>
-            <a:r>
-              <a:rPr lang="en-US" altLang="zh-TW" smtClean="0"/>
-              <a:t>National Kaohsiung University of Science and Technology</a:t>
-            </a:r>
-            <a:endParaRPr lang="zh-TW" altLang="en-US"/>
-          </a:p>
-        </p:txBody>
-      </p:sp>
-      <p:sp>
-        <p:nvSpPr>
-          <p:cNvPr id="6" name="投影片編號版面配置區 5"/>
-          <p:cNvSpPr>
-            <a:spLocks noGrp="1"/>
-          </p:cNvSpPr>
-          <p:nvPr>
-            <p:ph type="sldNum" sz="quarter" idx="12"/>
-          </p:nvPr>
-        </p:nvSpPr>
-        <p:spPr/>
-        <p:txBody>
-          <a:bodyPr/>
-          <a:lstStyle/>
-          <a:p>
-            <a:fld id="{5045ACBE-646A-47C1-AE77-0176D1C48DE1}" type="slidenum">
-              <a:rPr lang="zh-TW" altLang="en-US" smtClean="0"/>
-              <a:t>49</a:t>
-            </a:fld>
-            <a:endParaRPr lang="zh-TW" altLang="en-US"/>
-          </a:p>
-        </p:txBody>
-      </p:sp>
-    </p:spTree>
-    <p:extLst>
-      <p:ext uri="{BB962C8B-B14F-4D97-AF65-F5344CB8AC3E}">
-        <p14:creationId xmlns:p14="http://schemas.microsoft.com/office/powerpoint/2010/main" val="846177629"/>
-      </p:ext>
-    </p:extLst>
-  </p:cSld>
-  <p:clrMapOvr>
-    <a:masterClrMapping/>
-  </p:clrMapOvr>
-  <p:timing>
-    <p:tnLst>
-      <p:par>
-        <p:cTn id="1" dur="indefinite" restart="never" nodeType="tmRoot"/>
-      </p:par>
-    </p:tnLst>
-  </p:timing>
-</p:sld>
-</file>
-
 <file path=ppt/slides/slide5.xml><?xml version="1.0" encoding="utf-8"?>
 <p:sld xmlns:a="http://schemas.openxmlformats.org/drawingml/2006/main" xmlns:r="http://schemas.openxmlformats.org/officeDocument/2006/relationships" xmlns:p="http://schemas.openxmlformats.org/presentationml/2006/main">
   <p:cSld>
@@ -15009,7 +15035,7 @@
           <a:p>
             <a:r>
               <a:rPr lang="en-US" altLang="zh-TW" dirty="0" smtClean="0"/>
-              <a:t>Textbooks</a:t>
+              <a:t>Online Courses</a:t>
             </a:r>
             <a:endParaRPr lang="zh-TW" altLang="en-US" dirty="0"/>
           </a:p>
@@ -15034,150 +15060,60 @@
           <a:p>
             <a:r>
               <a:rPr lang="en-US" altLang="zh-TW" dirty="0" smtClean="0"/>
-              <a:t>Deep Learning</a:t>
+              <a:t>Introduction </a:t>
+            </a:r>
+            <a:r>
+              <a:rPr lang="en-US" altLang="zh-TW" dirty="0"/>
+              <a:t>to Reinforcement Learning with David Silver</a:t>
+            </a:r>
+            <a:r>
+              <a:rPr lang="zh-TW" altLang="en-US" dirty="0"/>
+              <a:t> </a:t>
+            </a:r>
+            <a:r>
+              <a:rPr lang="en-US" altLang="zh-TW" dirty="0"/>
+              <a:t>-</a:t>
+            </a:r>
+            <a:r>
+              <a:rPr lang="zh-TW" altLang="en-US" dirty="0"/>
+              <a:t> </a:t>
+            </a:r>
+            <a:r>
+              <a:rPr lang="en-US" altLang="zh-TW" dirty="0"/>
+              <a:t>DeepMind x UCL</a:t>
             </a:r>
           </a:p>
           <a:p>
             <a:pPr lvl="1"/>
-            <a:r>
-              <a:rPr lang="en-US" altLang="zh-TW" dirty="0" err="1"/>
-              <a:t>Goodfellow</a:t>
-            </a:r>
-            <a:r>
-              <a:rPr lang="en-US" altLang="zh-TW" dirty="0"/>
-              <a:t> et al., Deep Learning.</a:t>
-            </a:r>
-          </a:p>
-          <a:p>
-            <a:pPr lvl="2"/>
             <a:r>
               <a:rPr lang="en-US" altLang="zh-TW" dirty="0">
                 <a:hlinkClick r:id="rId2"/>
               </a:rPr>
-              <a:t>https://www.deeplearningbook.org/</a:t>
+              <a:t>https://deepmind.com/learning-resources/-introduction-reinforcement-learning-david-silver</a:t>
             </a:r>
             <a:endParaRPr lang="en-US" altLang="zh-TW" dirty="0"/>
           </a:p>
           <a:p>
+            <a:r>
+              <a:rPr lang="en-US" altLang="zh-TW" dirty="0"/>
+              <a:t>CS 285: Deep Reinforcement Learning – UC Berkeley</a:t>
+            </a:r>
+          </a:p>
+          <a:p>
             <a:pPr lvl="1"/>
-            <a:r>
-              <a:rPr lang="en-US" altLang="zh-TW" dirty="0"/>
-              <a:t>Zhang et al., Dive into Deep Learning.</a:t>
-            </a:r>
-          </a:p>
-          <a:p>
-            <a:pPr lvl="2"/>
             <a:r>
               <a:rPr lang="en-US" altLang="zh-TW" dirty="0">
                 <a:hlinkClick r:id="rId3"/>
               </a:rPr>
-              <a:t>https://d2l.ai/</a:t>
-            </a:r>
-            <a:endParaRPr lang="en-US" altLang="zh-TW" dirty="0"/>
-          </a:p>
-          <a:p>
-            <a:r>
-              <a:rPr lang="en-US" altLang="zh-TW" dirty="0" smtClean="0"/>
-              <a:t>Reinforcement </a:t>
-            </a:r>
-            <a:r>
-              <a:rPr lang="en-US" altLang="zh-TW" dirty="0" smtClean="0"/>
-              <a:t>Learning</a:t>
-            </a:r>
-          </a:p>
-          <a:p>
-            <a:pPr lvl="1"/>
-            <a:r>
-              <a:rPr lang="en-US" altLang="zh-TW" dirty="0"/>
-              <a:t>Sutton and </a:t>
-            </a:r>
-            <a:r>
-              <a:rPr lang="en-US" altLang="zh-TW" dirty="0" err="1"/>
-              <a:t>Barto</a:t>
-            </a:r>
-            <a:r>
-              <a:rPr lang="en-US" altLang="zh-TW" dirty="0"/>
-              <a:t> </a:t>
-            </a:r>
-            <a:r>
-              <a:rPr lang="en-US" altLang="zh-TW" dirty="0" smtClean="0"/>
-              <a:t>Reinforcement </a:t>
-            </a:r>
-            <a:r>
-              <a:rPr lang="en-US" altLang="zh-TW" dirty="0"/>
-              <a:t>Learning: </a:t>
-            </a:r>
-            <a:r>
-              <a:rPr lang="en-US" altLang="zh-TW" dirty="0" smtClean="0"/>
-              <a:t>An Introduction </a:t>
-            </a:r>
-          </a:p>
-          <a:p>
-            <a:pPr lvl="2"/>
+              <a:t>http://rail.eecs.berkeley.edu/deeprlcourse</a:t>
+            </a:r>
             <a:r>
               <a:rPr lang="en-US" altLang="zh-TW" dirty="0" smtClean="0">
-                <a:hlinkClick r:id="rId4"/>
-              </a:rPr>
-              <a:t>http</a:t>
-            </a:r>
-            <a:r>
-              <a:rPr lang="en-US" altLang="zh-TW" dirty="0">
-                <a:hlinkClick r:id="rId4"/>
-              </a:rPr>
-              <a:t>://</a:t>
-            </a:r>
-            <a:r>
-              <a:rPr lang="en-US" altLang="zh-TW" dirty="0" smtClean="0">
-                <a:hlinkClick r:id="rId4"/>
-              </a:rPr>
-              <a:t>incompleteideas.net/book/the-book.html</a:t>
-            </a:r>
-            <a:endParaRPr lang="en-US" altLang="zh-TW" dirty="0" smtClean="0"/>
-          </a:p>
-          <a:p>
-            <a:pPr lvl="1"/>
-            <a:r>
-              <a:rPr lang="en-US" altLang="zh-TW" dirty="0" err="1" smtClean="0"/>
-              <a:t>Vitay</a:t>
-            </a:r>
-            <a:r>
-              <a:rPr lang="en-US" altLang="zh-TW" dirty="0"/>
-              <a:t>, </a:t>
-            </a:r>
-            <a:r>
-              <a:rPr lang="en-US" altLang="zh-TW" dirty="0" smtClean="0"/>
-              <a:t>Deep </a:t>
-            </a:r>
-            <a:r>
-              <a:rPr lang="en-US" altLang="zh-TW" dirty="0"/>
-              <a:t>Reinforcement </a:t>
-            </a:r>
-            <a:r>
-              <a:rPr lang="en-US" altLang="zh-TW" dirty="0" smtClean="0"/>
-              <a:t>Learning </a:t>
-            </a:r>
-          </a:p>
-          <a:p>
-            <a:pPr lvl="2"/>
-            <a:r>
-              <a:rPr lang="en-US" altLang="zh-TW" dirty="0" smtClean="0">
-                <a:hlinkClick r:id="rId5"/>
-              </a:rPr>
-              <a:t>https</a:t>
-            </a:r>
-            <a:r>
-              <a:rPr lang="en-US" altLang="zh-TW" dirty="0">
-                <a:hlinkClick r:id="rId5"/>
-              </a:rPr>
-              <a:t>://julien-vitay.net/deeprl</a:t>
-            </a:r>
-            <a:r>
-              <a:rPr lang="en-US" altLang="zh-TW" dirty="0" smtClean="0">
-                <a:hlinkClick r:id="rId5"/>
+                <a:hlinkClick r:id="rId3"/>
               </a:rPr>
               <a:t>/</a:t>
             </a:r>
-            <a:endParaRPr lang="zh-TW" altLang="en-US" dirty="0"/>
+            <a:endParaRPr lang="en-US" altLang="zh-TW" dirty="0" smtClean="0"/>
           </a:p>
         </p:txBody>
       </p:sp>
@@ -15253,7 +15189,7 @@
     </p:spTree>
     <p:extLst>
       <p:ext uri="{BB962C8B-B14F-4D97-AF65-F5344CB8AC3E}">
-        <p14:creationId xmlns:p14="http://schemas.microsoft.com/office/powerpoint/2010/main" val="3640802407"/>
+        <p14:creationId xmlns:p14="http://schemas.microsoft.com/office/powerpoint/2010/main" val="519662013"/>
       </p:ext>
     </p:extLst>
   </p:cSld>
@@ -15299,40 +15235,41 @@
         </p:nvSpPr>
         <p:spPr/>
         <p:txBody>
-          <a:bodyPr/>
-          <a:lstStyle/>
-          <a:p>
-            <a:endParaRPr lang="en-US"/>
-          </a:p>
-        </p:txBody>
-      </p:sp>
-      <p:pic>
-        <p:nvPicPr>
-          <p:cNvPr id="9" name="W4joe3zzglU"/>
-          <p:cNvPicPr>
-            <a:picLocks noGrp="1" noRot="1" noChangeAspect="1"/>
-          </p:cNvPicPr>
-          <p:nvPr>
-            <p:ph idx="1"/>
-            <a:videoFile r:link="rId1"/>
-          </p:nvPr>
-        </p:nvPicPr>
-        <p:blipFill>
-          <a:blip r:embed="rId4"/>
-          <a:stretch>
-            <a:fillRect/>
-          </a:stretch>
-        </p:blipFill>
-        <p:spPr>
-          <a:xfrm>
-            <a:off x="1558637" y="920606"/>
-            <a:ext cx="9663545" cy="5435744"/>
-          </a:xfrm>
-          <a:prstGeom prst="rect">
-            <a:avLst/>
-          </a:prstGeom>
-        </p:spPr>
-      </p:pic>
+          <a:bodyPr>
+            <a:normAutofit fontScale="90000"/>
+          </a:bodyPr>
+          <a:lstStyle/>
+          <a:p>
+            <a:r>
+              <a:rPr lang="en-US" dirty="0"/>
+              <a:t>QT-Opt: Scalable Deep Reinforcement Learning for Vision-Based Robotic Manipulation</a:t>
+            </a:r>
+          </a:p>
+        </p:txBody>
+      </p:sp>
+      <p:sp>
+        <p:nvSpPr>
+          <p:cNvPr id="8" name="文字版面配置區 7"/>
+          <p:cNvSpPr>
+            <a:spLocks noGrp="1"/>
+          </p:cNvSpPr>
+          <p:nvPr>
+            <p:ph type="body" idx="1"/>
+          </p:nvPr>
+        </p:nvSpPr>
+        <p:spPr/>
+        <p:txBody>
+          <a:bodyPr/>
+          <a:lstStyle/>
+          <a:p>
+            <a:r>
+              <a:rPr lang="en-US" dirty="0" smtClean="0"/>
+              <a:t>Kalashnikov et al.</a:t>
+            </a:r>
+            <a:endParaRPr lang="en-US" dirty="0"/>
+          </a:p>
+        </p:txBody>
+      </p:sp>
       <p:sp>
         <p:nvSpPr>
           <p:cNvPr id="4" name="日期版面配置區 3"/>
@@ -15405,7 +15342,7 @@
     </p:spTree>
     <p:extLst>
       <p:ext uri="{BB962C8B-B14F-4D97-AF65-F5344CB8AC3E}">
-        <p14:creationId xmlns:p14="http://schemas.microsoft.com/office/powerpoint/2010/main" val="1002977054"/>
+        <p14:creationId xmlns:p14="http://schemas.microsoft.com/office/powerpoint/2010/main" val="846177629"/>
       </p:ext>
     </p:extLst>
   </p:cSld>
@@ -15454,40 +15391,37 @@
           <a:bodyPr/>
           <a:lstStyle/>
           <a:p>
-            <a:r>
-              <a:rPr lang="en-US" dirty="0"/>
-              <a:t>Human-level control through deep reinforcement learning</a:t>
-            </a:r>
-          </a:p>
-        </p:txBody>
-      </p:sp>
-      <p:sp>
-        <p:nvSpPr>
-          <p:cNvPr id="8" name="文字版面配置區 7"/>
-          <p:cNvSpPr>
-            <a:spLocks noGrp="1"/>
-          </p:cNvSpPr>
-          <p:nvPr>
-            <p:ph type="body" idx="1"/>
-          </p:nvPr>
-        </p:nvSpPr>
-        <p:spPr/>
-        <p:txBody>
-          <a:bodyPr/>
-          <a:lstStyle/>
-          <a:p>
-            <a:r>
-              <a:rPr lang="en-US" dirty="0" err="1" smtClean="0"/>
-              <a:t>Mnih</a:t>
-            </a:r>
-            <a:r>
-              <a:rPr lang="en-US" dirty="0" smtClean="0"/>
-              <a:t> et al., Nature</a:t>
-            </a:r>
-            <a:endParaRPr lang="en-US" dirty="0"/>
-          </a:p>
-        </p:txBody>
-      </p:sp>
+            <a:endParaRPr lang="en-US"/>
+          </a:p>
+        </p:txBody>
+      </p:sp>
+      <p:pic>
+        <p:nvPicPr>
+          <p:cNvPr id="9" name="W4joe3zzglU"/>
+          <p:cNvPicPr>
+            <a:picLocks noGrp="1" noRot="1" noChangeAspect="1"/>
+          </p:cNvPicPr>
+          <p:nvPr>
+            <p:ph idx="1"/>
+            <a:videoFile r:link="rId1"/>
+          </p:nvPr>
+        </p:nvPicPr>
+        <p:blipFill>
+          <a:blip r:embed="rId4"/>
+          <a:stretch>
+            <a:fillRect/>
+          </a:stretch>
+        </p:blipFill>
+        <p:spPr>
+          <a:xfrm>
+            <a:off x="1558637" y="920606"/>
+            <a:ext cx="9663545" cy="5435744"/>
+          </a:xfrm>
+          <a:prstGeom prst="rect">
+            <a:avLst/>
+          </a:prstGeom>
+        </p:spPr>
+      </p:pic>
       <p:sp>
         <p:nvSpPr>
           <p:cNvPr id="4" name="日期版面配置區 3"/>
@@ -15560,7 +15494,7 @@
     </p:spTree>
     <p:extLst>
       <p:ext uri="{BB962C8B-B14F-4D97-AF65-F5344CB8AC3E}">
-        <p14:creationId xmlns:p14="http://schemas.microsoft.com/office/powerpoint/2010/main" val="162479150"/>
+        <p14:creationId xmlns:p14="http://schemas.microsoft.com/office/powerpoint/2010/main" val="1002977054"/>
       </p:ext>
     </p:extLst>
   </p:cSld>
@@ -15609,37 +15543,40 @@
           <a:bodyPr/>
           <a:lstStyle/>
           <a:p>
-            <a:endParaRPr lang="en-US"/>
-          </a:p>
-        </p:txBody>
-      </p:sp>
-      <p:pic>
-        <p:nvPicPr>
-          <p:cNvPr id="9" name="V1eYniJ0Rnk"/>
-          <p:cNvPicPr>
-            <a:picLocks noGrp="1" noRot="1" noChangeAspect="1"/>
-          </p:cNvPicPr>
-          <p:nvPr>
-            <p:ph idx="1"/>
-            <a:videoFile r:link="rId1"/>
-          </p:nvPr>
-        </p:nvPicPr>
-        <p:blipFill>
-          <a:blip r:embed="rId4"/>
-          <a:stretch>
-            <a:fillRect/>
-          </a:stretch>
-        </p:blipFill>
-        <p:spPr>
-          <a:xfrm>
-            <a:off x="919018" y="497898"/>
-            <a:ext cx="10155382" cy="5712402"/>
-          </a:xfrm>
-          <a:prstGeom prst="rect">
-            <a:avLst/>
-          </a:prstGeom>
-        </p:spPr>
-      </p:pic>
+            <a:r>
+              <a:rPr lang="en-US" dirty="0"/>
+              <a:t>Human-level control through deep reinforcement learning</a:t>
+            </a:r>
+          </a:p>
+        </p:txBody>
+      </p:sp>
+      <p:sp>
+        <p:nvSpPr>
+          <p:cNvPr id="8" name="文字版面配置區 7"/>
+          <p:cNvSpPr>
+            <a:spLocks noGrp="1"/>
+          </p:cNvSpPr>
+          <p:nvPr>
+            <p:ph type="body" idx="1"/>
+          </p:nvPr>
+        </p:nvSpPr>
+        <p:spPr/>
+        <p:txBody>
+          <a:bodyPr/>
+          <a:lstStyle/>
+          <a:p>
+            <a:r>
+              <a:rPr lang="en-US" dirty="0" err="1" smtClean="0"/>
+              <a:t>Mnih</a:t>
+            </a:r>
+            <a:r>
+              <a:rPr lang="en-US" dirty="0" smtClean="0"/>
+              <a:t> et al., Nature</a:t>
+            </a:r>
+            <a:endParaRPr lang="en-US" dirty="0"/>
+          </a:p>
+        </p:txBody>
+      </p:sp>
       <p:sp>
         <p:nvSpPr>
           <p:cNvPr id="4" name="日期版面配置區 3"/>
@@ -15712,7 +15649,7 @@
     </p:spTree>
     <p:extLst>
       <p:ext uri="{BB962C8B-B14F-4D97-AF65-F5344CB8AC3E}">
-        <p14:creationId xmlns:p14="http://schemas.microsoft.com/office/powerpoint/2010/main" val="3085911186"/>
+        <p14:creationId xmlns:p14="http://schemas.microsoft.com/office/powerpoint/2010/main" val="162479150"/>
       </p:ext>
     </p:extLst>
   </p:cSld>
@@ -15761,37 +15698,37 @@
           <a:bodyPr/>
           <a:lstStyle/>
           <a:p>
-            <a:r>
-              <a:rPr lang="en-US" dirty="0"/>
-              <a:t>Stanford Autonomous </a:t>
-            </a:r>
-            <a:r>
-              <a:rPr lang="en-US" dirty="0" smtClean="0"/>
-              <a:t>Helicopter</a:t>
-            </a:r>
-            <a:endParaRPr lang="en-US" dirty="0"/>
-          </a:p>
-        </p:txBody>
-      </p:sp>
-      <p:sp>
-        <p:nvSpPr>
-          <p:cNvPr id="8" name="文字版面配置區 7"/>
-          <p:cNvSpPr>
-            <a:spLocks noGrp="1"/>
-          </p:cNvSpPr>
-          <p:nvPr>
-            <p:ph type="body" idx="1"/>
-          </p:nvPr>
-        </p:nvSpPr>
-        <p:spPr/>
-        <p:txBody>
-          <a:bodyPr/>
-          <a:lstStyle/>
-          <a:p>
             <a:endParaRPr lang="en-US"/>
           </a:p>
         </p:txBody>
       </p:sp>
+      <p:pic>
+        <p:nvPicPr>
+          <p:cNvPr id="9" name="V1eYniJ0Rnk"/>
+          <p:cNvPicPr>
+            <a:picLocks noGrp="1" noRot="1" noChangeAspect="1"/>
+          </p:cNvPicPr>
+          <p:nvPr>
+            <p:ph idx="1"/>
+            <a:videoFile r:link="rId1"/>
+          </p:nvPr>
+        </p:nvPicPr>
+        <p:blipFill>
+          <a:blip r:embed="rId4"/>
+          <a:stretch>
+            <a:fillRect/>
+          </a:stretch>
+        </p:blipFill>
+        <p:spPr>
+          <a:xfrm>
+            <a:off x="919018" y="497898"/>
+            <a:ext cx="10155382" cy="5712402"/>
+          </a:xfrm>
+          <a:prstGeom prst="rect">
+            <a:avLst/>
+          </a:prstGeom>
+        </p:spPr>
+      </p:pic>
       <p:sp>
         <p:nvSpPr>
           <p:cNvPr id="4" name="日期版面配置區 3"/>
@@ -15864,7 +15801,7 @@
     </p:spTree>
     <p:extLst>
       <p:ext uri="{BB962C8B-B14F-4D97-AF65-F5344CB8AC3E}">
-        <p14:creationId xmlns:p14="http://schemas.microsoft.com/office/powerpoint/2010/main" val="2446198677"/>
+        <p14:creationId xmlns:p14="http://schemas.microsoft.com/office/powerpoint/2010/main" val="3085911186"/>
       </p:ext>
     </p:extLst>
   </p:cSld>
@@ -15900,12 +15837,39 @@
       </p:grpSpPr>
       <p:sp>
         <p:nvSpPr>
-          <p:cNvPr id="2" name="標題 1"/>
+          <p:cNvPr id="7" name="標題 6"/>
           <p:cNvSpPr>
             <a:spLocks noGrp="1"/>
           </p:cNvSpPr>
           <p:nvPr>
             <p:ph type="title"/>
+          </p:nvPr>
+        </p:nvSpPr>
+        <p:spPr/>
+        <p:txBody>
+          <a:bodyPr/>
+          <a:lstStyle/>
+          <a:p>
+            <a:r>
+              <a:rPr lang="en-US" dirty="0"/>
+              <a:t>Stanford Autonomous </a:t>
+            </a:r>
+            <a:r>
+              <a:rPr lang="en-US" dirty="0" smtClean="0"/>
+              <a:t>Helicopter</a:t>
+            </a:r>
+            <a:endParaRPr lang="en-US" dirty="0"/>
+          </a:p>
+        </p:txBody>
+      </p:sp>
+      <p:sp>
+        <p:nvSpPr>
+          <p:cNvPr id="8" name="文字版面配置區 7"/>
+          <p:cNvSpPr>
+            <a:spLocks noGrp="1"/>
+          </p:cNvSpPr>
+          <p:nvPr>
+            <p:ph type="body" idx="1"/>
           </p:nvPr>
         </p:nvSpPr>
         <p:spPr/>
@@ -15981,6 +15945,131 @@
             <a:fld id="{5045ACBE-646A-47C1-AE77-0176D1C48DE1}" type="slidenum">
               <a:rPr lang="zh-TW" altLang="en-US" smtClean="0"/>
               <a:t>54</a:t>
+            </a:fld>
+            <a:endParaRPr lang="zh-TW" altLang="en-US"/>
+          </a:p>
+        </p:txBody>
+      </p:sp>
+    </p:spTree>
+    <p:extLst>
+      <p:ext uri="{BB962C8B-B14F-4D97-AF65-F5344CB8AC3E}">
+        <p14:creationId xmlns:p14="http://schemas.microsoft.com/office/powerpoint/2010/main" val="2446198677"/>
+      </p:ext>
+    </p:extLst>
+  </p:cSld>
+  <p:clrMapOvr>
+    <a:masterClrMapping/>
+  </p:clrMapOvr>
+  <p:timing>
+    <p:tnLst>
+      <p:par>
+        <p:cTn id="1" dur="indefinite" restart="never" nodeType="tmRoot"/>
+      </p:par>
+    </p:tnLst>
+  </p:timing>
+</p:sld>
+</file>
+
+<file path=ppt/slides/slide55.xml><?xml version="1.0" encoding="utf-8"?>
+<p:sld xmlns:a="http://schemas.openxmlformats.org/drawingml/2006/main" xmlns:r="http://schemas.openxmlformats.org/officeDocument/2006/relationships" xmlns:p="http://schemas.openxmlformats.org/presentationml/2006/main">
+  <p:cSld>
+    <p:spTree>
+      <p:nvGrpSpPr>
+        <p:cNvPr id="1" name=""/>
+        <p:cNvGrpSpPr/>
+        <p:nvPr/>
+      </p:nvGrpSpPr>
+      <p:grpSpPr>
+        <a:xfrm>
+          <a:off x="0" y="0"/>
+          <a:ext cx="0" cy="0"/>
+          <a:chOff x="0" y="0"/>
+          <a:chExt cx="0" cy="0"/>
+        </a:xfrm>
+      </p:grpSpPr>
+      <p:sp>
+        <p:nvSpPr>
+          <p:cNvPr id="2" name="標題 1"/>
+          <p:cNvSpPr>
+            <a:spLocks noGrp="1"/>
+          </p:cNvSpPr>
+          <p:nvPr>
+            <p:ph type="title"/>
+          </p:nvPr>
+        </p:nvSpPr>
+        <p:spPr/>
+        <p:txBody>
+          <a:bodyPr/>
+          <a:lstStyle/>
+          <a:p>
+            <a:endParaRPr lang="en-US"/>
+          </a:p>
+        </p:txBody>
+      </p:sp>
+      <p:sp>
+        <p:nvSpPr>
+          <p:cNvPr id="4" name="日期版面配置區 3"/>
+          <p:cNvSpPr>
+            <a:spLocks noGrp="1"/>
+          </p:cNvSpPr>
+          <p:nvPr>
+            <p:ph type="dt" sz="half" idx="10"/>
+          </p:nvPr>
+        </p:nvSpPr>
+        <p:spPr/>
+        <p:txBody>
+          <a:bodyPr/>
+          <a:lstStyle/>
+          <a:p>
+            <a:r>
+              <a:rPr lang="en-US" altLang="zh-TW" smtClean="0"/>
+              <a:t>February 2022</a:t>
+            </a:r>
+            <a:endParaRPr lang="zh-TW" altLang="en-US"/>
+          </a:p>
+        </p:txBody>
+      </p:sp>
+      <p:sp>
+        <p:nvSpPr>
+          <p:cNvPr id="5" name="頁尾版面配置區 4"/>
+          <p:cNvSpPr>
+            <a:spLocks noGrp="1"/>
+          </p:cNvSpPr>
+          <p:nvPr>
+            <p:ph type="ftr" sz="quarter" idx="11"/>
+          </p:nvPr>
+        </p:nvSpPr>
+        <p:spPr/>
+        <p:txBody>
+          <a:bodyPr/>
+          <a:lstStyle/>
+          <a:p>
+            <a:r>
+              <a:rPr lang="en-US" altLang="zh-TW" smtClean="0"/>
+              <a:t>National Kaohsiung University of Science and Technology</a:t>
+            </a:r>
+            <a:endParaRPr lang="zh-TW" altLang="en-US"/>
+          </a:p>
+        </p:txBody>
+      </p:sp>
+      <p:sp>
+        <p:nvSpPr>
+          <p:cNvPr id="6" name="投影片編號版面配置區 5"/>
+          <p:cNvSpPr>
+            <a:spLocks noGrp="1"/>
+          </p:cNvSpPr>
+          <p:nvPr>
+            <p:ph type="sldNum" sz="quarter" idx="12"/>
+          </p:nvPr>
+        </p:nvSpPr>
+        <p:spPr/>
+        <p:txBody>
+          <a:bodyPr/>
+          <a:lstStyle/>
+          <a:p>
+            <a:fld id="{5045ACBE-646A-47C1-AE77-0176D1C48DE1}" type="slidenum">
+              <a:rPr lang="zh-TW" altLang="en-US" smtClean="0"/>
+              <a:t>55</a:t>
             </a:fld>
             <a:endParaRPr lang="zh-TW" altLang="en-US"/>
           </a:p>
@@ -16033,7 +16122,7 @@
 </p:sld>
 </file>
 
-<file path=ppt/slides/slide55.xml><?xml version="1.0" encoding="utf-8"?>
+<file path=ppt/slides/slide56.xml><?xml version="1.0" encoding="utf-8"?>
 <p:sld xmlns:a="http://schemas.openxmlformats.org/drawingml/2006/main" xmlns:r="http://schemas.openxmlformats.org/officeDocument/2006/relationships" xmlns:p="http://schemas.openxmlformats.org/presentationml/2006/main">
   <p:cSld>
     <p:spTree>
@@ -16165,7 +16254,7 @@
           <a:p>
             <a:fld id="{5045ACBE-646A-47C1-AE77-0176D1C48DE1}" type="slidenum">
               <a:rPr lang="zh-TW" altLang="en-US" smtClean="0"/>
-              <a:t>55</a:t>
+              <a:t>56</a:t>
             </a:fld>
             <a:endParaRPr lang="zh-TW" altLang="en-US"/>
           </a:p>
@@ -16225,7 +16314,7 @@
           <a:p>
             <a:r>
               <a:rPr lang="en-US" altLang="zh-TW" dirty="0" smtClean="0"/>
-              <a:t>Today’s Agenda</a:t>
+              <a:t>Textbooks</a:t>
             </a:r>
             <a:endParaRPr lang="zh-TW" altLang="en-US" dirty="0"/>
           </a:p>
@@ -16249,31 +16338,145 @@
           <a:lstStyle/>
           <a:p>
             <a:r>
-              <a:rPr lang="en-US" dirty="0" smtClean="0"/>
-              <a:t>Introduction</a:t>
-            </a:r>
-          </a:p>
-          <a:p>
-            <a:r>
-              <a:rPr lang="en-US" dirty="0"/>
-              <a:t>Reinforcement Learning Agent</a:t>
-            </a:r>
-            <a:endParaRPr lang="en-US" dirty="0" smtClean="0"/>
-          </a:p>
-          <a:p>
-            <a:r>
-              <a:rPr lang="en-US" dirty="0"/>
-              <a:t>Categories of Reinforcement Learning </a:t>
-            </a:r>
-            <a:r>
-              <a:rPr lang="en-US" dirty="0" smtClean="0"/>
-              <a:t>Problems</a:t>
-            </a:r>
-          </a:p>
-          <a:p>
-            <a:r>
               <a:rPr lang="en-US" altLang="zh-TW" dirty="0" smtClean="0"/>
-              <a:t>Applications of Reinforcement Learning</a:t>
+              <a:t>Deep Learning</a:t>
+            </a:r>
+          </a:p>
+          <a:p>
+            <a:pPr lvl="1"/>
+            <a:r>
+              <a:rPr lang="en-US" altLang="zh-TW" dirty="0" err="1"/>
+              <a:t>Goodfellow</a:t>
+            </a:r>
+            <a:r>
+              <a:rPr lang="en-US" altLang="zh-TW" dirty="0"/>
+              <a:t> et al., Deep Learning.</a:t>
+            </a:r>
+          </a:p>
+          <a:p>
+            <a:pPr lvl="2"/>
+            <a:r>
+              <a:rPr lang="en-US" altLang="zh-TW" dirty="0">
+                <a:hlinkClick r:id="rId2"/>
+              </a:rPr>
+              <a:t>https://www.deeplearningbook.org/</a:t>
+            </a:r>
+            <a:endParaRPr lang="en-US" altLang="zh-TW" dirty="0"/>
+          </a:p>
+          <a:p>
+            <a:pPr lvl="1"/>
+            <a:r>
+              <a:rPr lang="en-US" altLang="zh-TW" dirty="0"/>
+              <a:t>Zhang et al., Dive into Deep Learning.</a:t>
+            </a:r>
+          </a:p>
+          <a:p>
+            <a:pPr lvl="2"/>
+            <a:r>
+              <a:rPr lang="en-US" altLang="zh-TW" dirty="0">
+                <a:hlinkClick r:id="rId3"/>
+              </a:rPr>
+              <a:t>https://d2l.ai/</a:t>
+            </a:r>
+            <a:endParaRPr lang="en-US" altLang="zh-TW" dirty="0"/>
+          </a:p>
+          <a:p>
+            <a:r>
+              <a:rPr lang="en-US" altLang="zh-TW" dirty="0" smtClean="0"/>
+              <a:t>Reinforcement Learning</a:t>
+            </a:r>
+          </a:p>
+          <a:p>
+            <a:pPr lvl="1"/>
+            <a:r>
+              <a:rPr lang="en-US" altLang="zh-TW" dirty="0"/>
+              <a:t>Sutton and </a:t>
+            </a:r>
+            <a:r>
+              <a:rPr lang="en-US" altLang="zh-TW" dirty="0" err="1"/>
+              <a:t>Barto</a:t>
+            </a:r>
+            <a:r>
+              <a:rPr lang="en-US" altLang="zh-TW" dirty="0"/>
+              <a:t> </a:t>
+            </a:r>
+            <a:r>
+              <a:rPr lang="en-US" altLang="zh-TW" dirty="0" smtClean="0"/>
+              <a:t>Reinforcement </a:t>
+            </a:r>
+            <a:r>
+              <a:rPr lang="en-US" altLang="zh-TW" dirty="0"/>
+              <a:t>Learning: </a:t>
+            </a:r>
+            <a:r>
+              <a:rPr lang="en-US" altLang="zh-TW" dirty="0" smtClean="0"/>
+              <a:t>An Introduction </a:t>
+            </a:r>
+          </a:p>
+          <a:p>
+            <a:pPr lvl="2"/>
+            <a:r>
+              <a:rPr lang="en-US" altLang="zh-TW" dirty="0" smtClean="0">
+                <a:hlinkClick r:id="rId4"/>
+              </a:rPr>
+              <a:t>http</a:t>
+            </a:r>
+            <a:r>
+              <a:rPr lang="en-US" altLang="zh-TW" dirty="0">
+                <a:hlinkClick r:id="rId4"/>
+              </a:rPr>
+              <a:t>://</a:t>
+            </a:r>
+            <a:r>
+              <a:rPr lang="en-US" altLang="zh-TW" dirty="0" smtClean="0">
+                <a:hlinkClick r:id="rId4"/>
+              </a:rPr>
+              <a:t>incompleteideas.net/book/the-book.html</a:t>
+            </a:r>
+            <a:endParaRPr lang="en-US" altLang="zh-TW" dirty="0" smtClean="0"/>
+          </a:p>
+          <a:p>
+            <a:pPr lvl="1"/>
+            <a:r>
+              <a:rPr lang="en-US" altLang="zh-TW" dirty="0" err="1" smtClean="0"/>
+              <a:t>Vitay</a:t>
+            </a:r>
+            <a:r>
+              <a:rPr lang="en-US" altLang="zh-TW" dirty="0"/>
+              <a:t>, </a:t>
+            </a:r>
+            <a:r>
+              <a:rPr lang="en-US" altLang="zh-TW" dirty="0" smtClean="0"/>
+              <a:t>Deep </a:t>
+            </a:r>
+            <a:r>
+              <a:rPr lang="en-US" altLang="zh-TW" dirty="0"/>
+              <a:t>Reinforcement </a:t>
+            </a:r>
+            <a:r>
+              <a:rPr lang="en-US" altLang="zh-TW" dirty="0" smtClean="0"/>
+              <a:t>Learning </a:t>
+            </a:r>
+          </a:p>
+          <a:p>
+            <a:pPr lvl="2"/>
+            <a:r>
+              <a:rPr lang="en-US" altLang="zh-TW" dirty="0" smtClean="0">
+                <a:hlinkClick r:id="rId5"/>
+              </a:rPr>
+              <a:t>https</a:t>
+            </a:r>
+            <a:r>
+              <a:rPr lang="en-US" altLang="zh-TW" dirty="0">
+                <a:hlinkClick r:id="rId5"/>
+              </a:rPr>
+              <a:t>://julien-vitay.net/deeprl</a:t>
+            </a:r>
+            <a:r>
+              <a:rPr lang="en-US" altLang="zh-TW" dirty="0" smtClean="0">
+                <a:hlinkClick r:id="rId5"/>
+              </a:rPr>
+              <a:t>/</a:t>
             </a:r>
             <a:endParaRPr lang="zh-TW" altLang="en-US" dirty="0"/>
           </a:p>
@@ -16340,7 +16543,7 @@
           <a:bodyPr/>
           <a:lstStyle/>
           <a:p>
-            <a:fld id="{5045ACBE-646A-47C1-AE77-0176D1C48DE1}" type="slidenum">
+            <a:fld id="{CA21FC57-2F32-463F-AC0A-B18DACEEE895}" type="slidenum">
               <a:rPr lang="zh-TW" altLang="en-US" smtClean="0"/>
               <a:t>6</a:t>
             </a:fld>
@@ -16351,7 +16554,7 @@
     </p:spTree>
     <p:extLst>
       <p:ext uri="{BB962C8B-B14F-4D97-AF65-F5344CB8AC3E}">
-        <p14:creationId xmlns:p14="http://schemas.microsoft.com/office/powerpoint/2010/main" val="1588424249"/>
+        <p14:creationId xmlns:p14="http://schemas.microsoft.com/office/powerpoint/2010/main" val="3640802407"/>
       </p:ext>
     </p:extLst>
   </p:cSld>
@@ -16387,7 +16590,7 @@
       </p:grpSpPr>
       <p:sp>
         <p:nvSpPr>
-          <p:cNvPr id="7" name="標題 6"/>
+          <p:cNvPr id="2" name="標題 1"/>
           <p:cNvSpPr>
             <a:spLocks noGrp="1"/>
           </p:cNvSpPr>
@@ -16398,32 +16601,61 @@
         <p:spPr/>
         <p:txBody>
           <a:bodyPr/>
+          <a:lstStyle/>
+          <a:p>
+            <a:r>
+              <a:rPr lang="en-US" altLang="zh-TW" dirty="0" smtClean="0"/>
+              <a:t>Today’s Agenda</a:t>
+            </a:r>
+            <a:endParaRPr lang="zh-TW" altLang="en-US" dirty="0"/>
+          </a:p>
+        </p:txBody>
+      </p:sp>
+      <p:sp>
+        <p:nvSpPr>
+          <p:cNvPr id="3" name="內容版面配置區 2"/>
+          <p:cNvSpPr>
+            <a:spLocks noGrp="1"/>
+          </p:cNvSpPr>
+          <p:nvPr>
+            <p:ph idx="1"/>
+          </p:nvPr>
+        </p:nvSpPr>
+        <p:spPr/>
+        <p:txBody>
+          <a:bodyPr>
+            <a:normAutofit/>
+          </a:bodyPr>
           <a:lstStyle/>
           <a:p>
             <a:r>
               <a:rPr lang="en-US" dirty="0" smtClean="0"/>
               <a:t>Introduction</a:t>
             </a:r>
-            <a:endParaRPr lang="en-US" dirty="0"/>
-          </a:p>
-        </p:txBody>
-      </p:sp>
-      <p:sp>
-        <p:nvSpPr>
-          <p:cNvPr id="8" name="文字版面配置區 7"/>
-          <p:cNvSpPr>
-            <a:spLocks noGrp="1"/>
-          </p:cNvSpPr>
-          <p:nvPr>
-            <p:ph type="body" idx="1"/>
-          </p:nvPr>
-        </p:nvSpPr>
-        <p:spPr/>
-        <p:txBody>
-          <a:bodyPr/>
-          <a:lstStyle/>
-          <a:p>
-            <a:endParaRPr lang="en-US"/>
+          </a:p>
+          <a:p>
+            <a:r>
+              <a:rPr lang="en-US" dirty="0"/>
+              <a:t>Reinforcement Learning Agent</a:t>
+            </a:r>
+            <a:endParaRPr lang="en-US" dirty="0" smtClean="0"/>
+          </a:p>
+          <a:p>
+            <a:r>
+              <a:rPr lang="en-US" dirty="0"/>
+              <a:t>Categories of Reinforcement Learning </a:t>
+            </a:r>
+            <a:r>
+              <a:rPr lang="en-US" dirty="0" smtClean="0"/>
+              <a:t>Problems</a:t>
+            </a:r>
+          </a:p>
+          <a:p>
+            <a:r>
+              <a:rPr lang="en-US" altLang="zh-TW" dirty="0" smtClean="0"/>
+              <a:t>Applications of Reinforcement Learning</a:t>
+            </a:r>
+            <a:endParaRPr lang="zh-TW" altLang="en-US" dirty="0"/>
           </a:p>
         </p:txBody>
       </p:sp>
@@ -16499,13 +16731,20 @@
     </p:spTree>
     <p:extLst>
       <p:ext uri="{BB962C8B-B14F-4D97-AF65-F5344CB8AC3E}">
-        <p14:creationId xmlns:p14="http://schemas.microsoft.com/office/powerpoint/2010/main" val="597108569"/>
+        <p14:creationId xmlns:p14="http://schemas.microsoft.com/office/powerpoint/2010/main" val="1588424249"/>
       </p:ext>
     </p:extLst>
   </p:cSld>
   <p:clrMapOvr>
     <a:masterClrMapping/>
   </p:clrMapOvr>
+  <p:timing>
+    <p:tnLst>
+      <p:par>
+        <p:cTn id="1" dur="indefinite" restart="never" nodeType="tmRoot"/>
+      </p:par>
+    </p:tnLst>
+  </p:timing>
 </p:sld>
 </file>
 
@@ -16528,7 +16767,7 @@
       </p:grpSpPr>
       <p:sp>
         <p:nvSpPr>
-          <p:cNvPr id="2" name="標題 1"/>
+          <p:cNvPr id="7" name="標題 6"/>
           <p:cNvSpPr>
             <a:spLocks noGrp="1"/>
           </p:cNvSpPr>
@@ -16543,9 +16782,28 @@
           <a:p>
             <a:r>
               <a:rPr lang="en-US" dirty="0" smtClean="0"/>
-              <a:t>Facets of Reinforcement Learning</a:t>
+              <a:t>Introduction</a:t>
             </a:r>
             <a:endParaRPr lang="en-US" dirty="0"/>
+          </a:p>
+        </p:txBody>
+      </p:sp>
+      <p:sp>
+        <p:nvSpPr>
+          <p:cNvPr id="8" name="文字版面配置區 7"/>
+          <p:cNvSpPr>
+            <a:spLocks noGrp="1"/>
+          </p:cNvSpPr>
+          <p:nvPr>
+            <p:ph type="body" idx="1"/>
+          </p:nvPr>
+        </p:nvSpPr>
+        <p:spPr/>
+        <p:txBody>
+          <a:bodyPr/>
+          <a:lstStyle/>
+          <a:p>
+            <a:endParaRPr lang="en-US"/>
           </a:p>
         </p:txBody>
       </p:sp>
@@ -16618,39 +16876,10 @@
           </a:p>
         </p:txBody>
       </p:sp>
-      <p:pic>
-        <p:nvPicPr>
-          <p:cNvPr id="9" name="內容版面配置區 8" descr="畫面剪輯"/>
-          <p:cNvPicPr>
-            <a:picLocks noGrp="1" noChangeAspect="1"/>
-          </p:cNvPicPr>
-          <p:nvPr>
-            <p:ph idx="1"/>
-          </p:nvPr>
-        </p:nvPicPr>
-        <p:blipFill>
-          <a:blip r:embed="rId2">
-            <a:extLst>
-              <a:ext uri="{28A0092B-C50C-407E-A947-70E740481C1C}">
-                <a14:useLocalDpi xmlns:a14="http://schemas.microsoft.com/office/drawing/2010/main" val="0"/>
-              </a:ext>
-            </a:extLst>
-          </a:blip>
-          <a:stretch>
-            <a:fillRect/>
-          </a:stretch>
-        </p:blipFill>
-        <p:spPr>
-          <a:xfrm>
-            <a:off x="3784741" y="1767436"/>
-            <a:ext cx="4456264" cy="4351338"/>
-          </a:xfrm>
-        </p:spPr>
-      </p:pic>
     </p:spTree>
     <p:extLst>
       <p:ext uri="{BB962C8B-B14F-4D97-AF65-F5344CB8AC3E}">
-        <p14:creationId xmlns:p14="http://schemas.microsoft.com/office/powerpoint/2010/main" val="1843330254"/>
+        <p14:creationId xmlns:p14="http://schemas.microsoft.com/office/powerpoint/2010/main" val="597108569"/>
       </p:ext>
     </p:extLst>
   </p:cSld>
@@ -16694,65 +16923,8 @@
           <a:p>
             <a:r>
               <a:rPr lang="en-US" dirty="0" smtClean="0"/>
-              <a:t>Difference between Reinforcement Learning and other Learning Algorithms</a:t>
-            </a:r>
-            <a:endParaRPr lang="en-US" dirty="0"/>
-          </a:p>
-        </p:txBody>
-      </p:sp>
-      <p:sp>
-        <p:nvSpPr>
-          <p:cNvPr id="3" name="內容版面配置區 2"/>
-          <p:cNvSpPr>
-            <a:spLocks noGrp="1"/>
-          </p:cNvSpPr>
-          <p:nvPr>
-            <p:ph idx="1"/>
-          </p:nvPr>
-        </p:nvSpPr>
-        <p:spPr/>
-        <p:txBody>
-          <a:bodyPr/>
-          <a:lstStyle/>
-          <a:p>
-            <a:r>
-              <a:rPr lang="en-US" dirty="0" smtClean="0"/>
-              <a:t>No supervisor, only reward signals.</a:t>
-            </a:r>
-          </a:p>
-          <a:p>
-            <a:r>
-              <a:rPr lang="en-US" dirty="0" smtClean="0"/>
-              <a:t>Does not get feedbacks instantaneously.</a:t>
-            </a:r>
-          </a:p>
-          <a:p>
-            <a:r>
-              <a:rPr lang="en-US" dirty="0" smtClean="0"/>
-              <a:t>Data is sequential (not </a:t>
-            </a:r>
-            <a:r>
-              <a:rPr lang="en-US" dirty="0" err="1" smtClean="0"/>
-              <a:t>i.i.d</a:t>
-            </a:r>
-            <a:r>
-              <a:rPr lang="en-US" dirty="0" smtClean="0"/>
-              <a:t>. data).</a:t>
-            </a:r>
-          </a:p>
-          <a:p>
-            <a:r>
-              <a:rPr lang="en-US" dirty="0" smtClean="0"/>
-              <a:t>The action of the agent will affect subsequent data that agent receives.</a:t>
-            </a:r>
-          </a:p>
-          <a:p>
-            <a:endParaRPr lang="en-US" dirty="0" smtClean="0"/>
-          </a:p>
-          <a:p>
-            <a:endParaRPr lang="en-US" dirty="0" smtClean="0"/>
-          </a:p>
-          <a:p>
+              <a:t>Facets of Reinforcement Learning</a:t>
+            </a:r>
             <a:endParaRPr lang="en-US" dirty="0"/>
           </a:p>
         </p:txBody>
@@ -16826,10 +16998,39 @@
           </a:p>
         </p:txBody>
       </p:sp>
+      <p:pic>
+        <p:nvPicPr>
+          <p:cNvPr id="9" name="內容版面配置區 8" descr="畫面剪輯"/>
+          <p:cNvPicPr>
+            <a:picLocks noGrp="1" noChangeAspect="1"/>
+          </p:cNvPicPr>
+          <p:nvPr>
+            <p:ph idx="1"/>
+          </p:nvPr>
+        </p:nvPicPr>
+        <p:blipFill>
+          <a:blip r:embed="rId2">
+            <a:extLst>
+              <a:ext uri="{28A0092B-C50C-407E-A947-70E740481C1C}">
+                <a14:useLocalDpi xmlns:a14="http://schemas.microsoft.com/office/drawing/2010/main" val="0"/>
+              </a:ext>
+            </a:extLst>
+          </a:blip>
+          <a:stretch>
+            <a:fillRect/>
+          </a:stretch>
+        </p:blipFill>
+        <p:spPr>
+          <a:xfrm>
+            <a:off x="3784741" y="1767436"/>
+            <a:ext cx="4456264" cy="4351338"/>
+          </a:xfrm>
+        </p:spPr>
+      </p:pic>
     </p:spTree>
     <p:extLst>
       <p:ext uri="{BB962C8B-B14F-4D97-AF65-F5344CB8AC3E}">
-        <p14:creationId xmlns:p14="http://schemas.microsoft.com/office/powerpoint/2010/main" val="1351573363"/>
+        <p14:creationId xmlns:p14="http://schemas.microsoft.com/office/powerpoint/2010/main" val="1843330254"/>
       </p:ext>
     </p:extLst>
   </p:cSld>

--- a/files/course_material/2022_Spring/PPT/Lecture1.pptx
+++ b/files/course_material/2022_Spring/PPT/Lecture1.pptx
@@ -258,7 +258,7 @@
           <a:p>
             <a:fld id="{D1D9D5B2-5D7A-4763-8DB5-E223CE43EB7B}" type="datetimeFigureOut">
               <a:rPr lang="zh-TW" altLang="en-US" smtClean="0"/>
-              <a:t>2022/2/17</a:t>
+              <a:t>2022/3/9</a:t>
             </a:fld>
             <a:endParaRPr lang="zh-TW" altLang="en-US"/>
           </a:p>
@@ -423,7 +423,7 @@
           <a:p>
             <a:fld id="{5C6EDD7B-3C59-42F5-83C0-F26EC9B997CE}" type="datetimeFigureOut">
               <a:rPr lang="zh-TW" altLang="en-US" smtClean="0"/>
-              <a:t>2022/2/17</a:t>
+              <a:t>2022/3/9</a:t>
             </a:fld>
             <a:endParaRPr lang="zh-TW" altLang="en-US"/>
           </a:p>
@@ -4842,6 +4842,13 @@
   <p:clrMapOvr>
     <a:masterClrMapping/>
   </p:clrMapOvr>
+  <p:timing>
+    <p:tnLst>
+      <p:par>
+        <p:cTn id="1" dur="indefinite" restart="never" nodeType="tmRoot"/>
+      </p:par>
+    </p:tnLst>
+  </p:timing>
 </p:sld>
 </file>
 
@@ -5298,6 +5305,13 @@
   <p:clrMapOvr>
     <a:masterClrMapping/>
   </p:clrMapOvr>
+  <p:timing>
+    <p:tnLst>
+      <p:par>
+        <p:cTn id="1" dur="indefinite" restart="never" nodeType="tmRoot"/>
+      </p:par>
+    </p:tnLst>
+  </p:timing>
 </p:sld>
 </file>
 
@@ -5583,6 +5597,13 @@
   <p:clrMapOvr>
     <a:masterClrMapping/>
   </p:clrMapOvr>
+  <p:timing>
+    <p:tnLst>
+      <p:par>
+        <p:cTn id="1" dur="indefinite" restart="never" nodeType="tmRoot"/>
+      </p:par>
+    </p:tnLst>
+  </p:timing>
 </p:sld>
 </file>
 
@@ -6035,6 +6056,13 @@
   <p:clrMapOvr>
     <a:masterClrMapping/>
   </p:clrMapOvr>
+  <p:timing>
+    <p:tnLst>
+      <p:par>
+        <p:cTn id="1" dur="indefinite" restart="never" nodeType="tmRoot"/>
+      </p:par>
+    </p:tnLst>
+  </p:timing>
 </p:sld>
 </file>
 
@@ -13301,10 +13329,9 @@
           <a:p>
             <a:pPr lvl="1"/>
             <a:r>
-              <a:rPr lang="en-US" smtClean="0"/>
+              <a:rPr lang="en-US" dirty="0" smtClean="0"/>
               <a:t>KL divergent</a:t>
             </a:r>
-            <a:endParaRPr lang="en-US" dirty="0" smtClean="0"/>
           </a:p>
           <a:p>
             <a:pPr lvl="1"/>
@@ -14387,6 +14414,13 @@
   <p:clrMapOvr>
     <a:masterClrMapping/>
   </p:clrMapOvr>
+  <p:timing>
+    <p:tnLst>
+      <p:par>
+        <p:cTn id="1" dur="indefinite" restart="never" nodeType="tmRoot"/>
+      </p:par>
+    </p:tnLst>
+  </p:timing>
 </p:sld>
 </file>
 
@@ -14530,6 +14564,13 @@
   <p:clrMapOvr>
     <a:masterClrMapping/>
   </p:clrMapOvr>
+  <p:timing>
+    <p:tnLst>
+      <p:par>
+        <p:cTn id="1" dur="indefinite" restart="never" nodeType="tmRoot"/>
+      </p:par>
+    </p:tnLst>
+  </p:timing>
 </p:sld>
 </file>
 
@@ -15438,10 +15479,10 @@
           <a:lstStyle/>
           <a:p>
             <a:r>
-              <a:rPr lang="en-US" altLang="zh-TW" smtClean="0"/>
+              <a:rPr lang="en-US" altLang="zh-TW" dirty="0" smtClean="0"/>
               <a:t>February 2022</a:t>
             </a:r>
-            <a:endParaRPr lang="zh-TW" altLang="en-US"/>
+            <a:endParaRPr lang="zh-TW" altLang="en-US" dirty="0"/>
           </a:p>
         </p:txBody>
       </p:sp>
@@ -15461,10 +15502,10 @@
           <a:lstStyle/>
           <a:p>
             <a:r>
-              <a:rPr lang="en-US" altLang="zh-TW" smtClean="0"/>
+              <a:rPr lang="en-US" altLang="zh-TW" dirty="0" smtClean="0"/>
               <a:t>National Kaohsiung University of Science and Technology</a:t>
             </a:r>
-            <a:endParaRPr lang="zh-TW" altLang="en-US"/>
+            <a:endParaRPr lang="zh-TW" altLang="en-US" dirty="0"/>
           </a:p>
         </p:txBody>
       </p:sp>
@@ -16393,12 +16434,12 @@
               <a:t>Sutton and </a:t>
             </a:r>
             <a:r>
-              <a:rPr lang="en-US" altLang="zh-TW" dirty="0" err="1"/>
+              <a:rPr lang="en-US" altLang="zh-TW" dirty="0" err="1" smtClean="0"/>
               <a:t>Barto</a:t>
             </a:r>
             <a:r>
-              <a:rPr lang="en-US" altLang="zh-TW" dirty="0"/>
-              <a:t> </a:t>
+              <a:rPr lang="en-US" altLang="zh-TW" dirty="0" smtClean="0"/>
+              <a:t>, </a:t>
             </a:r>
             <a:r>
               <a:rPr lang="en-US" altLang="zh-TW" dirty="0" smtClean="0"/>
